--- a/docs/MICRO 2022/figures/compiler.pptx
+++ b/docs/MICRO 2022/figures/compiler.pptx
@@ -104,6 +104,11 @@
       </a:defRPr>
     </a:lvl9pPr>
   </p:defaultTextStyle>
+  <p:extLst>
+    <p:ext uri="{EFAFB233-063F-42B5-8137-9DF3F51BA10A}">
+      <p15:sldGuideLst xmlns:p15="http://schemas.microsoft.com/office/powerpoint/2012/main"/>
+    </p:ext>
+  </p:extLst>
 </p:presentation>
 </file>
 
@@ -869,7 +874,7 @@
           <a:p>
             <a:fld id="{CD03C1F5-340B-497E-B9B0-9238880DB13B}" type="datetimeFigureOut">
               <a:rPr lang="en-US" smtClean="0"/>
-              <a:t>4/11/2022</a:t>
+              <a:t>4/15/2022</a:t>
             </a:fld>
             <a:endParaRPr lang="en-US"/>
           </a:p>
@@ -1067,7 +1072,7 @@
           <a:p>
             <a:fld id="{CD03C1F5-340B-497E-B9B0-9238880DB13B}" type="datetimeFigureOut">
               <a:rPr lang="en-US" smtClean="0"/>
-              <a:t>4/11/2022</a:t>
+              <a:t>4/15/2022</a:t>
             </a:fld>
             <a:endParaRPr lang="en-US"/>
           </a:p>
@@ -1275,7 +1280,7 @@
           <a:p>
             <a:fld id="{CD03C1F5-340B-497E-B9B0-9238880DB13B}" type="datetimeFigureOut">
               <a:rPr lang="en-US" smtClean="0"/>
-              <a:t>4/11/2022</a:t>
+              <a:t>4/15/2022</a:t>
             </a:fld>
             <a:endParaRPr lang="en-US"/>
           </a:p>
@@ -1473,7 +1478,7 @@
           <a:p>
             <a:fld id="{CD03C1F5-340B-497E-B9B0-9238880DB13B}" type="datetimeFigureOut">
               <a:rPr lang="en-US" smtClean="0"/>
-              <a:t>4/11/2022</a:t>
+              <a:t>4/15/2022</a:t>
             </a:fld>
             <a:endParaRPr lang="en-US"/>
           </a:p>
@@ -1748,7 +1753,7 @@
           <a:p>
             <a:fld id="{CD03C1F5-340B-497E-B9B0-9238880DB13B}" type="datetimeFigureOut">
               <a:rPr lang="en-US" smtClean="0"/>
-              <a:t>4/11/2022</a:t>
+              <a:t>4/15/2022</a:t>
             </a:fld>
             <a:endParaRPr lang="en-US"/>
           </a:p>
@@ -2013,7 +2018,7 @@
           <a:p>
             <a:fld id="{CD03C1F5-340B-497E-B9B0-9238880DB13B}" type="datetimeFigureOut">
               <a:rPr lang="en-US" smtClean="0"/>
-              <a:t>4/11/2022</a:t>
+              <a:t>4/15/2022</a:t>
             </a:fld>
             <a:endParaRPr lang="en-US"/>
           </a:p>
@@ -2425,7 +2430,7 @@
           <a:p>
             <a:fld id="{CD03C1F5-340B-497E-B9B0-9238880DB13B}" type="datetimeFigureOut">
               <a:rPr lang="en-US" smtClean="0"/>
-              <a:t>4/11/2022</a:t>
+              <a:t>4/15/2022</a:t>
             </a:fld>
             <a:endParaRPr lang="en-US"/>
           </a:p>
@@ -2566,7 +2571,7 @@
           <a:p>
             <a:fld id="{CD03C1F5-340B-497E-B9B0-9238880DB13B}" type="datetimeFigureOut">
               <a:rPr lang="en-US" smtClean="0"/>
-              <a:t>4/11/2022</a:t>
+              <a:t>4/15/2022</a:t>
             </a:fld>
             <a:endParaRPr lang="en-US"/>
           </a:p>
@@ -2679,7 +2684,7 @@
           <a:p>
             <a:fld id="{CD03C1F5-340B-497E-B9B0-9238880DB13B}" type="datetimeFigureOut">
               <a:rPr lang="en-US" smtClean="0"/>
-              <a:t>4/11/2022</a:t>
+              <a:t>4/15/2022</a:t>
             </a:fld>
             <a:endParaRPr lang="en-US"/>
           </a:p>
@@ -2990,7 +2995,7 @@
           <a:p>
             <a:fld id="{CD03C1F5-340B-497E-B9B0-9238880DB13B}" type="datetimeFigureOut">
               <a:rPr lang="en-US" smtClean="0"/>
-              <a:t>4/11/2022</a:t>
+              <a:t>4/15/2022</a:t>
             </a:fld>
             <a:endParaRPr lang="en-US"/>
           </a:p>
@@ -3278,7 +3283,7 @@
           <a:p>
             <a:fld id="{CD03C1F5-340B-497E-B9B0-9238880DB13B}" type="datetimeFigureOut">
               <a:rPr lang="en-US" smtClean="0"/>
-              <a:t>4/11/2022</a:t>
+              <a:t>4/15/2022</a:t>
             </a:fld>
             <a:endParaRPr lang="en-US"/>
           </a:p>
@@ -3519,7 +3524,7 @@
           <a:p>
             <a:fld id="{CD03C1F5-340B-497E-B9B0-9238880DB13B}" type="datetimeFigureOut">
               <a:rPr lang="en-US" smtClean="0"/>
-              <a:t>4/11/2022</a:t>
+              <a:t>4/15/2022</a:t>
             </a:fld>
             <a:endParaRPr lang="en-US"/>
           </a:p>
@@ -5005,8 +5010,8 @@
           </p:nvSpPr>
           <p:spPr>
             <a:xfrm>
-              <a:off x="6334606" y="1531240"/>
-              <a:ext cx="1462118" cy="286035"/>
+              <a:off x="7574015" y="1531574"/>
+              <a:ext cx="2428515" cy="286035"/>
             </a:xfrm>
             <a:prstGeom prst="rect">
               <a:avLst/>
@@ -5055,13 +5060,13 @@
                 <a:defRPr/>
               </a:pPr>
               <a:r>
-                <a:rPr lang="en-US" sz="3100">
+                <a:rPr lang="en-US" sz="3100" dirty="0">
                   <a:solidFill>
                     <a:prstClr val="black"/>
                   </a:solidFill>
                   <a:latin typeface="Calibri" panose="020F0502020204030204"/>
                 </a:rPr>
-                <a:t>Tree ordering</a:t>
+                <a:t>Tree reordering</a:t>
               </a:r>
             </a:p>
           </p:txBody>
@@ -5080,8 +5085,8 @@
           </p:nvSpPr>
           <p:spPr>
             <a:xfrm>
-              <a:off x="7879623" y="1531240"/>
-              <a:ext cx="2177090" cy="271835"/>
+              <a:off x="6334607" y="1540352"/>
+              <a:ext cx="1179366" cy="271835"/>
             </a:xfrm>
             <a:prstGeom prst="rect">
               <a:avLst/>
@@ -5130,13 +5135,13 @@
                 <a:defRPr/>
               </a:pPr>
               <a:r>
-                <a:rPr lang="en-US" sz="2800">
+                <a:rPr lang="en-US" sz="2800" dirty="0">
                   <a:solidFill>
                     <a:prstClr val="black"/>
                   </a:solidFill>
                   <a:latin typeface="Calibri" panose="020F0502020204030204"/>
                 </a:rPr>
-                <a:t>Input Traversal order</a:t>
+                <a:t>Tree Tiling</a:t>
               </a:r>
             </a:p>
           </p:txBody>
@@ -5183,7 +5188,7 @@
               <a:pPr algn="ctr" defTabSz="914400">
                 <a:defRPr/>
               </a:pPr>
-              <a:endParaRPr lang="en-US" sz="1600">
+              <a:endParaRPr lang="en-US" sz="1600" dirty="0">
                 <a:solidFill>
                   <a:prstClr val="black"/>
                 </a:solidFill>
@@ -5206,7 +5211,7 @@
           </p:nvSpPr>
           <p:spPr>
             <a:xfrm>
-              <a:off x="6334608" y="2120808"/>
+              <a:off x="6334608" y="2130660"/>
               <a:ext cx="1179365" cy="293425"/>
             </a:xfrm>
             <a:prstGeom prst="rect">
@@ -5256,88 +5261,13 @@
                 <a:defRPr/>
               </a:pPr>
               <a:r>
-                <a:rPr lang="en-US" sz="3100">
+                <a:rPr lang="en-US" sz="3100" dirty="0">
                   <a:solidFill>
                     <a:prstClr val="black"/>
                   </a:solidFill>
                   <a:latin typeface="Calibri" panose="020F0502020204030204"/>
                 </a:rPr>
-                <a:t>pipelining</a:t>
-              </a:r>
-            </a:p>
-          </p:txBody>
-        </p:sp>
-        <p:sp>
-          <p:nvSpPr>
-            <p:cNvPr id="124" name="Rectangle 123">
-              <a:extLst>
-                <a:ext uri="{FF2B5EF4-FFF2-40B4-BE49-F238E27FC236}">
-                  <a16:creationId xmlns:a16="http://schemas.microsoft.com/office/drawing/2014/main" id="{FC152B87-2726-85F1-F1BF-44F45BDA668E}"/>
-                </a:ext>
-              </a:extLst>
-            </p:cNvPr>
-            <p:cNvSpPr/>
-            <p:nvPr/>
-          </p:nvSpPr>
-          <p:spPr>
-            <a:xfrm>
-              <a:off x="7600690" y="2120503"/>
-              <a:ext cx="673900" cy="293425"/>
-            </a:xfrm>
-            <a:prstGeom prst="rect">
-              <a:avLst/>
-            </a:prstGeom>
-            <a:gradFill>
-              <a:gsLst>
-                <a:gs pos="0">
-                  <a:srgbClr val="00B050"/>
-                </a:gs>
-                <a:gs pos="50000">
-                  <a:srgbClr val="FFFF00"/>
-                </a:gs>
-                <a:gs pos="100000">
-                  <a:srgbClr val="00B050"/>
-                </a:gs>
-              </a:gsLst>
-            </a:gradFill>
-          </p:spPr>
-          <p:style>
-            <a:lnRef idx="1">
-              <a:schemeClr val="accent2"/>
-            </a:lnRef>
-            <a:fillRef idx="2">
-              <a:schemeClr val="accent2"/>
-            </a:fillRef>
-            <a:effectRef idx="1">
-              <a:schemeClr val="accent2"/>
-            </a:effectRef>
-            <a:fontRef idx="minor">
-              <a:schemeClr val="dk1"/>
-            </a:fontRef>
-          </p:style>
-          <p:txBody>
-            <a:bodyPr rtlCol="0" anchor="ctr">
-              <a:normAutofit/>
-            </a:bodyPr>
-            <a:lstStyle/>
-            <a:p>
-              <a:pPr algn="ctr" defTabSz="914400">
-                <a:lnSpc>
-                  <a:spcPct val="90000"/>
-                </a:lnSpc>
-                <a:spcAft>
-                  <a:spcPts val="600"/>
-                </a:spcAft>
-                <a:defRPr/>
-              </a:pPr>
-              <a:r>
-                <a:rPr lang="en-US" sz="3100">
-                  <a:solidFill>
-                    <a:prstClr val="black"/>
-                  </a:solidFill>
-                  <a:latin typeface="Calibri" panose="020F0502020204030204"/>
-                </a:rPr>
-                <a:t>tiling</a:t>
+                <a:t>Peeling</a:t>
               </a:r>
             </a:p>
           </p:txBody>
@@ -5408,7 +5338,7 @@
           <p:spPr>
             <a:xfrm>
               <a:off x="6367913" y="2678478"/>
-              <a:ext cx="2111250" cy="293425"/>
+              <a:ext cx="1718577" cy="293425"/>
             </a:xfrm>
             <a:prstGeom prst="rect">
               <a:avLst/>
@@ -5457,7 +5387,7 @@
                 <a:defRPr/>
               </a:pPr>
               <a:r>
-                <a:rPr lang="en-US" sz="3100">
+                <a:rPr lang="en-US" sz="3100" dirty="0">
                   <a:solidFill>
                     <a:prstClr val="black"/>
                   </a:solidFill>
@@ -5532,13 +5462,13 @@
                 <a:defRPr/>
               </a:pPr>
               <a:r>
-                <a:rPr lang="en-US" sz="3100">
+                <a:rPr lang="en-US" sz="3100" dirty="0">
                   <a:solidFill>
                     <a:prstClr val="black"/>
                   </a:solidFill>
                   <a:latin typeface="Calibri" panose="020F0502020204030204"/>
                 </a:rPr>
-                <a:t>parallelization</a:t>
+                <a:t>vectorization</a:t>
               </a:r>
             </a:p>
           </p:txBody>
@@ -5557,8 +5487,8 @@
           </p:nvSpPr>
           <p:spPr>
             <a:xfrm>
-              <a:off x="8361306" y="2128428"/>
-              <a:ext cx="1695408" cy="293425"/>
+              <a:off x="7539838" y="2131687"/>
+              <a:ext cx="1179365" cy="293425"/>
             </a:xfrm>
             <a:prstGeom prst="rect">
               <a:avLst/>
@@ -5593,7 +5523,7 @@
           </p:style>
           <p:txBody>
             <a:bodyPr rtlCol="0" anchor="ctr">
-              <a:normAutofit/>
+              <a:normAutofit fontScale="92500"/>
             </a:bodyPr>
             <a:lstStyle/>
             <a:p>
@@ -5607,13 +5537,13 @@
                 <a:defRPr/>
               </a:pPr>
               <a:r>
-                <a:rPr lang="en-US" sz="3100">
+                <a:rPr lang="en-US" sz="3100" dirty="0">
                   <a:solidFill>
                     <a:prstClr val="black"/>
                   </a:solidFill>
                   <a:latin typeface="Calibri" panose="020F0502020204030204"/>
                 </a:rPr>
-                <a:t>Leaf specialization</a:t>
+                <a:t>Unroll &amp; Jam</a:t>
               </a:r>
             </a:p>
           </p:txBody>
@@ -5864,6 +5794,81 @@
           </p:txBody>
         </p:sp>
       </p:grpSp>
+      <p:sp>
+        <p:nvSpPr>
+          <p:cNvPr id="3" name="Rectangle 2">
+            <a:extLst>
+              <a:ext uri="{FF2B5EF4-FFF2-40B4-BE49-F238E27FC236}">
+                <a16:creationId xmlns:a16="http://schemas.microsoft.com/office/drawing/2014/main" id="{60ECD81A-E9ED-C855-37FE-0A7A6F4B5B63}"/>
+              </a:ext>
+            </a:extLst>
+          </p:cNvPr>
+          <p:cNvSpPr/>
+          <p:nvPr/>
+        </p:nvSpPr>
+        <p:spPr>
+          <a:xfrm>
+            <a:off x="9173119" y="3471582"/>
+            <a:ext cx="2160608" cy="537557"/>
+          </a:xfrm>
+          <a:prstGeom prst="rect">
+            <a:avLst/>
+          </a:prstGeom>
+          <a:gradFill>
+            <a:gsLst>
+              <a:gs pos="0">
+                <a:srgbClr val="00B050"/>
+              </a:gs>
+              <a:gs pos="50000">
+                <a:srgbClr val="FFFF00"/>
+              </a:gs>
+              <a:gs pos="100000">
+                <a:srgbClr val="00B050"/>
+              </a:gs>
+            </a:gsLst>
+          </a:gradFill>
+        </p:spPr>
+        <p:style>
+          <a:lnRef idx="1">
+            <a:schemeClr val="accent4"/>
+          </a:lnRef>
+          <a:fillRef idx="2">
+            <a:schemeClr val="accent4"/>
+          </a:fillRef>
+          <a:effectRef idx="1">
+            <a:schemeClr val="accent4"/>
+          </a:effectRef>
+          <a:fontRef idx="minor">
+            <a:schemeClr val="dk1"/>
+          </a:fontRef>
+        </p:style>
+        <p:txBody>
+          <a:bodyPr rtlCol="0" anchor="ctr">
+            <a:normAutofit/>
+          </a:bodyPr>
+          <a:lstStyle/>
+          <a:p>
+            <a:pPr algn="ctr" defTabSz="914400">
+              <a:lnSpc>
+                <a:spcPct val="90000"/>
+              </a:lnSpc>
+              <a:spcAft>
+                <a:spcPts val="600"/>
+              </a:spcAft>
+              <a:defRPr/>
+            </a:pPr>
+            <a:r>
+              <a:rPr lang="en-US" sz="3100" dirty="0">
+                <a:solidFill>
+                  <a:prstClr val="black"/>
+                </a:solidFill>
+                <a:latin typeface="Calibri" panose="020F0502020204030204"/>
+              </a:rPr>
+              <a:t>parallelize</a:t>
+            </a:r>
+          </a:p>
+        </p:txBody>
+      </p:sp>
     </p:spTree>
     <p:extLst>
       <p:ext uri="{BB962C8B-B14F-4D97-AF65-F5344CB8AC3E}">

--- a/docs/MICRO 2022/figures/compiler.pptx
+++ b/docs/MICRO 2022/figures/compiler.pptx
@@ -4812,13 +4812,13 @@
                   <a:defRPr/>
                 </a:pPr>
                 <a:r>
-                  <a:rPr lang="en-US" sz="2800" i="1" dirty="0" err="1">
+                  <a:rPr lang="en-US" sz="2800" i="1" dirty="0">
                     <a:solidFill>
                       <a:prstClr val="black"/>
                     </a:solidFill>
                     <a:latin typeface="Calibri" panose="020F0502020204030204"/>
                   </a:rPr>
-                  <a:t>TreeBeard</a:t>
+                  <a:t>Treebeard</a:t>
                 </a:r>
                 <a:endParaRPr lang="en-US" sz="2800" b="1" dirty="0">
                   <a:solidFill>
@@ -4887,7 +4887,34 @@
                   </a:solidFill>
                   <a:latin typeface="Calibri" panose="020F0502020204030204"/>
                 </a:rPr>
-                <a:t>Intel		AMD	Arm</a:t>
+                <a:t>x86		</a:t>
+              </a:r>
+              <a:r>
+                <a:rPr lang="en-US" sz="3900" dirty="0" err="1">
+                  <a:solidFill>
+                    <a:prstClr val="black"/>
+                  </a:solidFill>
+                  <a:latin typeface="Calibri" panose="020F0502020204030204"/>
+                </a:rPr>
+                <a:t>Risc</a:t>
+              </a:r>
+              <a:r>
+                <a:rPr lang="en-US" sz="3900">
+                  <a:solidFill>
+                    <a:prstClr val="black"/>
+                  </a:solidFill>
+                  <a:latin typeface="Calibri" panose="020F0502020204030204"/>
+                </a:rPr>
+                <a:t>-V</a:t>
+              </a:r>
+              <a:r>
+                <a:rPr lang="en-US" sz="3900" dirty="0">
+                  <a:solidFill>
+                    <a:prstClr val="black"/>
+                  </a:solidFill>
+                  <a:latin typeface="Calibri" panose="020F0502020204030204"/>
+                </a:rPr>
+                <a:t>	Arm</a:t>
               </a:r>
             </a:p>
           </p:txBody>
@@ -5468,7 +5495,7 @@
                   </a:solidFill>
                   <a:latin typeface="Calibri" panose="020F0502020204030204"/>
                 </a:rPr>
-                <a:t>vectorization</a:t>
+                <a:t>Vectorization</a:t>
               </a:r>
             </a:p>
           </p:txBody>
@@ -5758,7 +5785,7 @@
                 <a:defRPr/>
               </a:pPr>
               <a:r>
-                <a:rPr lang="en-US" sz="2800" err="1">
+                <a:rPr lang="en-US" sz="2800" dirty="0" err="1">
                   <a:solidFill>
                     <a:prstClr val="black"/>
                   </a:solidFill>
@@ -5767,7 +5794,7 @@
                 <a:t>XGBoost</a:t>
               </a:r>
               <a:r>
-                <a:rPr lang="en-US" sz="2800">
+                <a:rPr lang="en-US" sz="2800" dirty="0">
                   <a:solidFill>
                     <a:prstClr val="black"/>
                   </a:solidFill>
@@ -5776,15 +5803,15 @@
                 <a:t>      </a:t>
               </a:r>
               <a:r>
-                <a:rPr lang="en-US" sz="2800" err="1">
+                <a:rPr lang="en-US" sz="2800" dirty="0" err="1">
                   <a:solidFill>
                     <a:prstClr val="black"/>
                   </a:solidFill>
                   <a:latin typeface="Calibri" panose="020F0502020204030204"/>
                 </a:rPr>
-                <a:t>LIghtGBM</a:t>
+                <a:t>LightGBM</a:t>
               </a:r>
-              <a:endParaRPr lang="en-US" sz="2800">
+              <a:endParaRPr lang="en-US" sz="2800" dirty="0">
                 <a:solidFill>
                   <a:prstClr val="black"/>
                 </a:solidFill>
@@ -5864,7 +5891,7 @@
                 </a:solidFill>
                 <a:latin typeface="Calibri" panose="020F0502020204030204"/>
               </a:rPr>
-              <a:t>parallelize</a:t>
+              <a:t>Parallelize</a:t>
             </a:r>
           </a:p>
         </p:txBody>

--- a/docs/MICRO 2022/figures/compiler.pptx
+++ b/docs/MICRO 2022/figures/compiler.pptx
@@ -118,613 +118,6 @@
     <p1510:client id="{05FB3711-8DAF-481D-9A8E-6623598A7AE5}" v="2" dt="2022-04-11T18:15:15.579"/>
   </p1510:revLst>
 </p1510:revInfo>
-</file>
-
-<file path=ppt/changesInfos/changesInfo1.xml><?xml version="1.0" encoding="utf-8"?>
-<pc:chgInfo xmlns:a="http://schemas.openxmlformats.org/drawingml/2006/main" xmlns:r="http://schemas.openxmlformats.org/officeDocument/2006/relationships" xmlns:ac="http://schemas.microsoft.com/office/drawing/2013/main/command" xmlns:pc="http://schemas.microsoft.com/office/powerpoint/2013/main/command">
-  <pc:docChgLst>
-    <pc:chgData name="Kaushik Rajan" userId="45a532a3-5530-421c-9404-49015979b47e" providerId="ADAL" clId="{05FB3711-8DAF-481D-9A8E-6623598A7AE5}"/>
-    <pc:docChg chg="undo custSel modSld modMainMaster">
-      <pc:chgData name="Kaushik Rajan" userId="45a532a3-5530-421c-9404-49015979b47e" providerId="ADAL" clId="{05FB3711-8DAF-481D-9A8E-6623598A7AE5}" dt="2022-04-11T18:17:53.822" v="520" actId="20577"/>
-      <pc:docMkLst>
-        <pc:docMk/>
-      </pc:docMkLst>
-      <pc:sldChg chg="addSp delSp modSp mod setBg addAnim delAnim">
-        <pc:chgData name="Kaushik Rajan" userId="45a532a3-5530-421c-9404-49015979b47e" providerId="ADAL" clId="{05FB3711-8DAF-481D-9A8E-6623598A7AE5}" dt="2022-04-11T18:17:53.822" v="520" actId="20577"/>
-        <pc:sldMkLst>
-          <pc:docMk/>
-          <pc:sldMk cId="1328428532" sldId="257"/>
-        </pc:sldMkLst>
-        <pc:spChg chg="add del mod topLvl">
-          <ac:chgData name="Kaushik Rajan" userId="45a532a3-5530-421c-9404-49015979b47e" providerId="ADAL" clId="{05FB3711-8DAF-481D-9A8E-6623598A7AE5}" dt="2022-04-11T18:17:53.822" v="520" actId="20577"/>
-          <ac:spMkLst>
-            <pc:docMk/>
-            <pc:sldMk cId="1328428532" sldId="257"/>
-            <ac:spMk id="15" creationId="{6B15D297-419E-7E76-2466-62A31BE1DADF}"/>
-          </ac:spMkLst>
-        </pc:spChg>
-        <pc:spChg chg="mod">
-          <ac:chgData name="Kaushik Rajan" userId="45a532a3-5530-421c-9404-49015979b47e" providerId="ADAL" clId="{05FB3711-8DAF-481D-9A8E-6623598A7AE5}" dt="2022-04-11T18:15:15.578" v="488"/>
-          <ac:spMkLst>
-            <pc:docMk/>
-            <pc:sldMk cId="1328428532" sldId="257"/>
-            <ac:spMk id="16" creationId="{4169FC49-2E0A-4BCE-4EBD-6434CD8CA826}"/>
-          </ac:spMkLst>
-        </pc:spChg>
-        <pc:spChg chg="mod">
-          <ac:chgData name="Kaushik Rajan" userId="45a532a3-5530-421c-9404-49015979b47e" providerId="ADAL" clId="{05FB3711-8DAF-481D-9A8E-6623598A7AE5}" dt="2022-04-11T18:15:15.578" v="488"/>
-          <ac:spMkLst>
-            <pc:docMk/>
-            <pc:sldMk cId="1328428532" sldId="257"/>
-            <ac:spMk id="17" creationId="{7B46A304-BA11-470F-E0D3-E3F8AC3DF6F8}"/>
-          </ac:spMkLst>
-        </pc:spChg>
-        <pc:spChg chg="mod">
-          <ac:chgData name="Kaushik Rajan" userId="45a532a3-5530-421c-9404-49015979b47e" providerId="ADAL" clId="{05FB3711-8DAF-481D-9A8E-6623598A7AE5}" dt="2022-04-11T18:15:15.578" v="488"/>
-          <ac:spMkLst>
-            <pc:docMk/>
-            <pc:sldMk cId="1328428532" sldId="257"/>
-            <ac:spMk id="18" creationId="{4855DA7B-179E-3D47-69F7-88CCBC883836}"/>
-          </ac:spMkLst>
-        </pc:spChg>
-        <pc:spChg chg="mod">
-          <ac:chgData name="Kaushik Rajan" userId="45a532a3-5530-421c-9404-49015979b47e" providerId="ADAL" clId="{05FB3711-8DAF-481D-9A8E-6623598A7AE5}" dt="2022-04-11T18:15:15.578" v="488"/>
-          <ac:spMkLst>
-            <pc:docMk/>
-            <pc:sldMk cId="1328428532" sldId="257"/>
-            <ac:spMk id="19" creationId="{30FAD0A2-2135-5F4F-4064-250D41E2032E}"/>
-          </ac:spMkLst>
-        </pc:spChg>
-        <pc:spChg chg="mod">
-          <ac:chgData name="Kaushik Rajan" userId="45a532a3-5530-421c-9404-49015979b47e" providerId="ADAL" clId="{05FB3711-8DAF-481D-9A8E-6623598A7AE5}" dt="2022-04-11T18:15:15.578" v="488"/>
-          <ac:spMkLst>
-            <pc:docMk/>
-            <pc:sldMk cId="1328428532" sldId="257"/>
-            <ac:spMk id="20" creationId="{39866E8D-C3D2-D6F4-456B-CD697C4A754B}"/>
-          </ac:spMkLst>
-        </pc:spChg>
-        <pc:spChg chg="mod">
-          <ac:chgData name="Kaushik Rajan" userId="45a532a3-5530-421c-9404-49015979b47e" providerId="ADAL" clId="{05FB3711-8DAF-481D-9A8E-6623598A7AE5}" dt="2022-04-11T18:15:15.578" v="488"/>
-          <ac:spMkLst>
-            <pc:docMk/>
-            <pc:sldMk cId="1328428532" sldId="257"/>
-            <ac:spMk id="21" creationId="{59C04025-5B22-33DC-8052-19DE0D3B966C}"/>
-          </ac:spMkLst>
-        </pc:spChg>
-        <pc:spChg chg="mod">
-          <ac:chgData name="Kaushik Rajan" userId="45a532a3-5530-421c-9404-49015979b47e" providerId="ADAL" clId="{05FB3711-8DAF-481D-9A8E-6623598A7AE5}" dt="2022-04-11T18:15:15.578" v="488"/>
-          <ac:spMkLst>
-            <pc:docMk/>
-            <pc:sldMk cId="1328428532" sldId="257"/>
-            <ac:spMk id="22" creationId="{D3816FCC-F258-7036-FEA0-E50D8FD8943D}"/>
-          </ac:spMkLst>
-        </pc:spChg>
-        <pc:spChg chg="mod">
-          <ac:chgData name="Kaushik Rajan" userId="45a532a3-5530-421c-9404-49015979b47e" providerId="ADAL" clId="{05FB3711-8DAF-481D-9A8E-6623598A7AE5}" dt="2022-04-11T18:15:15.578" v="488"/>
-          <ac:spMkLst>
-            <pc:docMk/>
-            <pc:sldMk cId="1328428532" sldId="257"/>
-            <ac:spMk id="23" creationId="{CFE5DE56-ACB7-0052-0306-E8FC4958DB9D}"/>
-          </ac:spMkLst>
-        </pc:spChg>
-        <pc:spChg chg="mod">
-          <ac:chgData name="Kaushik Rajan" userId="45a532a3-5530-421c-9404-49015979b47e" providerId="ADAL" clId="{05FB3711-8DAF-481D-9A8E-6623598A7AE5}" dt="2022-04-11T18:15:15.578" v="488"/>
-          <ac:spMkLst>
-            <pc:docMk/>
-            <pc:sldMk cId="1328428532" sldId="257"/>
-            <ac:spMk id="24" creationId="{54C7244C-7C8F-888D-9F1A-6B227E2CCCA0}"/>
-          </ac:spMkLst>
-        </pc:spChg>
-        <pc:spChg chg="mod">
-          <ac:chgData name="Kaushik Rajan" userId="45a532a3-5530-421c-9404-49015979b47e" providerId="ADAL" clId="{05FB3711-8DAF-481D-9A8E-6623598A7AE5}" dt="2022-04-11T18:15:15.578" v="488"/>
-          <ac:spMkLst>
-            <pc:docMk/>
-            <pc:sldMk cId="1328428532" sldId="257"/>
-            <ac:spMk id="25" creationId="{3C5E3851-FCF7-CC9F-B408-30815C9DE9D2}"/>
-          </ac:spMkLst>
-        </pc:spChg>
-        <pc:spChg chg="del mod">
-          <ac:chgData name="Kaushik Rajan" userId="45a532a3-5530-421c-9404-49015979b47e" providerId="ADAL" clId="{05FB3711-8DAF-481D-9A8E-6623598A7AE5}" dt="2022-04-11T18:11:26.647" v="226" actId="478"/>
-          <ac:spMkLst>
-            <pc:docMk/>
-            <pc:sldMk cId="1328428532" sldId="257"/>
-            <ac:spMk id="47" creationId="{0D65D12E-B141-A048-7814-880049A4B738}"/>
-          </ac:spMkLst>
-        </pc:spChg>
-        <pc:spChg chg="mod">
-          <ac:chgData name="Kaushik Rajan" userId="45a532a3-5530-421c-9404-49015979b47e" providerId="ADAL" clId="{05FB3711-8DAF-481D-9A8E-6623598A7AE5}" dt="2022-04-11T18:15:15.578" v="488"/>
-          <ac:spMkLst>
-            <pc:docMk/>
-            <pc:sldMk cId="1328428532" sldId="257"/>
-            <ac:spMk id="48" creationId="{54E2DBB4-739E-5A3A-14A3-98EA7024D875}"/>
-          </ac:spMkLst>
-        </pc:spChg>
-        <pc:spChg chg="mod">
-          <ac:chgData name="Kaushik Rajan" userId="45a532a3-5530-421c-9404-49015979b47e" providerId="ADAL" clId="{05FB3711-8DAF-481D-9A8E-6623598A7AE5}" dt="2022-04-11T18:16:13.165" v="497" actId="20577"/>
-          <ac:spMkLst>
-            <pc:docMk/>
-            <pc:sldMk cId="1328428532" sldId="257"/>
-            <ac:spMk id="49" creationId="{FED197CB-7AA9-7954-AC0A-4C2D404C6060}"/>
-          </ac:spMkLst>
-        </pc:spChg>
-        <pc:spChg chg="del">
-          <ac:chgData name="Kaushik Rajan" userId="45a532a3-5530-421c-9404-49015979b47e" providerId="ADAL" clId="{05FB3711-8DAF-481D-9A8E-6623598A7AE5}" dt="2022-04-11T18:11:03.441" v="156" actId="478"/>
-          <ac:spMkLst>
-            <pc:docMk/>
-            <pc:sldMk cId="1328428532" sldId="257"/>
-            <ac:spMk id="106" creationId="{63295AE9-AC63-5646-EBD2-4637D3BE2AFF}"/>
-          </ac:spMkLst>
-        </pc:spChg>
-        <pc:spChg chg="mod">
-          <ac:chgData name="Kaushik Rajan" userId="45a532a3-5530-421c-9404-49015979b47e" providerId="ADAL" clId="{05FB3711-8DAF-481D-9A8E-6623598A7AE5}" dt="2022-04-11T18:15:15.578" v="488"/>
-          <ac:spMkLst>
-            <pc:docMk/>
-            <pc:sldMk cId="1328428532" sldId="257"/>
-            <ac:spMk id="110" creationId="{117163BE-17B5-F936-D9CA-6FB5752CE6CE}"/>
-          </ac:spMkLst>
-        </pc:spChg>
-        <pc:spChg chg="mod">
-          <ac:chgData name="Kaushik Rajan" userId="45a532a3-5530-421c-9404-49015979b47e" providerId="ADAL" clId="{05FB3711-8DAF-481D-9A8E-6623598A7AE5}" dt="2022-04-11T18:15:15.578" v="488"/>
-          <ac:spMkLst>
-            <pc:docMk/>
-            <pc:sldMk cId="1328428532" sldId="257"/>
-            <ac:spMk id="114" creationId="{0EC2F3D1-DE4E-89D0-5909-2955F379CE1E}"/>
-          </ac:spMkLst>
-        </pc:spChg>
-        <pc:spChg chg="mod">
-          <ac:chgData name="Kaushik Rajan" userId="45a532a3-5530-421c-9404-49015979b47e" providerId="ADAL" clId="{05FB3711-8DAF-481D-9A8E-6623598A7AE5}" dt="2022-04-11T18:15:15.578" v="488"/>
-          <ac:spMkLst>
-            <pc:docMk/>
-            <pc:sldMk cId="1328428532" sldId="257"/>
-            <ac:spMk id="116" creationId="{D35F5C1D-11ED-ADEA-064B-086A8D9F9C0C}"/>
-          </ac:spMkLst>
-        </pc:spChg>
-        <pc:spChg chg="del">
-          <ac:chgData name="Kaushik Rajan" userId="45a532a3-5530-421c-9404-49015979b47e" providerId="ADAL" clId="{05FB3711-8DAF-481D-9A8E-6623598A7AE5}" dt="2022-04-11T18:10:44.929" v="141" actId="478"/>
-          <ac:spMkLst>
-            <pc:docMk/>
-            <pc:sldMk cId="1328428532" sldId="257"/>
-            <ac:spMk id="118" creationId="{3E7EEB2B-EE47-B244-E75C-58E12CF0A0E4}"/>
-          </ac:spMkLst>
-        </pc:spChg>
-        <pc:spChg chg="mod">
-          <ac:chgData name="Kaushik Rajan" userId="45a532a3-5530-421c-9404-49015979b47e" providerId="ADAL" clId="{05FB3711-8DAF-481D-9A8E-6623598A7AE5}" dt="2022-04-11T18:15:15.578" v="488"/>
-          <ac:spMkLst>
-            <pc:docMk/>
-            <pc:sldMk cId="1328428532" sldId="257"/>
-            <ac:spMk id="120" creationId="{750D08E4-1BCE-8327-327B-A70E59CBCF1D}"/>
-          </ac:spMkLst>
-        </pc:spChg>
-        <pc:spChg chg="mod">
-          <ac:chgData name="Kaushik Rajan" userId="45a532a3-5530-421c-9404-49015979b47e" providerId="ADAL" clId="{05FB3711-8DAF-481D-9A8E-6623598A7AE5}" dt="2022-04-11T18:15:15.578" v="488"/>
-          <ac:spMkLst>
-            <pc:docMk/>
-            <pc:sldMk cId="1328428532" sldId="257"/>
-            <ac:spMk id="122" creationId="{21DE96D0-4FA3-EEF5-2D85-FDA8B3E5522A}"/>
-          </ac:spMkLst>
-        </pc:spChg>
-        <pc:spChg chg="mod">
-          <ac:chgData name="Kaushik Rajan" userId="45a532a3-5530-421c-9404-49015979b47e" providerId="ADAL" clId="{05FB3711-8DAF-481D-9A8E-6623598A7AE5}" dt="2022-04-11T18:15:15.578" v="488"/>
-          <ac:spMkLst>
-            <pc:docMk/>
-            <pc:sldMk cId="1328428532" sldId="257"/>
-            <ac:spMk id="124" creationId="{FC152B87-2726-85F1-F1BF-44F45BDA668E}"/>
-          </ac:spMkLst>
-        </pc:spChg>
-        <pc:spChg chg="mod">
-          <ac:chgData name="Kaushik Rajan" userId="45a532a3-5530-421c-9404-49015979b47e" providerId="ADAL" clId="{05FB3711-8DAF-481D-9A8E-6623598A7AE5}" dt="2022-04-11T18:15:15.578" v="488"/>
-          <ac:spMkLst>
-            <pc:docMk/>
-            <pc:sldMk cId="1328428532" sldId="257"/>
-            <ac:spMk id="142" creationId="{83DE1272-5098-D016-6835-F7D2DB136AE9}"/>
-          </ac:spMkLst>
-        </pc:spChg>
-        <pc:spChg chg="mod">
-          <ac:chgData name="Kaushik Rajan" userId="45a532a3-5530-421c-9404-49015979b47e" providerId="ADAL" clId="{05FB3711-8DAF-481D-9A8E-6623598A7AE5}" dt="2022-04-11T18:15:15.578" v="488"/>
-          <ac:spMkLst>
-            <pc:docMk/>
-            <pc:sldMk cId="1328428532" sldId="257"/>
-            <ac:spMk id="144" creationId="{5AA30D4C-5751-4EAB-9CA9-F7359C3B8BFE}"/>
-          </ac:spMkLst>
-        </pc:spChg>
-        <pc:spChg chg="mod">
-          <ac:chgData name="Kaushik Rajan" userId="45a532a3-5530-421c-9404-49015979b47e" providerId="ADAL" clId="{05FB3711-8DAF-481D-9A8E-6623598A7AE5}" dt="2022-04-11T18:15:15.578" v="488"/>
-          <ac:spMkLst>
-            <pc:docMk/>
-            <pc:sldMk cId="1328428532" sldId="257"/>
-            <ac:spMk id="146" creationId="{2F05A5FA-29CE-D73C-633F-FC22C59AB55A}"/>
-          </ac:spMkLst>
-        </pc:spChg>
-        <pc:spChg chg="add mod">
-          <ac:chgData name="Kaushik Rajan" userId="45a532a3-5530-421c-9404-49015979b47e" providerId="ADAL" clId="{05FB3711-8DAF-481D-9A8E-6623598A7AE5}" dt="2022-04-11T18:15:15.578" v="488"/>
-          <ac:spMkLst>
-            <pc:docMk/>
-            <pc:sldMk cId="1328428532" sldId="257"/>
-            <ac:spMk id="148" creationId="{E97AAE40-F817-F248-97B8-6D0A8A498729}"/>
-          </ac:spMkLst>
-        </pc:spChg>
-        <pc:spChg chg="add mod">
-          <ac:chgData name="Kaushik Rajan" userId="45a532a3-5530-421c-9404-49015979b47e" providerId="ADAL" clId="{05FB3711-8DAF-481D-9A8E-6623598A7AE5}" dt="2022-04-11T18:15:15.578" v="488"/>
-          <ac:spMkLst>
-            <pc:docMk/>
-            <pc:sldMk cId="1328428532" sldId="257"/>
-            <ac:spMk id="150" creationId="{B889C47F-23A2-91B5-AB47-5DB59973E3CF}"/>
-          </ac:spMkLst>
-        </pc:spChg>
-        <pc:spChg chg="add mod">
-          <ac:chgData name="Kaushik Rajan" userId="45a532a3-5530-421c-9404-49015979b47e" providerId="ADAL" clId="{05FB3711-8DAF-481D-9A8E-6623598A7AE5}" dt="2022-04-11T18:15:15.578" v="488"/>
-          <ac:spMkLst>
-            <pc:docMk/>
-            <pc:sldMk cId="1328428532" sldId="257"/>
-            <ac:spMk id="152" creationId="{B53281CA-DA16-0C69-47CA-39958BE283F2}"/>
-          </ac:spMkLst>
-        </pc:spChg>
-        <pc:spChg chg="add mod">
-          <ac:chgData name="Kaushik Rajan" userId="45a532a3-5530-421c-9404-49015979b47e" providerId="ADAL" clId="{05FB3711-8DAF-481D-9A8E-6623598A7AE5}" dt="2022-04-11T18:15:15.578" v="488"/>
-          <ac:spMkLst>
-            <pc:docMk/>
-            <pc:sldMk cId="1328428532" sldId="257"/>
-            <ac:spMk id="154" creationId="{27AD6C91-B42E-3E57-805C-9040E777B41C}"/>
-          </ac:spMkLst>
-        </pc:spChg>
-        <pc:spChg chg="add mod">
-          <ac:chgData name="Kaushik Rajan" userId="45a532a3-5530-421c-9404-49015979b47e" providerId="ADAL" clId="{05FB3711-8DAF-481D-9A8E-6623598A7AE5}" dt="2022-04-11T18:15:15.578" v="488"/>
-          <ac:spMkLst>
-            <pc:docMk/>
-            <pc:sldMk cId="1328428532" sldId="257"/>
-            <ac:spMk id="156" creationId="{C7B84897-8E81-CFD8-8FD2-98A950F48A13}"/>
-          </ac:spMkLst>
-        </pc:spChg>
-        <pc:spChg chg="add del">
-          <ac:chgData name="Kaushik Rajan" userId="45a532a3-5530-421c-9404-49015979b47e" providerId="ADAL" clId="{05FB3711-8DAF-481D-9A8E-6623598A7AE5}" dt="2022-04-11T18:16:31.398" v="500" actId="26606"/>
-          <ac:spMkLst>
-            <pc:docMk/>
-            <pc:sldMk cId="1328428532" sldId="257"/>
-            <ac:spMk id="162" creationId="{01D0AF59-99C3-4251-AB9A-C966C6AD4400}"/>
-          </ac:spMkLst>
-        </pc:spChg>
-        <pc:spChg chg="add del">
-          <ac:chgData name="Kaushik Rajan" userId="45a532a3-5530-421c-9404-49015979b47e" providerId="ADAL" clId="{05FB3711-8DAF-481D-9A8E-6623598A7AE5}" dt="2022-04-11T18:16:31.398" v="500" actId="26606"/>
-          <ac:spMkLst>
-            <pc:docMk/>
-            <pc:sldMk cId="1328428532" sldId="257"/>
-            <ac:spMk id="164" creationId="{1855405F-37A2-4869-9154-F8BE3BECE6C3}"/>
-          </ac:spMkLst>
-        </pc:spChg>
-        <pc:spChg chg="add del">
-          <ac:chgData name="Kaushik Rajan" userId="45a532a3-5530-421c-9404-49015979b47e" providerId="ADAL" clId="{05FB3711-8DAF-481D-9A8E-6623598A7AE5}" dt="2022-04-11T18:16:31.387" v="499" actId="26606"/>
-          <ac:spMkLst>
-            <pc:docMk/>
-            <pc:sldMk cId="1328428532" sldId="257"/>
-            <ac:spMk id="169" creationId="{32BC26D8-82FB-445E-AA49-62A77D7C1EE0}"/>
-          </ac:spMkLst>
-        </pc:spChg>
-        <pc:spChg chg="add del">
-          <ac:chgData name="Kaushik Rajan" userId="45a532a3-5530-421c-9404-49015979b47e" providerId="ADAL" clId="{05FB3711-8DAF-481D-9A8E-6623598A7AE5}" dt="2022-04-11T18:16:31.387" v="499" actId="26606"/>
-          <ac:spMkLst>
-            <pc:docMk/>
-            <pc:sldMk cId="1328428532" sldId="257"/>
-            <ac:spMk id="171" creationId="{CB44330D-EA18-4254-AA95-EB49948539B8}"/>
-          </ac:spMkLst>
-        </pc:spChg>
-        <pc:spChg chg="add">
-          <ac:chgData name="Kaushik Rajan" userId="45a532a3-5530-421c-9404-49015979b47e" providerId="ADAL" clId="{05FB3711-8DAF-481D-9A8E-6623598A7AE5}" dt="2022-04-11T18:16:31.398" v="500" actId="26606"/>
-          <ac:spMkLst>
-            <pc:docMk/>
-            <pc:sldMk cId="1328428532" sldId="257"/>
-            <ac:spMk id="173" creationId="{01D0AF59-99C3-4251-AB9A-C966C6AD4400}"/>
-          </ac:spMkLst>
-        </pc:spChg>
-        <pc:spChg chg="add">
-          <ac:chgData name="Kaushik Rajan" userId="45a532a3-5530-421c-9404-49015979b47e" providerId="ADAL" clId="{05FB3711-8DAF-481D-9A8E-6623598A7AE5}" dt="2022-04-11T18:16:31.398" v="500" actId="26606"/>
-          <ac:spMkLst>
-            <pc:docMk/>
-            <pc:sldMk cId="1328428532" sldId="257"/>
-            <ac:spMk id="174" creationId="{1855405F-37A2-4869-9154-F8BE3BECE6C3}"/>
-          </ac:spMkLst>
-        </pc:spChg>
-        <pc:grpChg chg="add del mod">
-          <ac:chgData name="Kaushik Rajan" userId="45a532a3-5530-421c-9404-49015979b47e" providerId="ADAL" clId="{05FB3711-8DAF-481D-9A8E-6623598A7AE5}" dt="2022-04-11T18:15:15.578" v="488"/>
-          <ac:grpSpMkLst>
-            <pc:docMk/>
-            <pc:sldMk cId="1328428532" sldId="257"/>
-            <ac:grpSpMk id="13" creationId="{8C77EA4B-1D7E-FA35-F406-CA4B13BA084A}"/>
-          </ac:grpSpMkLst>
-        </pc:grpChg>
-        <pc:grpChg chg="mod topLvl">
-          <ac:chgData name="Kaushik Rajan" userId="45a532a3-5530-421c-9404-49015979b47e" providerId="ADAL" clId="{05FB3711-8DAF-481D-9A8E-6623598A7AE5}" dt="2022-04-11T18:15:15.578" v="488"/>
-          <ac:grpSpMkLst>
-            <pc:docMk/>
-            <pc:sldMk cId="1328428532" sldId="257"/>
-            <ac:grpSpMk id="14" creationId="{7C7C06E3-7CF4-385C-9D04-27DCFA118963}"/>
-          </ac:grpSpMkLst>
-        </pc:grpChg>
-        <pc:grpChg chg="add mod">
-          <ac:chgData name="Kaushik Rajan" userId="45a532a3-5530-421c-9404-49015979b47e" providerId="ADAL" clId="{05FB3711-8DAF-481D-9A8E-6623598A7AE5}" dt="2022-04-11T18:15:50.621" v="491" actId="26606"/>
-          <ac:grpSpMkLst>
-            <pc:docMk/>
-            <pc:sldMk cId="1328428532" sldId="257"/>
-            <ac:grpSpMk id="157" creationId="{E3B9A488-6AF5-E83C-F88F-2AF37A537DA1}"/>
-          </ac:grpSpMkLst>
-        </pc:grpChg>
-      </pc:sldChg>
-      <pc:sldMasterChg chg="modSp modSldLayout">
-        <pc:chgData name="Kaushik Rajan" userId="45a532a3-5530-421c-9404-49015979b47e" providerId="ADAL" clId="{05FB3711-8DAF-481D-9A8E-6623598A7AE5}" dt="2022-04-11T18:15:15.578" v="488"/>
-        <pc:sldMasterMkLst>
-          <pc:docMk/>
-          <pc:sldMasterMk cId="2622588083" sldId="2147483648"/>
-        </pc:sldMasterMkLst>
-        <pc:spChg chg="mod">
-          <ac:chgData name="Kaushik Rajan" userId="45a532a3-5530-421c-9404-49015979b47e" providerId="ADAL" clId="{05FB3711-8DAF-481D-9A8E-6623598A7AE5}" dt="2022-04-11T18:15:15.578" v="488"/>
-          <ac:spMkLst>
-            <pc:docMk/>
-            <pc:sldMasterMk cId="2622588083" sldId="2147483648"/>
-            <ac:spMk id="2" creationId="{2494B1B7-B7B1-C272-4256-E93243B4930B}"/>
-          </ac:spMkLst>
-        </pc:spChg>
-        <pc:spChg chg="mod">
-          <ac:chgData name="Kaushik Rajan" userId="45a532a3-5530-421c-9404-49015979b47e" providerId="ADAL" clId="{05FB3711-8DAF-481D-9A8E-6623598A7AE5}" dt="2022-04-11T18:15:15.578" v="488"/>
-          <ac:spMkLst>
-            <pc:docMk/>
-            <pc:sldMasterMk cId="2622588083" sldId="2147483648"/>
-            <ac:spMk id="3" creationId="{E537E6D0-4DF5-7491-BC71-A2F261F2E898}"/>
-          </ac:spMkLst>
-        </pc:spChg>
-        <pc:spChg chg="mod">
-          <ac:chgData name="Kaushik Rajan" userId="45a532a3-5530-421c-9404-49015979b47e" providerId="ADAL" clId="{05FB3711-8DAF-481D-9A8E-6623598A7AE5}" dt="2022-04-11T18:15:15.578" v="488"/>
-          <ac:spMkLst>
-            <pc:docMk/>
-            <pc:sldMasterMk cId="2622588083" sldId="2147483648"/>
-            <ac:spMk id="4" creationId="{91326674-71C2-7241-5B17-A426B6A91538}"/>
-          </ac:spMkLst>
-        </pc:spChg>
-        <pc:spChg chg="mod">
-          <ac:chgData name="Kaushik Rajan" userId="45a532a3-5530-421c-9404-49015979b47e" providerId="ADAL" clId="{05FB3711-8DAF-481D-9A8E-6623598A7AE5}" dt="2022-04-11T18:15:15.578" v="488"/>
-          <ac:spMkLst>
-            <pc:docMk/>
-            <pc:sldMasterMk cId="2622588083" sldId="2147483648"/>
-            <ac:spMk id="5" creationId="{9384CDB5-AD7A-D48D-2BF8-E1086DF26955}"/>
-          </ac:spMkLst>
-        </pc:spChg>
-        <pc:spChg chg="mod">
-          <ac:chgData name="Kaushik Rajan" userId="45a532a3-5530-421c-9404-49015979b47e" providerId="ADAL" clId="{05FB3711-8DAF-481D-9A8E-6623598A7AE5}" dt="2022-04-11T18:15:15.578" v="488"/>
-          <ac:spMkLst>
-            <pc:docMk/>
-            <pc:sldMasterMk cId="2622588083" sldId="2147483648"/>
-            <ac:spMk id="6" creationId="{3B4DB47C-DADD-D3E2-6EFF-511521ED3BD7}"/>
-          </ac:spMkLst>
-        </pc:spChg>
-        <pc:sldLayoutChg chg="modSp">
-          <pc:chgData name="Kaushik Rajan" userId="45a532a3-5530-421c-9404-49015979b47e" providerId="ADAL" clId="{05FB3711-8DAF-481D-9A8E-6623598A7AE5}" dt="2022-04-11T18:15:15.578" v="488"/>
-          <pc:sldLayoutMkLst>
-            <pc:docMk/>
-            <pc:sldMasterMk cId="2622588083" sldId="2147483648"/>
-            <pc:sldLayoutMk cId="3932526157" sldId="2147483649"/>
-          </pc:sldLayoutMkLst>
-          <pc:spChg chg="mod">
-            <ac:chgData name="Kaushik Rajan" userId="45a532a3-5530-421c-9404-49015979b47e" providerId="ADAL" clId="{05FB3711-8DAF-481D-9A8E-6623598A7AE5}" dt="2022-04-11T18:15:15.578" v="488"/>
-            <ac:spMkLst>
-              <pc:docMk/>
-              <pc:sldMasterMk cId="2622588083" sldId="2147483648"/>
-              <pc:sldLayoutMk cId="3932526157" sldId="2147483649"/>
-              <ac:spMk id="2" creationId="{405BA86F-8F49-06EF-4F7E-8213841B77C4}"/>
-            </ac:spMkLst>
-          </pc:spChg>
-          <pc:spChg chg="mod">
-            <ac:chgData name="Kaushik Rajan" userId="45a532a3-5530-421c-9404-49015979b47e" providerId="ADAL" clId="{05FB3711-8DAF-481D-9A8E-6623598A7AE5}" dt="2022-04-11T18:15:15.578" v="488"/>
-            <ac:spMkLst>
-              <pc:docMk/>
-              <pc:sldMasterMk cId="2622588083" sldId="2147483648"/>
-              <pc:sldLayoutMk cId="3932526157" sldId="2147483649"/>
-              <ac:spMk id="3" creationId="{86769CF2-A56E-2D8B-F120-7EF2FFB7CB4E}"/>
-            </ac:spMkLst>
-          </pc:spChg>
-        </pc:sldLayoutChg>
-        <pc:sldLayoutChg chg="modSp">
-          <pc:chgData name="Kaushik Rajan" userId="45a532a3-5530-421c-9404-49015979b47e" providerId="ADAL" clId="{05FB3711-8DAF-481D-9A8E-6623598A7AE5}" dt="2022-04-11T18:15:15.578" v="488"/>
-          <pc:sldLayoutMkLst>
-            <pc:docMk/>
-            <pc:sldMasterMk cId="2622588083" sldId="2147483648"/>
-            <pc:sldLayoutMk cId="575068175" sldId="2147483651"/>
-          </pc:sldLayoutMkLst>
-          <pc:spChg chg="mod">
-            <ac:chgData name="Kaushik Rajan" userId="45a532a3-5530-421c-9404-49015979b47e" providerId="ADAL" clId="{05FB3711-8DAF-481D-9A8E-6623598A7AE5}" dt="2022-04-11T18:15:15.578" v="488"/>
-            <ac:spMkLst>
-              <pc:docMk/>
-              <pc:sldMasterMk cId="2622588083" sldId="2147483648"/>
-              <pc:sldLayoutMk cId="575068175" sldId="2147483651"/>
-              <ac:spMk id="2" creationId="{FD79ADE6-D33C-3380-D7FB-D6BEA0C36685}"/>
-            </ac:spMkLst>
-          </pc:spChg>
-          <pc:spChg chg="mod">
-            <ac:chgData name="Kaushik Rajan" userId="45a532a3-5530-421c-9404-49015979b47e" providerId="ADAL" clId="{05FB3711-8DAF-481D-9A8E-6623598A7AE5}" dt="2022-04-11T18:15:15.578" v="488"/>
-            <ac:spMkLst>
-              <pc:docMk/>
-              <pc:sldMasterMk cId="2622588083" sldId="2147483648"/>
-              <pc:sldLayoutMk cId="575068175" sldId="2147483651"/>
-              <ac:spMk id="3" creationId="{762DBEE0-FB1A-FDD5-6444-A2DE3EE90097}"/>
-            </ac:spMkLst>
-          </pc:spChg>
-        </pc:sldLayoutChg>
-        <pc:sldLayoutChg chg="modSp">
-          <pc:chgData name="Kaushik Rajan" userId="45a532a3-5530-421c-9404-49015979b47e" providerId="ADAL" clId="{05FB3711-8DAF-481D-9A8E-6623598A7AE5}" dt="2022-04-11T18:15:15.578" v="488"/>
-          <pc:sldLayoutMkLst>
-            <pc:docMk/>
-            <pc:sldMasterMk cId="2622588083" sldId="2147483648"/>
-            <pc:sldLayoutMk cId="3901705216" sldId="2147483652"/>
-          </pc:sldLayoutMkLst>
-          <pc:spChg chg="mod">
-            <ac:chgData name="Kaushik Rajan" userId="45a532a3-5530-421c-9404-49015979b47e" providerId="ADAL" clId="{05FB3711-8DAF-481D-9A8E-6623598A7AE5}" dt="2022-04-11T18:15:15.578" v="488"/>
-            <ac:spMkLst>
-              <pc:docMk/>
-              <pc:sldMasterMk cId="2622588083" sldId="2147483648"/>
-              <pc:sldLayoutMk cId="3901705216" sldId="2147483652"/>
-              <ac:spMk id="3" creationId="{00210695-702B-9736-4B43-96746A9B981D}"/>
-            </ac:spMkLst>
-          </pc:spChg>
-          <pc:spChg chg="mod">
-            <ac:chgData name="Kaushik Rajan" userId="45a532a3-5530-421c-9404-49015979b47e" providerId="ADAL" clId="{05FB3711-8DAF-481D-9A8E-6623598A7AE5}" dt="2022-04-11T18:15:15.578" v="488"/>
-            <ac:spMkLst>
-              <pc:docMk/>
-              <pc:sldMasterMk cId="2622588083" sldId="2147483648"/>
-              <pc:sldLayoutMk cId="3901705216" sldId="2147483652"/>
-              <ac:spMk id="4" creationId="{18033185-082B-5B87-697F-543064EDF9EC}"/>
-            </ac:spMkLst>
-          </pc:spChg>
-        </pc:sldLayoutChg>
-        <pc:sldLayoutChg chg="modSp">
-          <pc:chgData name="Kaushik Rajan" userId="45a532a3-5530-421c-9404-49015979b47e" providerId="ADAL" clId="{05FB3711-8DAF-481D-9A8E-6623598A7AE5}" dt="2022-04-11T18:15:15.578" v="488"/>
-          <pc:sldLayoutMkLst>
-            <pc:docMk/>
-            <pc:sldMasterMk cId="2622588083" sldId="2147483648"/>
-            <pc:sldLayoutMk cId="1100054588" sldId="2147483653"/>
-          </pc:sldLayoutMkLst>
-          <pc:spChg chg="mod">
-            <ac:chgData name="Kaushik Rajan" userId="45a532a3-5530-421c-9404-49015979b47e" providerId="ADAL" clId="{05FB3711-8DAF-481D-9A8E-6623598A7AE5}" dt="2022-04-11T18:15:15.578" v="488"/>
-            <ac:spMkLst>
-              <pc:docMk/>
-              <pc:sldMasterMk cId="2622588083" sldId="2147483648"/>
-              <pc:sldLayoutMk cId="1100054588" sldId="2147483653"/>
-              <ac:spMk id="2" creationId="{EF6CD0A1-051E-C711-6906-CC3AE8446B10}"/>
-            </ac:spMkLst>
-          </pc:spChg>
-          <pc:spChg chg="mod">
-            <ac:chgData name="Kaushik Rajan" userId="45a532a3-5530-421c-9404-49015979b47e" providerId="ADAL" clId="{05FB3711-8DAF-481D-9A8E-6623598A7AE5}" dt="2022-04-11T18:15:15.578" v="488"/>
-            <ac:spMkLst>
-              <pc:docMk/>
-              <pc:sldMasterMk cId="2622588083" sldId="2147483648"/>
-              <pc:sldLayoutMk cId="1100054588" sldId="2147483653"/>
-              <ac:spMk id="3" creationId="{EDA879F3-1D35-0CF2-5566-FBACC5B34847}"/>
-            </ac:spMkLst>
-          </pc:spChg>
-          <pc:spChg chg="mod">
-            <ac:chgData name="Kaushik Rajan" userId="45a532a3-5530-421c-9404-49015979b47e" providerId="ADAL" clId="{05FB3711-8DAF-481D-9A8E-6623598A7AE5}" dt="2022-04-11T18:15:15.578" v="488"/>
-            <ac:spMkLst>
-              <pc:docMk/>
-              <pc:sldMasterMk cId="2622588083" sldId="2147483648"/>
-              <pc:sldLayoutMk cId="1100054588" sldId="2147483653"/>
-              <ac:spMk id="4" creationId="{E79C512C-F426-A60C-6B8A-FE24149F04FA}"/>
-            </ac:spMkLst>
-          </pc:spChg>
-          <pc:spChg chg="mod">
-            <ac:chgData name="Kaushik Rajan" userId="45a532a3-5530-421c-9404-49015979b47e" providerId="ADAL" clId="{05FB3711-8DAF-481D-9A8E-6623598A7AE5}" dt="2022-04-11T18:15:15.578" v="488"/>
-            <ac:spMkLst>
-              <pc:docMk/>
-              <pc:sldMasterMk cId="2622588083" sldId="2147483648"/>
-              <pc:sldLayoutMk cId="1100054588" sldId="2147483653"/>
-              <ac:spMk id="5" creationId="{65B0A8FE-B3C3-8129-2DDF-E8D5DC288E45}"/>
-            </ac:spMkLst>
-          </pc:spChg>
-          <pc:spChg chg="mod">
-            <ac:chgData name="Kaushik Rajan" userId="45a532a3-5530-421c-9404-49015979b47e" providerId="ADAL" clId="{05FB3711-8DAF-481D-9A8E-6623598A7AE5}" dt="2022-04-11T18:15:15.578" v="488"/>
-            <ac:spMkLst>
-              <pc:docMk/>
-              <pc:sldMasterMk cId="2622588083" sldId="2147483648"/>
-              <pc:sldLayoutMk cId="1100054588" sldId="2147483653"/>
-              <ac:spMk id="6" creationId="{09969323-BFD8-0FA3-6733-E43FD8B49140}"/>
-            </ac:spMkLst>
-          </pc:spChg>
-        </pc:sldLayoutChg>
-        <pc:sldLayoutChg chg="modSp">
-          <pc:chgData name="Kaushik Rajan" userId="45a532a3-5530-421c-9404-49015979b47e" providerId="ADAL" clId="{05FB3711-8DAF-481D-9A8E-6623598A7AE5}" dt="2022-04-11T18:15:15.578" v="488"/>
-          <pc:sldLayoutMkLst>
-            <pc:docMk/>
-            <pc:sldMasterMk cId="2622588083" sldId="2147483648"/>
-            <pc:sldLayoutMk cId="3515912852" sldId="2147483656"/>
-          </pc:sldLayoutMkLst>
-          <pc:spChg chg="mod">
-            <ac:chgData name="Kaushik Rajan" userId="45a532a3-5530-421c-9404-49015979b47e" providerId="ADAL" clId="{05FB3711-8DAF-481D-9A8E-6623598A7AE5}" dt="2022-04-11T18:15:15.578" v="488"/>
-            <ac:spMkLst>
-              <pc:docMk/>
-              <pc:sldMasterMk cId="2622588083" sldId="2147483648"/>
-              <pc:sldLayoutMk cId="3515912852" sldId="2147483656"/>
-              <ac:spMk id="2" creationId="{DF17F15B-7D07-FD5A-76A1-433B232D45A0}"/>
-            </ac:spMkLst>
-          </pc:spChg>
-          <pc:spChg chg="mod">
-            <ac:chgData name="Kaushik Rajan" userId="45a532a3-5530-421c-9404-49015979b47e" providerId="ADAL" clId="{05FB3711-8DAF-481D-9A8E-6623598A7AE5}" dt="2022-04-11T18:15:15.578" v="488"/>
-            <ac:spMkLst>
-              <pc:docMk/>
-              <pc:sldMasterMk cId="2622588083" sldId="2147483648"/>
-              <pc:sldLayoutMk cId="3515912852" sldId="2147483656"/>
-              <ac:spMk id="3" creationId="{1B16F76C-1CB8-6C4F-324A-598E33D7C590}"/>
-            </ac:spMkLst>
-          </pc:spChg>
-          <pc:spChg chg="mod">
-            <ac:chgData name="Kaushik Rajan" userId="45a532a3-5530-421c-9404-49015979b47e" providerId="ADAL" clId="{05FB3711-8DAF-481D-9A8E-6623598A7AE5}" dt="2022-04-11T18:15:15.578" v="488"/>
-            <ac:spMkLst>
-              <pc:docMk/>
-              <pc:sldMasterMk cId="2622588083" sldId="2147483648"/>
-              <pc:sldLayoutMk cId="3515912852" sldId="2147483656"/>
-              <ac:spMk id="4" creationId="{080091FB-60FB-3A7D-9B52-C82DA9D84492}"/>
-            </ac:spMkLst>
-          </pc:spChg>
-        </pc:sldLayoutChg>
-        <pc:sldLayoutChg chg="modSp">
-          <pc:chgData name="Kaushik Rajan" userId="45a532a3-5530-421c-9404-49015979b47e" providerId="ADAL" clId="{05FB3711-8DAF-481D-9A8E-6623598A7AE5}" dt="2022-04-11T18:15:15.578" v="488"/>
-          <pc:sldLayoutMkLst>
-            <pc:docMk/>
-            <pc:sldMasterMk cId="2622588083" sldId="2147483648"/>
-            <pc:sldLayoutMk cId="910077335" sldId="2147483657"/>
-          </pc:sldLayoutMkLst>
-          <pc:spChg chg="mod">
-            <ac:chgData name="Kaushik Rajan" userId="45a532a3-5530-421c-9404-49015979b47e" providerId="ADAL" clId="{05FB3711-8DAF-481D-9A8E-6623598A7AE5}" dt="2022-04-11T18:15:15.578" v="488"/>
-            <ac:spMkLst>
-              <pc:docMk/>
-              <pc:sldMasterMk cId="2622588083" sldId="2147483648"/>
-              <pc:sldLayoutMk cId="910077335" sldId="2147483657"/>
-              <ac:spMk id="2" creationId="{976739E5-8573-E8D6-8A5E-6A4886C915DB}"/>
-            </ac:spMkLst>
-          </pc:spChg>
-          <pc:spChg chg="mod">
-            <ac:chgData name="Kaushik Rajan" userId="45a532a3-5530-421c-9404-49015979b47e" providerId="ADAL" clId="{05FB3711-8DAF-481D-9A8E-6623598A7AE5}" dt="2022-04-11T18:15:15.578" v="488"/>
-            <ac:spMkLst>
-              <pc:docMk/>
-              <pc:sldMasterMk cId="2622588083" sldId="2147483648"/>
-              <pc:sldLayoutMk cId="910077335" sldId="2147483657"/>
-              <ac:spMk id="3" creationId="{9CD7F04D-5133-C350-515A-CA5E34FA6D58}"/>
-            </ac:spMkLst>
-          </pc:spChg>
-          <pc:spChg chg="mod">
-            <ac:chgData name="Kaushik Rajan" userId="45a532a3-5530-421c-9404-49015979b47e" providerId="ADAL" clId="{05FB3711-8DAF-481D-9A8E-6623598A7AE5}" dt="2022-04-11T18:15:15.578" v="488"/>
-            <ac:spMkLst>
-              <pc:docMk/>
-              <pc:sldMasterMk cId="2622588083" sldId="2147483648"/>
-              <pc:sldLayoutMk cId="910077335" sldId="2147483657"/>
-              <ac:spMk id="4" creationId="{A7BBAC72-564C-9ACF-6D90-56CE00B0C11A}"/>
-            </ac:spMkLst>
-          </pc:spChg>
-        </pc:sldLayoutChg>
-        <pc:sldLayoutChg chg="modSp">
-          <pc:chgData name="Kaushik Rajan" userId="45a532a3-5530-421c-9404-49015979b47e" providerId="ADAL" clId="{05FB3711-8DAF-481D-9A8E-6623598A7AE5}" dt="2022-04-11T18:15:15.578" v="488"/>
-          <pc:sldLayoutMkLst>
-            <pc:docMk/>
-            <pc:sldMasterMk cId="2622588083" sldId="2147483648"/>
-            <pc:sldLayoutMk cId="927198771" sldId="2147483659"/>
-          </pc:sldLayoutMkLst>
-          <pc:spChg chg="mod">
-            <ac:chgData name="Kaushik Rajan" userId="45a532a3-5530-421c-9404-49015979b47e" providerId="ADAL" clId="{05FB3711-8DAF-481D-9A8E-6623598A7AE5}" dt="2022-04-11T18:15:15.578" v="488"/>
-            <ac:spMkLst>
-              <pc:docMk/>
-              <pc:sldMasterMk cId="2622588083" sldId="2147483648"/>
-              <pc:sldLayoutMk cId="927198771" sldId="2147483659"/>
-              <ac:spMk id="2" creationId="{36D5CE24-CA13-AD23-5E02-D192C584ACD1}"/>
-            </ac:spMkLst>
-          </pc:spChg>
-          <pc:spChg chg="mod">
-            <ac:chgData name="Kaushik Rajan" userId="45a532a3-5530-421c-9404-49015979b47e" providerId="ADAL" clId="{05FB3711-8DAF-481D-9A8E-6623598A7AE5}" dt="2022-04-11T18:15:15.578" v="488"/>
-            <ac:spMkLst>
-              <pc:docMk/>
-              <pc:sldMasterMk cId="2622588083" sldId="2147483648"/>
-              <pc:sldLayoutMk cId="927198771" sldId="2147483659"/>
-              <ac:spMk id="3" creationId="{5A4DA4E0-9E61-1EDC-A893-685932112226}"/>
-            </ac:spMkLst>
-          </pc:spChg>
-        </pc:sldLayoutChg>
-      </pc:sldMasterChg>
-    </pc:docChg>
-  </pc:docChgLst>
-</pc:chgInfo>
 </file>
 
 <file path=ppt/slideLayouts/slideLayout1.xml><?xml version="1.0" encoding="utf-8"?>
@@ -4096,10 +3489,10 @@
         </p:nvGrpSpPr>
         <p:grpSpPr>
           <a:xfrm>
-            <a:off x="643466" y="807212"/>
-            <a:ext cx="10905066" cy="5243573"/>
-            <a:chOff x="4167253" y="676317"/>
-            <a:chExt cx="5952517" cy="2862198"/>
+            <a:off x="603541" y="1018029"/>
+            <a:ext cx="10944991" cy="5032753"/>
+            <a:chOff x="4145460" y="791392"/>
+            <a:chExt cx="5974310" cy="2747123"/>
           </a:xfrm>
         </p:grpSpPr>
         <p:grpSp>
@@ -4116,10 +3509,10 @@
           </p:nvGrpSpPr>
           <p:grpSpPr>
             <a:xfrm>
-              <a:off x="4167253" y="676317"/>
-              <a:ext cx="1972965" cy="2858782"/>
-              <a:chOff x="7667743" y="2511787"/>
-              <a:chExt cx="2027281" cy="3535734"/>
+              <a:off x="4145460" y="791392"/>
+              <a:ext cx="1994758" cy="2743709"/>
+              <a:chOff x="7645350" y="2654110"/>
+              <a:chExt cx="2049674" cy="3393411"/>
             </a:xfrm>
           </p:grpSpPr>
           <p:grpSp>
@@ -4136,10 +3529,10 @@
             </p:nvGrpSpPr>
             <p:grpSpPr>
               <a:xfrm>
-                <a:off x="7667743" y="2511787"/>
-                <a:ext cx="1746420" cy="3535734"/>
-                <a:chOff x="4419043" y="2556717"/>
-                <a:chExt cx="1746420" cy="3535734"/>
+                <a:off x="7645350" y="2654110"/>
+                <a:ext cx="1768813" cy="3393411"/>
+                <a:chOff x="4396650" y="2699040"/>
+                <a:chExt cx="1768813" cy="3393411"/>
               </a:xfrm>
             </p:grpSpPr>
             <p:sp>
@@ -4180,7 +3573,7 @@
                     <a:defRPr/>
                   </a:pPr>
                   <a:r>
-                    <a:rPr lang="en-US" sz="3100">
+                    <a:rPr lang="en-US" sz="2800">
                       <a:solidFill>
                         <a:prstClr val="white"/>
                       </a:solidFill>
@@ -4256,7 +3649,7 @@
                     <a:defRPr/>
                   </a:pPr>
                   <a:r>
-                    <a:rPr lang="en-US" sz="3100">
+                    <a:rPr lang="en-US" sz="2800">
                       <a:solidFill>
                         <a:schemeClr val="tx1"/>
                       </a:solidFill>
@@ -4331,7 +3724,7 @@
                     <a:defRPr/>
                   </a:pPr>
                   <a:r>
-                    <a:rPr lang="en-US" sz="3100">
+                    <a:rPr lang="en-US" sz="2800">
                       <a:solidFill>
                         <a:schemeClr val="tx1"/>
                       </a:solidFill>
@@ -4406,7 +3799,7 @@
                     <a:defRPr/>
                   </a:pPr>
                   <a:r>
-                    <a:rPr lang="en-US" sz="3100">
+                    <a:rPr lang="en-US" sz="2800">
                       <a:solidFill>
                         <a:schemeClr val="tx1"/>
                       </a:solidFill>
@@ -4461,7 +3854,7 @@
                   <a:pPr algn="ctr" defTabSz="914400">
                     <a:defRPr/>
                   </a:pPr>
-                  <a:endParaRPr lang="en-US" sz="1600">
+                  <a:endParaRPr lang="en-US" sz="2800">
                     <a:solidFill>
                       <a:prstClr val="white"/>
                     </a:solidFill>
@@ -4514,7 +3907,7 @@
                   <a:pPr algn="ctr" defTabSz="914400">
                     <a:defRPr/>
                   </a:pPr>
-                  <a:endParaRPr lang="en-US" sz="1600">
+                  <a:endParaRPr lang="en-US" sz="2800">
                     <a:solidFill>
                       <a:prstClr val="white"/>
                     </a:solidFill>
@@ -4537,8 +3930,8 @@
               </p:nvSpPr>
               <p:spPr>
                 <a:xfrm>
-                  <a:off x="4419043" y="2556717"/>
-                  <a:ext cx="1713580" cy="723248"/>
+                  <a:off x="4396650" y="2699040"/>
+                  <a:ext cx="1713580" cy="719023"/>
                 </a:xfrm>
                 <a:prstGeom prst="rect">
                   <a:avLst/>
@@ -4561,13 +3954,13 @@
                     <a:defRPr/>
                   </a:pPr>
                   <a:r>
-                    <a:rPr lang="en-US" sz="3100">
+                    <a:rPr lang="en-US" sz="2800" dirty="0">
                       <a:solidFill>
                         <a:srgbClr val="44546A"/>
                       </a:solidFill>
                       <a:latin typeface="Calibri" panose="020F0502020204030204"/>
                     </a:rPr>
-                    <a:t>ML model</a:t>
+                    <a:t>ML framework (tree ensembles)</a:t>
                   </a:r>
                 </a:p>
                 <a:p>
@@ -4580,15 +3973,12 @@
                     </a:spcAft>
                     <a:defRPr/>
                   </a:pPr>
-                  <a:r>
-                    <a:rPr lang="en-US" sz="3100">
-                      <a:solidFill>
-                        <a:srgbClr val="44546A"/>
-                      </a:solidFill>
-                      <a:latin typeface="Calibri" panose="020F0502020204030204"/>
-                    </a:rPr>
-                    <a:t>(tree ensembles)</a:t>
-                  </a:r>
+                  <a:endParaRPr lang="en-US" sz="2800" dirty="0">
+                    <a:solidFill>
+                      <a:srgbClr val="44546A"/>
+                    </a:solidFill>
+                    <a:latin typeface="Calibri" panose="020F0502020204030204"/>
+                  </a:endParaRPr>
                 </a:p>
               </p:txBody>
             </p:sp>
@@ -4630,7 +4020,7 @@
                     <a:defRPr/>
                   </a:pPr>
                   <a:r>
-                    <a:rPr lang="en-US" sz="3500">
+                    <a:rPr lang="en-US" sz="2800">
                       <a:solidFill>
                         <a:srgbClr val="44546A"/>
                       </a:solidFill>
@@ -4685,7 +4075,7 @@
                   <a:pPr algn="ctr" defTabSz="914400">
                     <a:defRPr/>
                   </a:pPr>
-                  <a:endParaRPr lang="en-US" sz="1600">
+                  <a:endParaRPr lang="en-US" sz="2800">
                     <a:solidFill>
                       <a:prstClr val="white"/>
                     </a:solidFill>
@@ -4738,7 +4128,7 @@
                   <a:pPr algn="ctr" defTabSz="914400">
                     <a:defRPr/>
                   </a:pPr>
-                  <a:endParaRPr lang="en-US" sz="1600">
+                  <a:endParaRPr lang="en-US" sz="2800">
                     <a:solidFill>
                       <a:prstClr val="white"/>
                     </a:solidFill>
@@ -4881,7 +4271,7 @@
                 <a:defRPr/>
               </a:pPr>
               <a:r>
-                <a:rPr lang="en-US" sz="3900" dirty="0">
+                <a:rPr lang="en-US" sz="2800" dirty="0">
                   <a:solidFill>
                     <a:prstClr val="black"/>
                   </a:solidFill>
@@ -4890,7 +4280,7 @@
                 <a:t>x86		</a:t>
               </a:r>
               <a:r>
-                <a:rPr lang="en-US" sz="3900" dirty="0" err="1">
+                <a:rPr lang="en-US" sz="2800" dirty="0" err="1">
                   <a:solidFill>
                     <a:prstClr val="black"/>
                   </a:solidFill>
@@ -4899,22 +4289,13 @@
                 <a:t>Risc</a:t>
               </a:r>
               <a:r>
-                <a:rPr lang="en-US" sz="3900">
+                <a:rPr lang="en-US" sz="2800" dirty="0">
                   <a:solidFill>
                     <a:prstClr val="black"/>
                   </a:solidFill>
                   <a:latin typeface="Calibri" panose="020F0502020204030204"/>
                 </a:rPr>
-                <a:t>-V</a:t>
-              </a:r>
-              <a:r>
-                <a:rPr lang="en-US" sz="3900" dirty="0">
-                  <a:solidFill>
-                    <a:prstClr val="black"/>
-                  </a:solidFill>
-                  <a:latin typeface="Calibri" panose="020F0502020204030204"/>
-                </a:rPr>
-                <a:t>	Arm</a:t>
+                <a:t>-V		Arm</a:t>
               </a:r>
             </a:p>
           </p:txBody>
@@ -4933,8 +4314,8 @@
           </p:nvSpPr>
           <p:spPr>
             <a:xfrm>
-              <a:off x="8086490" y="3017520"/>
-              <a:ext cx="158350" cy="194705"/>
+              <a:off x="8086490" y="3032317"/>
+              <a:ext cx="158350" cy="164228"/>
             </a:xfrm>
             <a:prstGeom prst="downArrow">
               <a:avLst/>
@@ -4963,7 +4344,7 @@
               <a:pPr algn="ctr" defTabSz="914400">
                 <a:defRPr/>
               </a:pPr>
-              <a:endParaRPr lang="en-US" sz="2000">
+              <a:endParaRPr lang="en-US" sz="2800">
                 <a:solidFill>
                   <a:prstClr val="white"/>
                 </a:solidFill>
@@ -5014,7 +4395,7 @@
               <a:pPr algn="ctr" defTabSz="914400">
                 <a:defRPr/>
               </a:pPr>
-              <a:endParaRPr lang="en-US" sz="1600">
+              <a:endParaRPr lang="en-US" sz="2800">
                 <a:solidFill>
                   <a:prstClr val="black"/>
                 </a:solidFill>
@@ -5087,7 +4468,7 @@
                 <a:defRPr/>
               </a:pPr>
               <a:r>
-                <a:rPr lang="en-US" sz="3100" dirty="0">
+                <a:rPr lang="en-US" sz="2800" dirty="0">
                   <a:solidFill>
                     <a:prstClr val="black"/>
                   </a:solidFill>
@@ -5215,7 +4596,7 @@
               <a:pPr algn="ctr" defTabSz="914400">
                 <a:defRPr/>
               </a:pPr>
-              <a:endParaRPr lang="en-US" sz="1600" dirty="0">
+              <a:endParaRPr lang="en-US" sz="2800" dirty="0">
                 <a:solidFill>
                   <a:prstClr val="black"/>
                 </a:solidFill>
@@ -5288,7 +4669,7 @@
                 <a:defRPr/>
               </a:pPr>
               <a:r>
-                <a:rPr lang="en-US" sz="3100" dirty="0">
+                <a:rPr lang="en-US" sz="2800" dirty="0">
                   <a:solidFill>
                     <a:prstClr val="black"/>
                   </a:solidFill>
@@ -5341,7 +4722,7 @@
               <a:pPr algn="ctr" defTabSz="914400">
                 <a:defRPr/>
               </a:pPr>
-              <a:endParaRPr lang="en-US" sz="1600">
+              <a:endParaRPr lang="en-US" sz="2800">
                 <a:solidFill>
                   <a:prstClr val="black"/>
                 </a:solidFill>
@@ -5414,7 +4795,7 @@
                 <a:defRPr/>
               </a:pPr>
               <a:r>
-                <a:rPr lang="en-US" sz="3100" dirty="0">
+                <a:rPr lang="en-US" sz="2800" dirty="0">
                   <a:solidFill>
                     <a:prstClr val="black"/>
                   </a:solidFill>
@@ -5489,7 +4870,7 @@
                 <a:defRPr/>
               </a:pPr>
               <a:r>
-                <a:rPr lang="en-US" sz="3100" dirty="0">
+                <a:rPr lang="en-US" sz="2800" dirty="0">
                   <a:solidFill>
                     <a:prstClr val="black"/>
                   </a:solidFill>
@@ -5550,7 +4931,7 @@
           </p:style>
           <p:txBody>
             <a:bodyPr rtlCol="0" anchor="ctr">
-              <a:normAutofit fontScale="92500"/>
+              <a:normAutofit/>
             </a:bodyPr>
             <a:lstStyle/>
             <a:p>
@@ -5564,7 +4945,7 @@
                 <a:defRPr/>
               </a:pPr>
               <a:r>
-                <a:rPr lang="en-US" sz="3100" dirty="0">
+                <a:rPr lang="en-US" sz="2800" dirty="0">
                   <a:solidFill>
                     <a:prstClr val="black"/>
                   </a:solidFill>
@@ -5589,7 +4970,113 @@
           </p:nvSpPr>
           <p:spPr>
             <a:xfrm>
-              <a:off x="8078870" y="2446020"/>
+              <a:off x="8078870" y="2458320"/>
+              <a:ext cx="158350" cy="182404"/>
+            </a:xfrm>
+            <a:prstGeom prst="downArrow">
+              <a:avLst/>
+            </a:prstGeom>
+          </p:spPr>
+          <p:style>
+            <a:lnRef idx="2">
+              <a:schemeClr val="accent1">
+                <a:shade val="50000"/>
+              </a:schemeClr>
+            </a:lnRef>
+            <a:fillRef idx="1">
+              <a:schemeClr val="accent1"/>
+            </a:fillRef>
+            <a:effectRef idx="0">
+              <a:schemeClr val="accent1"/>
+            </a:effectRef>
+            <a:fontRef idx="minor">
+              <a:schemeClr val="lt1"/>
+            </a:fontRef>
+          </p:style>
+          <p:txBody>
+            <a:bodyPr rtlCol="0" anchor="ctr"/>
+            <a:lstStyle/>
+            <a:p>
+              <a:pPr algn="ctr" defTabSz="914400">
+                <a:defRPr/>
+              </a:pPr>
+              <a:endParaRPr lang="en-US" sz="2800">
+                <a:solidFill>
+                  <a:prstClr val="white"/>
+                </a:solidFill>
+                <a:latin typeface="Calibri" panose="020F0502020204030204"/>
+              </a:endParaRPr>
+            </a:p>
+          </p:txBody>
+        </p:sp>
+        <p:sp>
+          <p:nvSpPr>
+            <p:cNvPr id="152" name="Arrow: Down 151">
+              <a:extLst>
+                <a:ext uri="{FF2B5EF4-FFF2-40B4-BE49-F238E27FC236}">
+                  <a16:creationId xmlns:a16="http://schemas.microsoft.com/office/drawing/2014/main" id="{B53281CA-DA16-0C69-47CA-39958BE283F2}"/>
+                </a:ext>
+              </a:extLst>
+            </p:cNvPr>
+            <p:cNvSpPr/>
+            <p:nvPr/>
+          </p:nvSpPr>
+          <p:spPr>
+            <a:xfrm>
+              <a:off x="8094110" y="1837829"/>
+              <a:ext cx="158350" cy="231395"/>
+            </a:xfrm>
+            <a:prstGeom prst="downArrow">
+              <a:avLst/>
+            </a:prstGeom>
+          </p:spPr>
+          <p:style>
+            <a:lnRef idx="2">
+              <a:schemeClr val="accent1">
+                <a:shade val="50000"/>
+              </a:schemeClr>
+            </a:lnRef>
+            <a:fillRef idx="1">
+              <a:schemeClr val="accent1"/>
+            </a:fillRef>
+            <a:effectRef idx="0">
+              <a:schemeClr val="accent1"/>
+            </a:effectRef>
+            <a:fontRef idx="minor">
+              <a:schemeClr val="lt1"/>
+            </a:fontRef>
+          </p:style>
+          <p:txBody>
+            <a:bodyPr rtlCol="0" anchor="ctr"/>
+            <a:lstStyle/>
+            <a:p>
+              <a:pPr algn="ctr" defTabSz="914400">
+                <a:defRPr/>
+              </a:pPr>
+              <a:endParaRPr lang="en-US" sz="2800">
+                <a:solidFill>
+                  <a:prstClr val="white"/>
+                </a:solidFill>
+                <a:latin typeface="Calibri" panose="020F0502020204030204"/>
+              </a:endParaRPr>
+            </a:p>
+          </p:txBody>
+        </p:sp>
+        <p:sp>
+          <p:nvSpPr>
+            <p:cNvPr id="154" name="Arrow: Down 153">
+              <a:extLst>
+                <a:ext uri="{FF2B5EF4-FFF2-40B4-BE49-F238E27FC236}">
+                  <a16:creationId xmlns:a16="http://schemas.microsoft.com/office/drawing/2014/main" id="{27AD6C91-B42E-3E57-805C-9040E777B41C}"/>
+                </a:ext>
+              </a:extLst>
+            </p:cNvPr>
+            <p:cNvSpPr/>
+            <p:nvPr/>
+          </p:nvSpPr>
+          <p:spPr>
+            <a:xfrm>
+              <a:off x="8078726" y="1255644"/>
               <a:ext cx="158350" cy="194705"/>
             </a:xfrm>
             <a:prstGeom prst="downArrow">
@@ -5619,7 +5106,7 @@
               <a:pPr algn="ctr" defTabSz="914400">
                 <a:defRPr/>
               </a:pPr>
-              <a:endParaRPr lang="en-US" sz="2000">
+              <a:endParaRPr lang="en-US" sz="2800" dirty="0">
                 <a:solidFill>
                   <a:prstClr val="white"/>
                 </a:solidFill>
@@ -5630,113 +5117,7 @@
         </p:sp>
         <p:sp>
           <p:nvSpPr>
-            <p:cNvPr id="152" name="Arrow: Down 151">
-              <a:extLst>
-                <a:ext uri="{FF2B5EF4-FFF2-40B4-BE49-F238E27FC236}">
-                  <a16:creationId xmlns:a16="http://schemas.microsoft.com/office/drawing/2014/main" id="{B53281CA-DA16-0C69-47CA-39958BE283F2}"/>
-                </a:ext>
-              </a:extLst>
-            </p:cNvPr>
-            <p:cNvSpPr/>
-            <p:nvPr/>
-          </p:nvSpPr>
-          <p:spPr>
-            <a:xfrm>
-              <a:off x="8094110" y="1859280"/>
-              <a:ext cx="158350" cy="194705"/>
-            </a:xfrm>
-            <a:prstGeom prst="downArrow">
-              <a:avLst/>
-            </a:prstGeom>
-          </p:spPr>
-          <p:style>
-            <a:lnRef idx="2">
-              <a:schemeClr val="accent1">
-                <a:shade val="50000"/>
-              </a:schemeClr>
-            </a:lnRef>
-            <a:fillRef idx="1">
-              <a:schemeClr val="accent1"/>
-            </a:fillRef>
-            <a:effectRef idx="0">
-              <a:schemeClr val="accent1"/>
-            </a:effectRef>
-            <a:fontRef idx="minor">
-              <a:schemeClr val="lt1"/>
-            </a:fontRef>
-          </p:style>
-          <p:txBody>
-            <a:bodyPr rtlCol="0" anchor="ctr"/>
-            <a:lstStyle/>
-            <a:p>
-              <a:pPr algn="ctr" defTabSz="914400">
-                <a:defRPr/>
-              </a:pPr>
-              <a:endParaRPr lang="en-US" sz="2000">
-                <a:solidFill>
-                  <a:prstClr val="white"/>
-                </a:solidFill>
-                <a:latin typeface="Calibri" panose="020F0502020204030204"/>
-              </a:endParaRPr>
-            </a:p>
-          </p:txBody>
-        </p:sp>
-        <p:sp>
-          <p:nvSpPr>
-            <p:cNvPr id="154" name="Arrow: Down 153">
-              <a:extLst>
-                <a:ext uri="{FF2B5EF4-FFF2-40B4-BE49-F238E27FC236}">
-                  <a16:creationId xmlns:a16="http://schemas.microsoft.com/office/drawing/2014/main" id="{27AD6C91-B42E-3E57-805C-9040E777B41C}"/>
-                </a:ext>
-              </a:extLst>
-            </p:cNvPr>
-            <p:cNvSpPr/>
-            <p:nvPr/>
-          </p:nvSpPr>
-          <p:spPr>
-            <a:xfrm>
-              <a:off x="8071250" y="1219200"/>
-              <a:ext cx="158350" cy="194705"/>
-            </a:xfrm>
-            <a:prstGeom prst="downArrow">
-              <a:avLst/>
-            </a:prstGeom>
-          </p:spPr>
-          <p:style>
-            <a:lnRef idx="2">
-              <a:schemeClr val="accent1">
-                <a:shade val="50000"/>
-              </a:schemeClr>
-            </a:lnRef>
-            <a:fillRef idx="1">
-              <a:schemeClr val="accent1"/>
-            </a:fillRef>
-            <a:effectRef idx="0">
-              <a:schemeClr val="accent1"/>
-            </a:effectRef>
-            <a:fontRef idx="minor">
-              <a:schemeClr val="lt1"/>
-            </a:fontRef>
-          </p:style>
-          <p:txBody>
-            <a:bodyPr rtlCol="0" anchor="ctr"/>
-            <a:lstStyle/>
-            <a:p>
-              <a:pPr algn="ctr" defTabSz="914400">
-                <a:defRPr/>
-              </a:pPr>
-              <a:endParaRPr lang="en-US" sz="2000">
-                <a:solidFill>
-                  <a:prstClr val="white"/>
-                </a:solidFill>
-                <a:latin typeface="Calibri" panose="020F0502020204030204"/>
-              </a:endParaRPr>
-            </a:p>
-          </p:txBody>
-        </p:sp>
-        <p:sp>
-          <p:nvSpPr>
-            <p:cNvPr id="156" name="Rectangle 155">
+            <p:cNvPr id="156" name="Rectangle: Diagonal Corners Snipped 155">
               <a:extLst>
                 <a:ext uri="{FF2B5EF4-FFF2-40B4-BE49-F238E27FC236}">
                   <a16:creationId xmlns:a16="http://schemas.microsoft.com/office/drawing/2014/main" id="{C7B84897-8E81-CFD8-8FD2-98A950F48A13}"/>
@@ -5748,10 +5129,10 @@
           </p:nvSpPr>
           <p:spPr>
             <a:xfrm>
-              <a:off x="6553443" y="881568"/>
-              <a:ext cx="3035615" cy="281325"/>
+              <a:off x="7247365" y="972348"/>
+              <a:ext cx="1821071" cy="281325"/>
             </a:xfrm>
-            <a:prstGeom prst="rect">
+            <a:prstGeom prst="snip2DiagRect">
               <a:avLst/>
             </a:prstGeom>
           </p:spPr>
@@ -5771,7 +5152,7 @@
           </p:style>
           <p:txBody>
             <a:bodyPr rtlCol="0" anchor="ctr">
-              <a:normAutofit/>
+              <a:noAutofit/>
             </a:bodyPr>
             <a:lstStyle/>
             <a:p>
@@ -5785,38 +5166,14 @@
                 <a:defRPr/>
               </a:pPr>
               <a:r>
-                <a:rPr lang="en-US" sz="2800" dirty="0" err="1">
-                  <a:solidFill>
-                    <a:prstClr val="black"/>
-                  </a:solidFill>
-                  <a:latin typeface="Calibri" panose="020F0502020204030204"/>
-                </a:rPr>
-                <a:t>XGBoost</a:t>
-              </a:r>
-              <a:r>
                 <a:rPr lang="en-US" sz="2800" dirty="0">
                   <a:solidFill>
                     <a:prstClr val="black"/>
                   </a:solidFill>
                   <a:latin typeface="Calibri" panose="020F0502020204030204"/>
                 </a:rPr>
-                <a:t>      </a:t>
+                <a:t>Serialized model</a:t>
               </a:r>
-              <a:r>
-                <a:rPr lang="en-US" sz="2800" dirty="0" err="1">
-                  <a:solidFill>
-                    <a:prstClr val="black"/>
-                  </a:solidFill>
-                  <a:latin typeface="Calibri" panose="020F0502020204030204"/>
-                </a:rPr>
-                <a:t>LightGBM</a:t>
-              </a:r>
-              <a:endParaRPr lang="en-US" sz="2800" dirty="0">
-                <a:solidFill>
-                  <a:prstClr val="black"/>
-                </a:solidFill>
-                <a:latin typeface="Calibri" panose="020F0502020204030204"/>
-              </a:endParaRPr>
             </a:p>
           </p:txBody>
         </p:sp>
@@ -5885,7 +5242,7 @@
               <a:defRPr/>
             </a:pPr>
             <a:r>
-              <a:rPr lang="en-US" sz="3100" dirty="0">
+              <a:rPr lang="en-US" sz="2800" dirty="0">
                 <a:solidFill>
                   <a:prstClr val="black"/>
                 </a:solidFill>

--- a/docs/MICRO 2022/figures/compiler.pptx
+++ b/docs/MICRO 2022/figures/compiler.pptx
@@ -5,7 +5,7 @@
     <p:sldMasterId id="2147483648" r:id="rId1"/>
   </p:sldMasterIdLst>
   <p:sldIdLst>
-    <p:sldId id="257" r:id="rId2"/>
+    <p:sldId id="258" r:id="rId2"/>
   </p:sldIdLst>
   <p:sldSz cx="12192000" cy="6858000"/>
   <p:notesSz cx="6858000" cy="9144000"/>
@@ -267,7 +267,7 @@
           <a:p>
             <a:fld id="{CD03C1F5-340B-497E-B9B0-9238880DB13B}" type="datetimeFigureOut">
               <a:rPr lang="en-US" smtClean="0"/>
-              <a:t>4/15/2022</a:t>
+              <a:t>4/22/2022</a:t>
             </a:fld>
             <a:endParaRPr lang="en-US"/>
           </a:p>
@@ -465,7 +465,7 @@
           <a:p>
             <a:fld id="{CD03C1F5-340B-497E-B9B0-9238880DB13B}" type="datetimeFigureOut">
               <a:rPr lang="en-US" smtClean="0"/>
-              <a:t>4/15/2022</a:t>
+              <a:t>4/22/2022</a:t>
             </a:fld>
             <a:endParaRPr lang="en-US"/>
           </a:p>
@@ -673,7 +673,7 @@
           <a:p>
             <a:fld id="{CD03C1F5-340B-497E-B9B0-9238880DB13B}" type="datetimeFigureOut">
               <a:rPr lang="en-US" smtClean="0"/>
-              <a:t>4/15/2022</a:t>
+              <a:t>4/22/2022</a:t>
             </a:fld>
             <a:endParaRPr lang="en-US"/>
           </a:p>
@@ -871,7 +871,7 @@
           <a:p>
             <a:fld id="{CD03C1F5-340B-497E-B9B0-9238880DB13B}" type="datetimeFigureOut">
               <a:rPr lang="en-US" smtClean="0"/>
-              <a:t>4/15/2022</a:t>
+              <a:t>4/22/2022</a:t>
             </a:fld>
             <a:endParaRPr lang="en-US"/>
           </a:p>
@@ -1146,7 +1146,7 @@
           <a:p>
             <a:fld id="{CD03C1F5-340B-497E-B9B0-9238880DB13B}" type="datetimeFigureOut">
               <a:rPr lang="en-US" smtClean="0"/>
-              <a:t>4/15/2022</a:t>
+              <a:t>4/22/2022</a:t>
             </a:fld>
             <a:endParaRPr lang="en-US"/>
           </a:p>
@@ -1411,7 +1411,7 @@
           <a:p>
             <a:fld id="{CD03C1F5-340B-497E-B9B0-9238880DB13B}" type="datetimeFigureOut">
               <a:rPr lang="en-US" smtClean="0"/>
-              <a:t>4/15/2022</a:t>
+              <a:t>4/22/2022</a:t>
             </a:fld>
             <a:endParaRPr lang="en-US"/>
           </a:p>
@@ -1823,7 +1823,7 @@
           <a:p>
             <a:fld id="{CD03C1F5-340B-497E-B9B0-9238880DB13B}" type="datetimeFigureOut">
               <a:rPr lang="en-US" smtClean="0"/>
-              <a:t>4/15/2022</a:t>
+              <a:t>4/22/2022</a:t>
             </a:fld>
             <a:endParaRPr lang="en-US"/>
           </a:p>
@@ -1964,7 +1964,7 @@
           <a:p>
             <a:fld id="{CD03C1F5-340B-497E-B9B0-9238880DB13B}" type="datetimeFigureOut">
               <a:rPr lang="en-US" smtClean="0"/>
-              <a:t>4/15/2022</a:t>
+              <a:t>4/22/2022</a:t>
             </a:fld>
             <a:endParaRPr lang="en-US"/>
           </a:p>
@@ -2077,7 +2077,7 @@
           <a:p>
             <a:fld id="{CD03C1F5-340B-497E-B9B0-9238880DB13B}" type="datetimeFigureOut">
               <a:rPr lang="en-US" smtClean="0"/>
-              <a:t>4/15/2022</a:t>
+              <a:t>4/22/2022</a:t>
             </a:fld>
             <a:endParaRPr lang="en-US"/>
           </a:p>
@@ -2388,7 +2388,7 @@
           <a:p>
             <a:fld id="{CD03C1F5-340B-497E-B9B0-9238880DB13B}" type="datetimeFigureOut">
               <a:rPr lang="en-US" smtClean="0"/>
-              <a:t>4/15/2022</a:t>
+              <a:t>4/22/2022</a:t>
             </a:fld>
             <a:endParaRPr lang="en-US"/>
           </a:p>
@@ -2676,7 +2676,7 @@
           <a:p>
             <a:fld id="{CD03C1F5-340B-497E-B9B0-9238880DB13B}" type="datetimeFigureOut">
               <a:rPr lang="en-US" smtClean="0"/>
-              <a:t>4/15/2022</a:t>
+              <a:t>4/22/2022</a:t>
             </a:fld>
             <a:endParaRPr lang="en-US"/>
           </a:p>
@@ -2917,7 +2917,7 @@
           <a:p>
             <a:fld id="{CD03C1F5-340B-497E-B9B0-9238880DB13B}" type="datetimeFigureOut">
               <a:rPr lang="en-US" smtClean="0"/>
-              <a:t>4/15/2022</a:t>
+              <a:t>4/22/2022</a:t>
             </a:fld>
             <a:endParaRPr lang="en-US"/>
           </a:p>
@@ -3320,14 +3320,6 @@
 <file path=ppt/slides/slide1.xml><?xml version="1.0" encoding="utf-8"?>
 <p:sld xmlns:a="http://schemas.openxmlformats.org/drawingml/2006/main" xmlns:r="http://schemas.openxmlformats.org/officeDocument/2006/relationships" xmlns:p="http://schemas.openxmlformats.org/presentationml/2006/main">
   <p:cSld>
-    <p:bg>
-      <p:bgPr>
-        <a:solidFill>
-          <a:schemeClr val="bg1"/>
-        </a:solidFill>
-        <a:effectLst/>
-      </p:bgPr>
-    </p:bg>
     <p:spTree>
       <p:nvGrpSpPr>
         <p:cNvPr id="1" name=""/>
@@ -3342,145 +3334,12 @@
           <a:chExt cx="0" cy="0"/>
         </a:xfrm>
       </p:grpSpPr>
-      <p:sp>
-        <p:nvSpPr>
-          <p:cNvPr id="173" name="Rectangle 168">
-            <a:extLst>
-              <a:ext uri="{FF2B5EF4-FFF2-40B4-BE49-F238E27FC236}">
-                <a16:creationId xmlns:a16="http://schemas.microsoft.com/office/drawing/2014/main" id="{01D0AF59-99C3-4251-AB9A-C966C6AD4400}"/>
-              </a:ext>
-              <a:ext uri="{C183D7F6-B498-43B3-948B-1728B52AA6E4}">
-                <adec:decorative xmlns:adec="http://schemas.microsoft.com/office/drawing/2017/decorative" val="1"/>
-              </a:ext>
-            </a:extLst>
-          </p:cNvPr>
-          <p:cNvSpPr>
-            <a:spLocks noGrp="1" noRot="1" noChangeAspect="1" noMove="1" noResize="1" noEditPoints="1" noAdjustHandles="1" noChangeArrowheads="1" noChangeShapeType="1" noTextEdit="1"/>
-          </p:cNvSpPr>
-          <p:nvPr>
-            <p:extLst>
-              <p:ext uri="{386F3935-93C4-4BCD-93E2-E3B085C9AB24}">
-                <p16:designElem xmlns:p16="http://schemas.microsoft.com/office/powerpoint/2015/main" val="1"/>
-              </p:ext>
-            </p:extLst>
-          </p:nvPr>
-        </p:nvSpPr>
-        <p:spPr>
-          <a:xfrm>
-            <a:off x="0" y="0"/>
-            <a:ext cx="12192000" cy="6858000"/>
-          </a:xfrm>
-          <a:prstGeom prst="rect">
-            <a:avLst/>
-          </a:prstGeom>
-          <a:solidFill>
-            <a:schemeClr val="bg2"/>
-          </a:solidFill>
-          <a:ln>
-            <a:noFill/>
-          </a:ln>
-        </p:spPr>
-        <p:style>
-          <a:lnRef idx="2">
-            <a:schemeClr val="accent1">
-              <a:shade val="50000"/>
-            </a:schemeClr>
-          </a:lnRef>
-          <a:fillRef idx="1">
-            <a:schemeClr val="accent1"/>
-          </a:fillRef>
-          <a:effectRef idx="0">
-            <a:schemeClr val="accent1"/>
-          </a:effectRef>
-          <a:fontRef idx="minor">
-            <a:schemeClr val="lt1"/>
-          </a:fontRef>
-        </p:style>
-        <p:txBody>
-          <a:bodyPr rtlCol="0" anchor="ctr"/>
-          <a:lstStyle/>
-          <a:p>
-            <a:pPr algn="ctr"/>
-            <a:endParaRPr lang="en-US"/>
-          </a:p>
-        </p:txBody>
-      </p:sp>
-      <p:sp>
-        <p:nvSpPr>
-          <p:cNvPr id="174" name="Rectangle 170">
-            <a:extLst>
-              <a:ext uri="{FF2B5EF4-FFF2-40B4-BE49-F238E27FC236}">
-                <a16:creationId xmlns:a16="http://schemas.microsoft.com/office/drawing/2014/main" id="{1855405F-37A2-4869-9154-F8BE3BECE6C3}"/>
-              </a:ext>
-              <a:ext uri="{C183D7F6-B498-43B3-948B-1728B52AA6E4}">
-                <adec:decorative xmlns:adec="http://schemas.microsoft.com/office/drawing/2017/decorative" val="1"/>
-              </a:ext>
-            </a:extLst>
-          </p:cNvPr>
-          <p:cNvSpPr>
-            <a:spLocks noGrp="1" noRot="1" noChangeAspect="1" noMove="1" noResize="1" noEditPoints="1" noAdjustHandles="1" noChangeArrowheads="1" noChangeShapeType="1" noTextEdit="1"/>
-          </p:cNvSpPr>
-          <p:nvPr>
-            <p:extLst>
-              <p:ext uri="{386F3935-93C4-4BCD-93E2-E3B085C9AB24}">
-                <p16:designElem xmlns:p16="http://schemas.microsoft.com/office/powerpoint/2015/main" val="1"/>
-              </p:ext>
-            </p:extLst>
-          </p:nvPr>
-        </p:nvSpPr>
-        <p:spPr>
-          <a:xfrm>
-            <a:off x="477012" y="480060"/>
-            <a:ext cx="11237976" cy="5897880"/>
-          </a:xfrm>
-          <a:prstGeom prst="rect">
-            <a:avLst/>
-          </a:prstGeom>
-          <a:solidFill>
-            <a:srgbClr val="FFFFFF"/>
-          </a:solidFill>
-          <a:ln w="9525">
-            <a:noFill/>
-          </a:ln>
-          <a:effectLst>
-            <a:outerShdw blurRad="63500" dist="17780" dir="5400000" algn="t" rotWithShape="0">
-              <a:prstClr val="black">
-                <a:alpha val="43000"/>
-              </a:prstClr>
-            </a:outerShdw>
-          </a:effectLst>
-        </p:spPr>
-        <p:style>
-          <a:lnRef idx="2">
-            <a:schemeClr val="accent1">
-              <a:shade val="50000"/>
-            </a:schemeClr>
-          </a:lnRef>
-          <a:fillRef idx="1">
-            <a:schemeClr val="accent1"/>
-          </a:fillRef>
-          <a:effectRef idx="0">
-            <a:schemeClr val="accent1"/>
-          </a:effectRef>
-          <a:fontRef idx="minor">
-            <a:schemeClr val="lt1"/>
-          </a:fontRef>
-        </p:style>
-        <p:txBody>
-          <a:bodyPr rtlCol="0" anchor="ctr"/>
-          <a:lstStyle/>
-          <a:p>
-            <a:pPr algn="ctr"/>
-            <a:endParaRPr lang="en-US"/>
-          </a:p>
-        </p:txBody>
-      </p:sp>
       <p:grpSp>
         <p:nvGrpSpPr>
-          <p:cNvPr id="157" name="Group 156">
-            <a:extLst>
-              <a:ext uri="{FF2B5EF4-FFF2-40B4-BE49-F238E27FC236}">
-                <a16:creationId xmlns:a16="http://schemas.microsoft.com/office/drawing/2014/main" id="{E3B9A488-6AF5-E83C-F88F-2AF37A537DA1}"/>
+          <p:cNvPr id="31" name="Group 30">
+            <a:extLst>
+              <a:ext uri="{FF2B5EF4-FFF2-40B4-BE49-F238E27FC236}">
+                <a16:creationId xmlns:a16="http://schemas.microsoft.com/office/drawing/2014/main" id="{CBF90DE3-8046-4426-B250-E707E66B1486}"/>
               </a:ext>
             </a:extLst>
           </p:cNvPr>
@@ -3489,18 +3348,67 @@
         </p:nvGrpSpPr>
         <p:grpSpPr>
           <a:xfrm>
-            <a:off x="603541" y="1018029"/>
-            <a:ext cx="10944991" cy="5032753"/>
-            <a:chOff x="4145460" y="791392"/>
-            <a:chExt cx="5974310" cy="2747123"/>
+            <a:off x="270166" y="792036"/>
+            <a:ext cx="11417010" cy="5328696"/>
+            <a:chOff x="603541" y="1018029"/>
+            <a:chExt cx="10932808" cy="5102703"/>
           </a:xfrm>
         </p:grpSpPr>
+        <p:sp>
+          <p:nvSpPr>
+            <p:cNvPr id="32" name="TextBox 31">
+              <a:extLst>
+                <a:ext uri="{FF2B5EF4-FFF2-40B4-BE49-F238E27FC236}">
+                  <a16:creationId xmlns:a16="http://schemas.microsoft.com/office/drawing/2014/main" id="{64E83DA7-A11A-4EBD-A6A2-B8B9078EDB99}"/>
+                </a:ext>
+              </a:extLst>
+            </p:cNvPr>
+            <p:cNvSpPr txBox="1"/>
+            <p:nvPr/>
+          </p:nvSpPr>
+          <p:spPr>
+            <a:xfrm>
+              <a:off x="690434" y="5500498"/>
+              <a:ext cx="3055185" cy="620234"/>
+            </a:xfrm>
+            <a:prstGeom prst="rect">
+              <a:avLst/>
+            </a:prstGeom>
+            <a:noFill/>
+          </p:spPr>
+          <p:txBody>
+            <a:bodyPr wrap="square" rtlCol="0">
+              <a:normAutofit/>
+            </a:bodyPr>
+            <a:lstStyle/>
+            <a:p>
+              <a:pPr algn="ctr" defTabSz="914400">
+                <a:lnSpc>
+                  <a:spcPct val="90000"/>
+                </a:lnSpc>
+                <a:spcAft>
+                  <a:spcPts val="600"/>
+                </a:spcAft>
+                <a:defRPr/>
+              </a:pPr>
+              <a:r>
+                <a:rPr lang="en-US" sz="2800" dirty="0">
+                  <a:solidFill>
+                    <a:srgbClr val="44546A"/>
+                  </a:solidFill>
+                  <a:latin typeface="Calibri" panose="020F0502020204030204"/>
+                </a:rPr>
+                <a:t>Hardware</a:t>
+              </a:r>
+            </a:p>
+          </p:txBody>
+        </p:sp>
         <p:grpSp>
           <p:nvGrpSpPr>
-            <p:cNvPr id="13" name="Group 12">
+            <p:cNvPr id="33" name="Group 32">
               <a:extLst>
                 <a:ext uri="{FF2B5EF4-FFF2-40B4-BE49-F238E27FC236}">
-                  <a16:creationId xmlns:a16="http://schemas.microsoft.com/office/drawing/2014/main" id="{8C77EA4B-1D7E-FA35-F406-CA4B13BA084A}"/>
+                  <a16:creationId xmlns:a16="http://schemas.microsoft.com/office/drawing/2014/main" id="{BDA97CB9-4DD3-43A2-9A55-704238AEE378}"/>
                 </a:ext>
               </a:extLst>
             </p:cNvPr>
@@ -3509,18 +3417,101 @@
           </p:nvGrpSpPr>
           <p:grpSpPr>
             <a:xfrm>
-              <a:off x="4145460" y="791392"/>
-              <a:ext cx="1994758" cy="2743709"/>
-              <a:chOff x="7645350" y="2654110"/>
-              <a:chExt cx="2049674" cy="3393411"/>
+              <a:off x="603541" y="1018029"/>
+              <a:ext cx="10932808" cy="5032753"/>
+              <a:chOff x="603541" y="1018029"/>
+              <a:chExt cx="10932808" cy="5032753"/>
             </a:xfrm>
           </p:grpSpPr>
+          <p:sp>
+            <p:nvSpPr>
+              <p:cNvPr id="34" name="TextBox 33">
+                <a:extLst>
+                  <a:ext uri="{FF2B5EF4-FFF2-40B4-BE49-F238E27FC236}">
+                    <a16:creationId xmlns:a16="http://schemas.microsoft.com/office/drawing/2014/main" id="{2B883EE4-232E-46CE-B17B-EE4F32B35190}"/>
+                  </a:ext>
+                </a:extLst>
+              </p:cNvPr>
+              <p:cNvSpPr txBox="1"/>
+              <p:nvPr/>
+            </p:nvSpPr>
+            <p:spPr>
+              <a:xfrm>
+                <a:off x="603541" y="1018029"/>
+                <a:ext cx="3055185" cy="1065055"/>
+              </a:xfrm>
+              <a:prstGeom prst="rect">
+                <a:avLst/>
+              </a:prstGeom>
+              <a:noFill/>
+            </p:spPr>
+            <p:txBody>
+              <a:bodyPr wrap="square" rtlCol="0">
+                <a:normAutofit/>
+              </a:bodyPr>
+              <a:lstStyle/>
+              <a:p>
+                <a:pPr algn="ctr" defTabSz="914400">
+                  <a:lnSpc>
+                    <a:spcPct val="90000"/>
+                  </a:lnSpc>
+                  <a:spcAft>
+                    <a:spcPts val="600"/>
+                  </a:spcAft>
+                  <a:defRPr/>
+                </a:pPr>
+                <a:r>
+                  <a:rPr lang="en-US" sz="2800" dirty="0">
+                    <a:solidFill>
+                      <a:srgbClr val="44546A"/>
+                    </a:solidFill>
+                    <a:latin typeface="Calibri" panose="020F0502020204030204"/>
+                  </a:rPr>
+                  <a:t>ML framework </a:t>
+                </a:r>
+                <a:br>
+                  <a:rPr lang="en-US" sz="2800" dirty="0">
+                    <a:solidFill>
+                      <a:srgbClr val="44546A"/>
+                    </a:solidFill>
+                    <a:latin typeface="Calibri" panose="020F0502020204030204"/>
+                  </a:rPr>
+                </a:br>
+                <a:r>
+                  <a:rPr lang="en-US" sz="2800" dirty="0">
+                    <a:solidFill>
+                      <a:srgbClr val="44546A"/>
+                    </a:solidFill>
+                    <a:latin typeface="Calibri" panose="020F0502020204030204"/>
+                  </a:rPr>
+                  <a:t>(tree ensembles)</a:t>
+                </a:r>
+              </a:p>
+              <a:p>
+                <a:pPr algn="ctr" defTabSz="914400">
+                  <a:lnSpc>
+                    <a:spcPct val="90000"/>
+                  </a:lnSpc>
+                  <a:spcAft>
+                    <a:spcPts val="600"/>
+                  </a:spcAft>
+                  <a:defRPr/>
+                </a:pPr>
+                <a:endParaRPr lang="en-US" sz="2800" dirty="0">
+                  <a:solidFill>
+                    <a:srgbClr val="44546A"/>
+                  </a:solidFill>
+                  <a:latin typeface="Calibri" panose="020F0502020204030204"/>
+                </a:endParaRPr>
+              </a:p>
+            </p:txBody>
+          </p:sp>
           <p:grpSp>
             <p:nvGrpSpPr>
-              <p:cNvPr id="14" name="Group 13">
+              <p:cNvPr id="35" name="Group 34">
                 <a:extLst>
                   <a:ext uri="{FF2B5EF4-FFF2-40B4-BE49-F238E27FC236}">
-                    <a16:creationId xmlns:a16="http://schemas.microsoft.com/office/drawing/2014/main" id="{7C7C06E3-7CF4-385C-9D04-27DCFA118963}"/>
+                    <a16:creationId xmlns:a16="http://schemas.microsoft.com/office/drawing/2014/main" id="{601AD8CF-F02B-4F71-A2DE-D24DDA355A61}"/>
                   </a:ext>
                 </a:extLst>
               </p:cNvPr>
@@ -3529,18 +3520,18 @@
             </p:nvGrpSpPr>
             <p:grpSpPr>
               <a:xfrm>
-                <a:off x="7645350" y="2654110"/>
-                <a:ext cx="1768813" cy="3393411"/>
-                <a:chOff x="4396650" y="2699040"/>
-                <a:chExt cx="1768813" cy="3393411"/>
+                <a:off x="1066725" y="1349542"/>
+                <a:ext cx="10469624" cy="4701240"/>
+                <a:chOff x="1066725" y="1349542"/>
+                <a:chExt cx="10469624" cy="4701240"/>
               </a:xfrm>
             </p:grpSpPr>
             <p:sp>
               <p:nvSpPr>
-                <p:cNvPr id="16" name="TextBox 15">
+                <p:cNvPr id="37" name="TextBox 36">
                   <a:extLst>
                     <a:ext uri="{FF2B5EF4-FFF2-40B4-BE49-F238E27FC236}">
-                      <a16:creationId xmlns:a16="http://schemas.microsoft.com/office/drawing/2014/main" id="{4169FC49-2E0A-4BCE-4EBD-6434CD8CA826}"/>
+                      <a16:creationId xmlns:a16="http://schemas.microsoft.com/office/drawing/2014/main" id="{2D86AE12-6D07-4B41-8EB6-AC2D79469E7D}"/>
                     </a:ext>
                   </a:extLst>
                 </p:cNvPr>
@@ -3549,85 +3540,23 @@
               </p:nvSpPr>
               <p:spPr>
                 <a:xfrm>
-                  <a:off x="4647269" y="2849350"/>
-                  <a:ext cx="1518194" cy="351615"/>
+                  <a:off x="1066725" y="2316584"/>
+                  <a:ext cx="2215275" cy="541424"/>
                 </a:xfrm>
                 <a:prstGeom prst="rect">
                   <a:avLst/>
                 </a:prstGeom>
-                <a:noFill/>
-              </p:spPr>
-              <p:txBody>
-                <a:bodyPr wrap="square" rtlCol="0">
-                  <a:normAutofit/>
-                </a:bodyPr>
-                <a:lstStyle/>
-                <a:p>
-                  <a:pPr defTabSz="914400">
-                    <a:lnSpc>
-                      <a:spcPct val="90000"/>
-                    </a:lnSpc>
-                    <a:spcAft>
-                      <a:spcPts val="600"/>
-                    </a:spcAft>
-                    <a:defRPr/>
-                  </a:pPr>
-                  <a:r>
-                    <a:rPr lang="en-US" sz="2800">
-                      <a:solidFill>
-                        <a:prstClr val="white"/>
-                      </a:solidFill>
-                      <a:latin typeface="Calibri" panose="020F0502020204030204"/>
-                    </a:rPr>
-                    <a:t>Frameworks</a:t>
-                  </a:r>
-                </a:p>
-              </p:txBody>
-            </p:sp>
-            <p:sp>
-              <p:nvSpPr>
-                <p:cNvPr id="17" name="TextBox 16">
-                  <a:extLst>
-                    <a:ext uri="{FF2B5EF4-FFF2-40B4-BE49-F238E27FC236}">
-                      <a16:creationId xmlns:a16="http://schemas.microsoft.com/office/drawing/2014/main" id="{7B46A304-BA11-470F-E0D3-E3F8AC3DF6F8}"/>
-                    </a:ext>
-                  </a:extLst>
-                </p:cNvPr>
-                <p:cNvSpPr txBox="1"/>
-                <p:nvPr/>
-              </p:nvSpPr>
-              <p:spPr>
-                <a:xfrm>
-                  <a:off x="4639327" y="3618558"/>
-                  <a:ext cx="1242495" cy="365518"/>
-                </a:xfrm>
-                <a:prstGeom prst="rect">
-                  <a:avLst/>
-                </a:prstGeom>
-                <a:gradFill>
-                  <a:gsLst>
-                    <a:gs pos="0">
-                      <a:srgbClr val="C00000"/>
-                    </a:gs>
-                    <a:gs pos="50000">
-                      <a:schemeClr val="bg1"/>
-                    </a:gs>
-                    <a:gs pos="100000">
-                      <a:srgbClr val="C00000"/>
-                    </a:gs>
-                  </a:gsLst>
-                  <a:lin ang="5400000" scaled="0"/>
-                </a:gradFill>
+                <a:ln w="34925"/>
               </p:spPr>
               <p:style>
-                <a:lnRef idx="1">
-                  <a:schemeClr val="accent1"/>
+                <a:lnRef idx="2">
+                  <a:schemeClr val="accent5"/>
                 </a:lnRef>
-                <a:fillRef idx="2">
-                  <a:schemeClr val="accent1"/>
+                <a:fillRef idx="1">
+                  <a:schemeClr val="lt1"/>
                 </a:fillRef>
-                <a:effectRef idx="1">
-                  <a:schemeClr val="accent1"/>
+                <a:effectRef idx="0">
+                  <a:schemeClr val="accent5"/>
                 </a:effectRef>
                 <a:fontRef idx="minor">
                   <a:schemeClr val="dk1"/>
@@ -3639,7 +3568,7 @@
                 </a:bodyPr>
                 <a:lstStyle/>
                 <a:p>
-                  <a:pPr defTabSz="914400">
+                  <a:pPr algn="ctr" defTabSz="914400">
                     <a:lnSpc>
                       <a:spcPct val="90000"/>
                     </a:lnSpc>
@@ -3649,7 +3578,7 @@
                     <a:defRPr/>
                   </a:pPr>
                   <a:r>
-                    <a:rPr lang="en-US" sz="2800">
+                    <a:rPr lang="en-US" sz="2800" dirty="0">
                       <a:solidFill>
                         <a:schemeClr val="tx1"/>
                       </a:solidFill>
@@ -3662,10 +3591,10 @@
             </p:sp>
             <p:sp>
               <p:nvSpPr>
-                <p:cNvPr id="18" name="TextBox 17">
+                <p:cNvPr id="38" name="TextBox 37">
                   <a:extLst>
                     <a:ext uri="{FF2B5EF4-FFF2-40B4-BE49-F238E27FC236}">
-                      <a16:creationId xmlns:a16="http://schemas.microsoft.com/office/drawing/2014/main" id="{4855DA7B-179E-3D47-69F7-88CCBC883836}"/>
+                      <a16:creationId xmlns:a16="http://schemas.microsoft.com/office/drawing/2014/main" id="{C08E81F0-7FDC-4CEB-9952-F4EA21EC72DD}"/>
                     </a:ext>
                   </a:extLst>
                 </p:cNvPr>
@@ -3674,35 +3603,30 @@
               </p:nvSpPr>
               <p:spPr>
                 <a:xfrm>
-                  <a:off x="4673551" y="4316865"/>
-                  <a:ext cx="1242495" cy="365518"/>
+                  <a:off x="1066725" y="3352368"/>
+                  <a:ext cx="2215275" cy="541424"/>
                 </a:xfrm>
                 <a:prstGeom prst="rect">
                   <a:avLst/>
                 </a:prstGeom>
-                <a:gradFill>
-                  <a:gsLst>
-                    <a:gs pos="0">
-                      <a:srgbClr val="00B050"/>
-                    </a:gs>
-                    <a:gs pos="50000">
-                      <a:schemeClr val="bg1"/>
-                    </a:gs>
-                    <a:gs pos="100000">
-                      <a:srgbClr val="00B050"/>
-                    </a:gs>
-                  </a:gsLst>
-                </a:gradFill>
+                <a:ln w="34925">
+                  <a:solidFill>
+                    <a:schemeClr val="accent6">
+                      <a:lumMod val="60000"/>
+                      <a:lumOff val="40000"/>
+                    </a:schemeClr>
+                  </a:solidFill>
+                </a:ln>
               </p:spPr>
               <p:style>
-                <a:lnRef idx="1">
-                  <a:schemeClr val="accent1"/>
+                <a:lnRef idx="2">
+                  <a:schemeClr val="accent5"/>
                 </a:lnRef>
-                <a:fillRef idx="2">
-                  <a:schemeClr val="accent1"/>
+                <a:fillRef idx="1">
+                  <a:schemeClr val="lt1"/>
                 </a:fillRef>
-                <a:effectRef idx="1">
-                  <a:schemeClr val="accent1"/>
+                <a:effectRef idx="0">
+                  <a:schemeClr val="accent5"/>
                 </a:effectRef>
                 <a:fontRef idx="minor">
                   <a:schemeClr val="dk1"/>
@@ -3712,24 +3636,28 @@
                 <a:bodyPr wrap="square" rtlCol="0">
                   <a:normAutofit/>
                 </a:bodyPr>
-                <a:lstStyle/>
-                <a:p>
-                  <a:pPr defTabSz="914400">
+                <a:lstStyle>
+                  <a:defPPr>
+                    <a:defRPr lang="en-US"/>
+                  </a:defPPr>
+                  <a:lvl1pPr algn="ctr" defTabSz="914400">
                     <a:lnSpc>
                       <a:spcPct val="90000"/>
                     </a:lnSpc>
                     <a:spcAft>
                       <a:spcPts val="600"/>
                     </a:spcAft>
-                    <a:defRPr/>
-                  </a:pPr>
-                  <a:r>
-                    <a:rPr lang="en-US" sz="2800">
+                    <a:defRPr sz="2800">
                       <a:solidFill>
                         <a:schemeClr val="tx1"/>
                       </a:solidFill>
                       <a:latin typeface="Calibri" panose="020F0502020204030204"/>
-                    </a:rPr>
+                    </a:defRPr>
+                  </a:lvl1pPr>
+                </a:lstStyle>
+                <a:p>
+                  <a:r>
+                    <a:rPr lang="en-US" dirty="0"/>
                     <a:t>Mid level IR</a:t>
                   </a:r>
                 </a:p>
@@ -3737,10 +3665,10 @@
             </p:sp>
             <p:sp>
               <p:nvSpPr>
-                <p:cNvPr id="19" name="TextBox 18">
+                <p:cNvPr id="39" name="TextBox 38">
                   <a:extLst>
                     <a:ext uri="{FF2B5EF4-FFF2-40B4-BE49-F238E27FC236}">
-                      <a16:creationId xmlns:a16="http://schemas.microsoft.com/office/drawing/2014/main" id="{30FAD0A2-2135-5F4F-4064-250D41E2032E}"/>
+                      <a16:creationId xmlns:a16="http://schemas.microsoft.com/office/drawing/2014/main" id="{95E0A7E5-5CFB-4F3C-9682-E41425131ACB}"/>
                     </a:ext>
                   </a:extLst>
                 </p:cNvPr>
@@ -3749,35 +3677,30 @@
               </p:nvSpPr>
               <p:spPr>
                 <a:xfrm>
-                  <a:off x="4673551" y="5072436"/>
-                  <a:ext cx="1242495" cy="365518"/>
+                  <a:off x="1066725" y="4486741"/>
+                  <a:ext cx="2215275" cy="541424"/>
                 </a:xfrm>
                 <a:prstGeom prst="rect">
                   <a:avLst/>
                 </a:prstGeom>
-                <a:gradFill>
-                  <a:gsLst>
-                    <a:gs pos="0">
-                      <a:srgbClr val="0070C0"/>
-                    </a:gs>
-                    <a:gs pos="50000">
-                      <a:srgbClr val="FFFF00"/>
-                    </a:gs>
-                    <a:gs pos="100000">
-                      <a:srgbClr val="0070C0"/>
-                    </a:gs>
-                  </a:gsLst>
-                </a:gradFill>
+                <a:ln w="34925">
+                  <a:solidFill>
+                    <a:schemeClr val="accent2">
+                      <a:lumMod val="60000"/>
+                      <a:lumOff val="40000"/>
+                    </a:schemeClr>
+                  </a:solidFill>
+                </a:ln>
               </p:spPr>
               <p:style>
-                <a:lnRef idx="1">
-                  <a:schemeClr val="accent1"/>
+                <a:lnRef idx="2">
+                  <a:schemeClr val="accent5"/>
                 </a:lnRef>
-                <a:fillRef idx="2">
-                  <a:schemeClr val="accent1"/>
+                <a:fillRef idx="1">
+                  <a:schemeClr val="lt1"/>
                 </a:fillRef>
-                <a:effectRef idx="1">
-                  <a:schemeClr val="accent1"/>
+                <a:effectRef idx="0">
+                  <a:schemeClr val="accent5"/>
                 </a:effectRef>
                 <a:fontRef idx="minor">
                   <a:schemeClr val="dk1"/>
@@ -3787,24 +3710,28 @@
                 <a:bodyPr wrap="square" rtlCol="0">
                   <a:normAutofit/>
                 </a:bodyPr>
-                <a:lstStyle/>
-                <a:p>
-                  <a:pPr defTabSz="914400">
+                <a:lstStyle>
+                  <a:defPPr>
+                    <a:defRPr lang="en-US"/>
+                  </a:defPPr>
+                  <a:lvl1pPr algn="ctr" defTabSz="914400">
                     <a:lnSpc>
                       <a:spcPct val="90000"/>
                     </a:lnSpc>
                     <a:spcAft>
                       <a:spcPts val="600"/>
                     </a:spcAft>
-                    <a:defRPr/>
-                  </a:pPr>
-                  <a:r>
-                    <a:rPr lang="en-US" sz="2800">
+                    <a:defRPr sz="2800">
                       <a:solidFill>
                         <a:schemeClr val="tx1"/>
                       </a:solidFill>
                       <a:latin typeface="Calibri" panose="020F0502020204030204"/>
-                    </a:rPr>
+                    </a:defRPr>
+                  </a:lvl1pPr>
+                </a:lstStyle>
+                <a:p>
+                  <a:r>
+                    <a:rPr lang="en-US" dirty="0"/>
                     <a:t>Low level IR</a:t>
                   </a:r>
                 </a:p>
@@ -3812,10 +3739,10 @@
             </p:sp>
             <p:sp>
               <p:nvSpPr>
-                <p:cNvPr id="20" name="Arrow: Down 19">
+                <p:cNvPr id="40" name="Arrow: Down 39">
                   <a:extLst>
                     <a:ext uri="{FF2B5EF4-FFF2-40B4-BE49-F238E27FC236}">
-                      <a16:creationId xmlns:a16="http://schemas.microsoft.com/office/drawing/2014/main" id="{39866E8D-C3D2-D6F4-456B-CD697C4A754B}"/>
+                      <a16:creationId xmlns:a16="http://schemas.microsoft.com/office/drawing/2014/main" id="{C36B529C-8B45-4284-95A0-6882B761F06B}"/>
                     </a:ext>
                   </a:extLst>
                 </p:cNvPr>
@@ -3824,8 +3751,8 @@
               </p:nvSpPr>
               <p:spPr>
                 <a:xfrm>
-                  <a:off x="5115320" y="3993270"/>
-                  <a:ext cx="160513" cy="333436"/>
+                  <a:off x="2031272" y="2843701"/>
+                  <a:ext cx="286183" cy="486640"/>
                 </a:xfrm>
                 <a:prstGeom prst="downArrow">
                   <a:avLst/>
@@ -3865,10 +3792,10 @@
             </p:sp>
             <p:sp>
               <p:nvSpPr>
-                <p:cNvPr id="21" name="Arrow: Down 20">
+                <p:cNvPr id="41" name="Arrow: Down 40">
                   <a:extLst>
                     <a:ext uri="{FF2B5EF4-FFF2-40B4-BE49-F238E27FC236}">
-                      <a16:creationId xmlns:a16="http://schemas.microsoft.com/office/drawing/2014/main" id="{59C04025-5B22-33DC-8052-19DE0D3B966C}"/>
+                      <a16:creationId xmlns:a16="http://schemas.microsoft.com/office/drawing/2014/main" id="{731DD147-31C6-48F5-A6AE-75152CDB9325}"/>
                     </a:ext>
                   </a:extLst>
                 </p:cNvPr>
@@ -3877,8 +3804,8 @@
               </p:nvSpPr>
               <p:spPr>
                 <a:xfrm>
-                  <a:off x="5132499" y="4692243"/>
-                  <a:ext cx="162157" cy="376145"/>
+                  <a:off x="2029806" y="3923291"/>
+                  <a:ext cx="289114" cy="547610"/>
                 </a:xfrm>
                 <a:prstGeom prst="downArrow">
                   <a:avLst/>
@@ -3918,125 +3845,10 @@
             </p:sp>
             <p:sp>
               <p:nvSpPr>
-                <p:cNvPr id="22" name="TextBox 21">
+                <p:cNvPr id="42" name="Arrow: Down 41">
                   <a:extLst>
                     <a:ext uri="{FF2B5EF4-FFF2-40B4-BE49-F238E27FC236}">
-                      <a16:creationId xmlns:a16="http://schemas.microsoft.com/office/drawing/2014/main" id="{D3816FCC-F258-7036-FEA0-E50D8FD8943D}"/>
-                    </a:ext>
-                  </a:extLst>
-                </p:cNvPr>
-                <p:cNvSpPr txBox="1"/>
-                <p:nvPr/>
-              </p:nvSpPr>
-              <p:spPr>
-                <a:xfrm>
-                  <a:off x="4396650" y="2699040"/>
-                  <a:ext cx="1713580" cy="719023"/>
-                </a:xfrm>
-                <a:prstGeom prst="rect">
-                  <a:avLst/>
-                </a:prstGeom>
-                <a:noFill/>
-              </p:spPr>
-              <p:txBody>
-                <a:bodyPr wrap="square" rtlCol="0">
-                  <a:normAutofit/>
-                </a:bodyPr>
-                <a:lstStyle/>
-                <a:p>
-                  <a:pPr algn="ctr" defTabSz="914400">
-                    <a:lnSpc>
-                      <a:spcPct val="90000"/>
-                    </a:lnSpc>
-                    <a:spcAft>
-                      <a:spcPts val="600"/>
-                    </a:spcAft>
-                    <a:defRPr/>
-                  </a:pPr>
-                  <a:r>
-                    <a:rPr lang="en-US" sz="2800" dirty="0">
-                      <a:solidFill>
-                        <a:srgbClr val="44546A"/>
-                      </a:solidFill>
-                      <a:latin typeface="Calibri" panose="020F0502020204030204"/>
-                    </a:rPr>
-                    <a:t>ML framework (tree ensembles)</a:t>
-                  </a:r>
-                </a:p>
-                <a:p>
-                  <a:pPr algn="ctr" defTabSz="914400">
-                    <a:lnSpc>
-                      <a:spcPct val="90000"/>
-                    </a:lnSpc>
-                    <a:spcAft>
-                      <a:spcPts val="600"/>
-                    </a:spcAft>
-                    <a:defRPr/>
-                  </a:pPr>
-                  <a:endParaRPr lang="en-US" sz="2800" dirty="0">
-                    <a:solidFill>
-                      <a:srgbClr val="44546A"/>
-                    </a:solidFill>
-                    <a:latin typeface="Calibri" panose="020F0502020204030204"/>
-                  </a:endParaRPr>
-                </a:p>
-              </p:txBody>
-            </p:sp>
-            <p:sp>
-              <p:nvSpPr>
-                <p:cNvPr id="23" name="TextBox 22">
-                  <a:extLst>
-                    <a:ext uri="{FF2B5EF4-FFF2-40B4-BE49-F238E27FC236}">
-                      <a16:creationId xmlns:a16="http://schemas.microsoft.com/office/drawing/2014/main" id="{CFE5DE56-ACB7-0052-0306-E8FC4958DB9D}"/>
-                    </a:ext>
-                  </a:extLst>
-                </p:cNvPr>
-                <p:cNvSpPr txBox="1"/>
-                <p:nvPr/>
-              </p:nvSpPr>
-              <p:spPr>
-                <a:xfrm>
-                  <a:off x="4445386" y="5673728"/>
-                  <a:ext cx="1713580" cy="418723"/>
-                </a:xfrm>
-                <a:prstGeom prst="rect">
-                  <a:avLst/>
-                </a:prstGeom>
-                <a:noFill/>
-              </p:spPr>
-              <p:txBody>
-                <a:bodyPr wrap="square" rtlCol="0">
-                  <a:normAutofit/>
-                </a:bodyPr>
-                <a:lstStyle/>
-                <a:p>
-                  <a:pPr algn="ctr" defTabSz="914400">
-                    <a:lnSpc>
-                      <a:spcPct val="90000"/>
-                    </a:lnSpc>
-                    <a:spcAft>
-                      <a:spcPts val="600"/>
-                    </a:spcAft>
-                    <a:defRPr/>
-                  </a:pPr>
-                  <a:r>
-                    <a:rPr lang="en-US" sz="2800">
-                      <a:solidFill>
-                        <a:srgbClr val="44546A"/>
-                      </a:solidFill>
-                      <a:latin typeface="Calibri" panose="020F0502020204030204"/>
-                    </a:rPr>
-                    <a:t>Hardware</a:t>
-                  </a:r>
-                </a:p>
-              </p:txBody>
-            </p:sp>
-            <p:sp>
-              <p:nvSpPr>
-                <p:cNvPr id="24" name="Arrow: Down 23">
-                  <a:extLst>
-                    <a:ext uri="{FF2B5EF4-FFF2-40B4-BE49-F238E27FC236}">
-                      <a16:creationId xmlns:a16="http://schemas.microsoft.com/office/drawing/2014/main" id="{54C7244C-7C8F-888D-9F1A-6B227E2CCCA0}"/>
+                      <a16:creationId xmlns:a16="http://schemas.microsoft.com/office/drawing/2014/main" id="{0265FEB0-FDE4-4002-97CD-083663B0A86C}"/>
                     </a:ext>
                   </a:extLst>
                 </p:cNvPr>
@@ -4045,8 +3857,8 @@
               </p:nvSpPr>
               <p:spPr>
                 <a:xfrm>
-                  <a:off x="5097466" y="3314506"/>
-                  <a:ext cx="189826" cy="279869"/>
+                  <a:off x="2005139" y="1883700"/>
+                  <a:ext cx="288000" cy="414557"/>
                 </a:xfrm>
                 <a:prstGeom prst="downArrow">
                   <a:avLst/>
@@ -4086,10 +3898,10 @@
             </p:sp>
             <p:sp>
               <p:nvSpPr>
-                <p:cNvPr id="25" name="Arrow: Down 24">
+                <p:cNvPr id="43" name="Arrow: Down 42">
                   <a:extLst>
                     <a:ext uri="{FF2B5EF4-FFF2-40B4-BE49-F238E27FC236}">
-                      <a16:creationId xmlns:a16="http://schemas.microsoft.com/office/drawing/2014/main" id="{3C5E3851-FCF7-CC9F-B408-30815C9DE9D2}"/>
+                      <a16:creationId xmlns:a16="http://schemas.microsoft.com/office/drawing/2014/main" id="{2A8AA8F5-047F-482F-9709-B441D929C79F}"/>
                     </a:ext>
                   </a:extLst>
                 </p:cNvPr>
@@ -4098,8 +3910,8 @@
               </p:nvSpPr>
               <p:spPr>
                 <a:xfrm>
-                  <a:off x="5122208" y="5470610"/>
-                  <a:ext cx="189826" cy="279869"/>
+                  <a:off x="2005139" y="5063850"/>
+                  <a:ext cx="288000" cy="474131"/>
                 </a:xfrm>
                 <a:prstGeom prst="downArrow">
                   <a:avLst/>
@@ -4137,1053 +3949,1208 @@
                 </a:p>
               </p:txBody>
             </p:sp>
-          </p:grpSp>
-          <p:sp>
-            <p:nvSpPr>
-              <p:cNvPr id="15" name="Rectangle 14">
-                <a:extLst>
-                  <a:ext uri="{FF2B5EF4-FFF2-40B4-BE49-F238E27FC236}">
-                    <a16:creationId xmlns:a16="http://schemas.microsoft.com/office/drawing/2014/main" id="{6B15D297-419E-7E76-2466-62A31BE1DADF}"/>
-                  </a:ext>
-                </a:extLst>
-              </p:cNvPr>
-              <p:cNvSpPr/>
-              <p:nvPr/>
-            </p:nvSpPr>
-            <p:spPr>
-              <a:xfrm>
-                <a:off x="9364486" y="3504511"/>
-                <a:ext cx="330538" cy="1729790"/>
-              </a:xfrm>
-              <a:prstGeom prst="rect">
-                <a:avLst/>
-              </a:prstGeom>
-              <a:gradFill>
-                <a:gsLst>
-                  <a:gs pos="0">
-                    <a:srgbClr val="FFFF00"/>
-                  </a:gs>
-                  <a:gs pos="50000">
-                    <a:srgbClr val="FFFF00"/>
-                  </a:gs>
-                  <a:gs pos="100000">
-                    <a:srgbClr val="FFFF00"/>
-                  </a:gs>
-                </a:gsLst>
-              </a:gradFill>
-            </p:spPr>
-            <p:style>
-              <a:lnRef idx="1">
-                <a:schemeClr val="accent4"/>
-              </a:lnRef>
-              <a:fillRef idx="2">
-                <a:schemeClr val="accent4"/>
-              </a:fillRef>
-              <a:effectRef idx="1">
-                <a:schemeClr val="accent4"/>
-              </a:effectRef>
-              <a:fontRef idx="minor">
-                <a:schemeClr val="dk1"/>
-              </a:fontRef>
-            </p:style>
-            <p:txBody>
-              <a:bodyPr vert="vert" rtlCol="0" anchor="ctr">
-                <a:normAutofit/>
-              </a:bodyPr>
-              <a:lstStyle/>
-              <a:p>
-                <a:pPr algn="ctr" defTabSz="914400">
-                  <a:lnSpc>
-                    <a:spcPct val="90000"/>
-                  </a:lnSpc>
-                  <a:spcAft>
-                    <a:spcPts val="600"/>
-                  </a:spcAft>
-                  <a:defRPr/>
-                </a:pPr>
-                <a:r>
-                  <a:rPr lang="en-US" sz="2800" i="1" dirty="0">
+            <p:sp>
+              <p:nvSpPr>
+                <p:cNvPr id="44" name="Rectangle 43">
+                  <a:extLst>
+                    <a:ext uri="{FF2B5EF4-FFF2-40B4-BE49-F238E27FC236}">
+                      <a16:creationId xmlns:a16="http://schemas.microsoft.com/office/drawing/2014/main" id="{E5282BB9-68CE-4957-8A8C-11819067768F}"/>
+                    </a:ext>
+                  </a:extLst>
+                </p:cNvPr>
+                <p:cNvSpPr/>
+                <p:nvPr/>
+              </p:nvSpPr>
+              <p:spPr>
+                <a:xfrm>
+                  <a:off x="3668632" y="2225242"/>
+                  <a:ext cx="589324" cy="2898179"/>
+                </a:xfrm>
+                <a:prstGeom prst="rect">
+                  <a:avLst/>
+                </a:prstGeom>
+              </p:spPr>
+              <p:style>
+                <a:lnRef idx="1">
+                  <a:schemeClr val="accent6"/>
+                </a:lnRef>
+                <a:fillRef idx="2">
+                  <a:schemeClr val="accent6"/>
+                </a:fillRef>
+                <a:effectRef idx="1">
+                  <a:schemeClr val="accent6"/>
+                </a:effectRef>
+                <a:fontRef idx="minor">
+                  <a:schemeClr val="dk1"/>
+                </a:fontRef>
+              </p:style>
+              <p:txBody>
+                <a:bodyPr vert="vert" rtlCol="0" anchor="ctr">
+                  <a:normAutofit/>
+                </a:bodyPr>
+                <a:lstStyle/>
+                <a:p>
+                  <a:pPr algn="ctr" defTabSz="914400">
+                    <a:lnSpc>
+                      <a:spcPct val="90000"/>
+                    </a:lnSpc>
+                    <a:spcAft>
+                      <a:spcPts val="600"/>
+                    </a:spcAft>
+                    <a:defRPr/>
+                  </a:pPr>
+                  <a:r>
+                    <a:rPr lang="en-US" sz="2800" i="1" dirty="0">
+                      <a:solidFill>
+                        <a:prstClr val="black"/>
+                      </a:solidFill>
+                      <a:latin typeface="Calibri" panose="020F0502020204030204"/>
+                    </a:rPr>
+                    <a:t>Treebeard</a:t>
+                  </a:r>
+                  <a:endParaRPr lang="en-US" sz="2800" b="1" dirty="0">
                     <a:solidFill>
                       <a:prstClr val="black"/>
                     </a:solidFill>
                     <a:latin typeface="Calibri" panose="020F0502020204030204"/>
-                  </a:rPr>
-                  <a:t>Treebeard</a:t>
-                </a:r>
-                <a:endParaRPr lang="en-US" sz="2800" b="1" dirty="0">
+                  </a:endParaRPr>
+                </a:p>
+              </p:txBody>
+            </p:sp>
+            <p:sp>
+              <p:nvSpPr>
+                <p:cNvPr id="45" name="Rectangle 44">
+                  <a:extLst>
+                    <a:ext uri="{FF2B5EF4-FFF2-40B4-BE49-F238E27FC236}">
+                      <a16:creationId xmlns:a16="http://schemas.microsoft.com/office/drawing/2014/main" id="{1647EB8F-FCEE-49FE-9C33-38FDE15D0827}"/>
+                    </a:ext>
+                  </a:extLst>
+                </p:cNvPr>
+                <p:cNvSpPr/>
+                <p:nvPr/>
+              </p:nvSpPr>
+              <p:spPr>
+                <a:xfrm>
+                  <a:off x="5079432" y="5424290"/>
+                  <a:ext cx="5869382" cy="626492"/>
+                </a:xfrm>
+                <a:prstGeom prst="rect">
+                  <a:avLst/>
+                </a:prstGeom>
+                <a:ln w="34925">
                   <a:solidFill>
-                    <a:prstClr val="black"/>
+                    <a:schemeClr val="tx1">
+                      <a:lumMod val="50000"/>
+                      <a:lumOff val="50000"/>
+                    </a:schemeClr>
                   </a:solidFill>
-                  <a:latin typeface="Calibri" panose="020F0502020204030204"/>
-                </a:endParaRPr>
-              </a:p>
-            </p:txBody>
-          </p:sp>
+                </a:ln>
+              </p:spPr>
+              <p:style>
+                <a:lnRef idx="2">
+                  <a:schemeClr val="accent1"/>
+                </a:lnRef>
+                <a:fillRef idx="1">
+                  <a:schemeClr val="lt1"/>
+                </a:fillRef>
+                <a:effectRef idx="0">
+                  <a:schemeClr val="accent1"/>
+                </a:effectRef>
+                <a:fontRef idx="minor">
+                  <a:schemeClr val="dk1"/>
+                </a:fontRef>
+              </p:style>
+              <p:txBody>
+                <a:bodyPr rtlCol="0" anchor="ctr">
+                  <a:normAutofit/>
+                </a:bodyPr>
+                <a:lstStyle/>
+                <a:p>
+                  <a:pPr algn="ctr" defTabSz="914400">
+                    <a:lnSpc>
+                      <a:spcPct val="90000"/>
+                    </a:lnSpc>
+                    <a:spcAft>
+                      <a:spcPts val="600"/>
+                    </a:spcAft>
+                    <a:defRPr/>
+                  </a:pPr>
+                  <a:r>
+                    <a:rPr lang="en-US" sz="2800" dirty="0">
+                      <a:solidFill>
+                        <a:prstClr val="black"/>
+                      </a:solidFill>
+                      <a:latin typeface="Calibri" panose="020F0502020204030204"/>
+                    </a:rPr>
+                    <a:t>x86		</a:t>
+                  </a:r>
+                  <a:r>
+                    <a:rPr lang="en-US" sz="2800" dirty="0" err="1">
+                      <a:solidFill>
+                        <a:prstClr val="black"/>
+                      </a:solidFill>
+                      <a:latin typeface="Calibri" panose="020F0502020204030204"/>
+                    </a:rPr>
+                    <a:t>Risc</a:t>
+                  </a:r>
+                  <a:r>
+                    <a:rPr lang="en-US" sz="2800" dirty="0">
+                      <a:solidFill>
+                        <a:prstClr val="black"/>
+                      </a:solidFill>
+                      <a:latin typeface="Calibri" panose="020F0502020204030204"/>
+                    </a:rPr>
+                    <a:t>-V		Arm</a:t>
+                  </a:r>
+                </a:p>
+              </p:txBody>
+            </p:sp>
+            <p:sp>
+              <p:nvSpPr>
+                <p:cNvPr id="46" name="Arrow: Down 45">
+                  <a:extLst>
+                    <a:ext uri="{FF2B5EF4-FFF2-40B4-BE49-F238E27FC236}">
+                      <a16:creationId xmlns:a16="http://schemas.microsoft.com/office/drawing/2014/main" id="{AB35A8AF-EDF3-4D37-AFA5-3047ED3A3D8C}"/>
+                    </a:ext>
+                  </a:extLst>
+                </p:cNvPr>
+                <p:cNvSpPr/>
+                <p:nvPr/>
+              </p:nvSpPr>
+              <p:spPr>
+                <a:xfrm>
+                  <a:off x="7869074" y="5123423"/>
+                  <a:ext cx="290099" cy="300867"/>
+                </a:xfrm>
+                <a:prstGeom prst="downArrow">
+                  <a:avLst/>
+                </a:prstGeom>
+              </p:spPr>
+              <p:style>
+                <a:lnRef idx="2">
+                  <a:schemeClr val="accent1">
+                    <a:shade val="50000"/>
+                  </a:schemeClr>
+                </a:lnRef>
+                <a:fillRef idx="1">
+                  <a:schemeClr val="accent1"/>
+                </a:fillRef>
+                <a:effectRef idx="0">
+                  <a:schemeClr val="accent1"/>
+                </a:effectRef>
+                <a:fontRef idx="minor">
+                  <a:schemeClr val="lt1"/>
+                </a:fontRef>
+              </p:style>
+              <p:txBody>
+                <a:bodyPr rtlCol="0" anchor="ctr"/>
+                <a:lstStyle/>
+                <a:p>
+                  <a:pPr algn="ctr" defTabSz="914400">
+                    <a:defRPr/>
+                  </a:pPr>
+                  <a:endParaRPr lang="en-US" sz="2800">
+                    <a:solidFill>
+                      <a:prstClr val="white"/>
+                    </a:solidFill>
+                    <a:latin typeface="Calibri" panose="020F0502020204030204"/>
+                  </a:endParaRPr>
+                </a:p>
+              </p:txBody>
+            </p:sp>
+            <p:grpSp>
+              <p:nvGrpSpPr>
+                <p:cNvPr id="47" name="Group 46">
+                  <a:extLst>
+                    <a:ext uri="{FF2B5EF4-FFF2-40B4-BE49-F238E27FC236}">
+                      <a16:creationId xmlns:a16="http://schemas.microsoft.com/office/drawing/2014/main" id="{D6960F68-B446-4908-AC29-01BC895DF92C}"/>
+                    </a:ext>
+                  </a:extLst>
+                </p:cNvPr>
+                <p:cNvGrpSpPr/>
+                <p:nvPr/>
+              </p:nvGrpSpPr>
+              <p:grpSpPr>
+                <a:xfrm>
+                  <a:off x="4491898" y="2228855"/>
+                  <a:ext cx="7044451" cy="716883"/>
+                  <a:chOff x="4504081" y="2228855"/>
+                  <a:chExt cx="7044451" cy="716883"/>
+                </a:xfrm>
+              </p:grpSpPr>
+              <p:sp>
+                <p:nvSpPr>
+                  <p:cNvPr id="61" name="Rectangle 60">
+                    <a:extLst>
+                      <a:ext uri="{FF2B5EF4-FFF2-40B4-BE49-F238E27FC236}">
+                        <a16:creationId xmlns:a16="http://schemas.microsoft.com/office/drawing/2014/main" id="{786C5506-FA14-4146-915D-9D36A09FC8FE}"/>
+                      </a:ext>
+                    </a:extLst>
+                  </p:cNvPr>
+                  <p:cNvSpPr/>
+                  <p:nvPr/>
+                </p:nvSpPr>
+                <p:spPr>
+                  <a:xfrm>
+                    <a:off x="4504081" y="2228855"/>
+                    <a:ext cx="7044451" cy="716883"/>
+                  </a:xfrm>
+                  <a:prstGeom prst="rect">
+                    <a:avLst/>
+                  </a:prstGeom>
+                  <a:ln w="34925"/>
+                </p:spPr>
+                <p:style>
+                  <a:lnRef idx="2">
+                    <a:schemeClr val="accent5"/>
+                  </a:lnRef>
+                  <a:fillRef idx="1">
+                    <a:schemeClr val="lt1"/>
+                  </a:fillRef>
+                  <a:effectRef idx="0">
+                    <a:schemeClr val="accent5"/>
+                  </a:effectRef>
+                  <a:fontRef idx="minor">
+                    <a:schemeClr val="dk1"/>
+                  </a:fontRef>
+                </p:style>
+                <p:txBody>
+                  <a:bodyPr wrap="square" rtlCol="0">
+                    <a:normAutofit/>
+                  </a:bodyPr>
+                  <a:lstStyle/>
+                  <a:p>
+                    <a:pPr algn="ctr" defTabSz="914400">
+                      <a:lnSpc>
+                        <a:spcPct val="90000"/>
+                      </a:lnSpc>
+                      <a:spcAft>
+                        <a:spcPts val="600"/>
+                      </a:spcAft>
+                    </a:pPr>
+                    <a:endParaRPr lang="en-US" sz="2800">
+                      <a:solidFill>
+                        <a:schemeClr val="tx1"/>
+                      </a:solidFill>
+                      <a:latin typeface="Calibri" panose="020F0502020204030204"/>
+                    </a:endParaRPr>
+                  </a:p>
+                </p:txBody>
+              </p:sp>
+              <p:sp>
+                <p:nvSpPr>
+                  <p:cNvPr id="62" name="Rectangle 61">
+                    <a:extLst>
+                      <a:ext uri="{FF2B5EF4-FFF2-40B4-BE49-F238E27FC236}">
+                        <a16:creationId xmlns:a16="http://schemas.microsoft.com/office/drawing/2014/main" id="{5733D98B-3350-4A70-8BC0-2786388E63A7}"/>
+                      </a:ext>
+                    </a:extLst>
+                  </p:cNvPr>
+                  <p:cNvSpPr/>
+                  <p:nvPr/>
+                </p:nvSpPr>
+                <p:spPr>
+                  <a:xfrm>
+                    <a:off x="6921169" y="2337365"/>
+                    <a:ext cx="2161471" cy="499862"/>
+                  </a:xfrm>
+                  <a:prstGeom prst="rect">
+                    <a:avLst/>
+                  </a:prstGeom>
+                  <a:noFill/>
+                  <a:ln w="25400">
+                    <a:solidFill>
+                      <a:schemeClr val="accent5">
+                        <a:lumMod val="40000"/>
+                        <a:lumOff val="60000"/>
+                      </a:schemeClr>
+                    </a:solidFill>
+                  </a:ln>
+                </p:spPr>
+                <p:style>
+                  <a:lnRef idx="1">
+                    <a:schemeClr val="accent4"/>
+                  </a:lnRef>
+                  <a:fillRef idx="2">
+                    <a:schemeClr val="accent4"/>
+                  </a:fillRef>
+                  <a:effectRef idx="1">
+                    <a:schemeClr val="accent4"/>
+                  </a:effectRef>
+                  <a:fontRef idx="minor">
+                    <a:schemeClr val="dk1"/>
+                  </a:fontRef>
+                </p:style>
+                <p:txBody>
+                  <a:bodyPr rtlCol="0" anchor="ctr">
+                    <a:normAutofit fontScale="85000" lnSpcReduction="10000"/>
+                  </a:bodyPr>
+                  <a:lstStyle/>
+                  <a:p>
+                    <a:pPr algn="ctr" defTabSz="914400">
+                      <a:lnSpc>
+                        <a:spcPct val="90000"/>
+                      </a:lnSpc>
+                      <a:spcAft>
+                        <a:spcPts val="600"/>
+                      </a:spcAft>
+                      <a:defRPr/>
+                    </a:pPr>
+                    <a:r>
+                      <a:rPr lang="en-US" sz="2800" dirty="0">
+                        <a:solidFill>
+                          <a:prstClr val="black"/>
+                        </a:solidFill>
+                        <a:latin typeface="Calibri" panose="020F0502020204030204"/>
+                      </a:rPr>
+                      <a:t>Tree Reordering</a:t>
+                    </a:r>
+                  </a:p>
+                </p:txBody>
+              </p:sp>
+              <p:sp>
+                <p:nvSpPr>
+                  <p:cNvPr id="63" name="Rectangle 62">
+                    <a:extLst>
+                      <a:ext uri="{FF2B5EF4-FFF2-40B4-BE49-F238E27FC236}">
+                        <a16:creationId xmlns:a16="http://schemas.microsoft.com/office/drawing/2014/main" id="{81663969-AB5A-468D-AACF-E80054C37A90}"/>
+                      </a:ext>
+                    </a:extLst>
+                  </p:cNvPr>
+                  <p:cNvSpPr/>
+                  <p:nvPr/>
+                </p:nvSpPr>
+                <p:spPr>
+                  <a:xfrm>
+                    <a:off x="4614078" y="2338294"/>
+                    <a:ext cx="2160609" cy="498004"/>
+                  </a:xfrm>
+                  <a:prstGeom prst="rect">
+                    <a:avLst/>
+                  </a:prstGeom>
+                  <a:noFill/>
+                  <a:ln w="25400">
+                    <a:solidFill>
+                      <a:schemeClr val="accent5">
+                        <a:lumMod val="40000"/>
+                        <a:lumOff val="60000"/>
+                      </a:schemeClr>
+                    </a:solidFill>
+                  </a:ln>
+                </p:spPr>
+                <p:style>
+                  <a:lnRef idx="1">
+                    <a:schemeClr val="accent2"/>
+                  </a:lnRef>
+                  <a:fillRef idx="2">
+                    <a:schemeClr val="accent2"/>
+                  </a:fillRef>
+                  <a:effectRef idx="1">
+                    <a:schemeClr val="accent2"/>
+                  </a:effectRef>
+                  <a:fontRef idx="minor">
+                    <a:schemeClr val="dk1"/>
+                  </a:fontRef>
+                </p:style>
+                <p:txBody>
+                  <a:bodyPr rtlCol="0" anchor="ctr">
+                    <a:normAutofit/>
+                  </a:bodyPr>
+                  <a:lstStyle/>
+                  <a:p>
+                    <a:pPr algn="ctr" defTabSz="914400">
+                      <a:lnSpc>
+                        <a:spcPct val="80000"/>
+                      </a:lnSpc>
+                      <a:spcAft>
+                        <a:spcPts val="600"/>
+                      </a:spcAft>
+                      <a:defRPr/>
+                    </a:pPr>
+                    <a:r>
+                      <a:rPr lang="en-US" sz="2400" dirty="0">
+                        <a:solidFill>
+                          <a:prstClr val="black"/>
+                        </a:solidFill>
+                        <a:latin typeface="Calibri" panose="020F0502020204030204"/>
+                      </a:rPr>
+                      <a:t>Tree Tiling</a:t>
+                    </a:r>
+                  </a:p>
+                </p:txBody>
+              </p:sp>
+            </p:grpSp>
+            <p:grpSp>
+              <p:nvGrpSpPr>
+                <p:cNvPr id="48" name="Group 47">
+                  <a:extLst>
+                    <a:ext uri="{FF2B5EF4-FFF2-40B4-BE49-F238E27FC236}">
+                      <a16:creationId xmlns:a16="http://schemas.microsoft.com/office/drawing/2014/main" id="{F84F7027-124E-4EF0-97B3-B838C8A3BDE5}"/>
+                    </a:ext>
+                  </a:extLst>
+                </p:cNvPr>
+                <p:cNvGrpSpPr/>
+                <p:nvPr/>
+              </p:nvGrpSpPr>
+              <p:grpSpPr>
+                <a:xfrm>
+                  <a:off x="4491898" y="4399012"/>
+                  <a:ext cx="7044451" cy="716883"/>
+                  <a:chOff x="4479715" y="4399012"/>
+                  <a:chExt cx="7044451" cy="716883"/>
+                </a:xfrm>
+              </p:grpSpPr>
+              <p:sp>
+                <p:nvSpPr>
+                  <p:cNvPr id="58" name="Rectangle 57">
+                    <a:extLst>
+                      <a:ext uri="{FF2B5EF4-FFF2-40B4-BE49-F238E27FC236}">
+                        <a16:creationId xmlns:a16="http://schemas.microsoft.com/office/drawing/2014/main" id="{EBB2ABB3-31B8-46BA-AE5F-105AD71FEE19}"/>
+                      </a:ext>
+                    </a:extLst>
+                  </p:cNvPr>
+                  <p:cNvSpPr/>
+                  <p:nvPr/>
+                </p:nvSpPr>
+                <p:spPr>
+                  <a:xfrm>
+                    <a:off x="4479715" y="4399012"/>
+                    <a:ext cx="7044451" cy="716883"/>
+                  </a:xfrm>
+                  <a:prstGeom prst="rect">
+                    <a:avLst/>
+                  </a:prstGeom>
+                  <a:ln w="34925">
+                    <a:solidFill>
+                      <a:schemeClr val="accent2">
+                        <a:lumMod val="60000"/>
+                        <a:lumOff val="40000"/>
+                      </a:schemeClr>
+                    </a:solidFill>
+                  </a:ln>
+                </p:spPr>
+                <p:style>
+                  <a:lnRef idx="2">
+                    <a:schemeClr val="accent5"/>
+                  </a:lnRef>
+                  <a:fillRef idx="1">
+                    <a:schemeClr val="lt1"/>
+                  </a:fillRef>
+                  <a:effectRef idx="0">
+                    <a:schemeClr val="accent5"/>
+                  </a:effectRef>
+                  <a:fontRef idx="minor">
+                    <a:schemeClr val="dk1"/>
+                  </a:fontRef>
+                </p:style>
+                <p:txBody>
+                  <a:bodyPr wrap="square" rtlCol="0">
+                    <a:normAutofit/>
+                  </a:bodyPr>
+                  <a:lstStyle/>
+                  <a:p>
+                    <a:pPr algn="ctr" defTabSz="914400">
+                      <a:lnSpc>
+                        <a:spcPct val="90000"/>
+                      </a:lnSpc>
+                      <a:spcAft>
+                        <a:spcPts val="600"/>
+                      </a:spcAft>
+                    </a:pPr>
+                    <a:endParaRPr lang="en-US" sz="2800">
+                      <a:solidFill>
+                        <a:schemeClr val="tx1"/>
+                      </a:solidFill>
+                      <a:latin typeface="Calibri" panose="020F0502020204030204"/>
+                    </a:endParaRPr>
+                  </a:p>
+                </p:txBody>
+              </p:sp>
+              <p:sp>
+                <p:nvSpPr>
+                  <p:cNvPr id="59" name="Rectangle 58">
+                    <a:extLst>
+                      <a:ext uri="{FF2B5EF4-FFF2-40B4-BE49-F238E27FC236}">
+                        <a16:creationId xmlns:a16="http://schemas.microsoft.com/office/drawing/2014/main" id="{6A7A5D5D-5F9D-4B18-8211-7CAB08CB37FD}"/>
+                      </a:ext>
+                    </a:extLst>
+                  </p:cNvPr>
+                  <p:cNvSpPr/>
+                  <p:nvPr/>
+                </p:nvSpPr>
+                <p:spPr>
+                  <a:xfrm>
+                    <a:off x="4675095" y="4488675"/>
+                    <a:ext cx="3148449" cy="537557"/>
+                  </a:xfrm>
+                  <a:prstGeom prst="rect">
+                    <a:avLst/>
+                  </a:prstGeom>
+                  <a:solidFill>
+                    <a:schemeClr val="bg1"/>
+                  </a:solidFill>
+                  <a:ln w="25400">
+                    <a:solidFill>
+                      <a:schemeClr val="accent2">
+                        <a:lumMod val="20000"/>
+                        <a:lumOff val="80000"/>
+                      </a:schemeClr>
+                    </a:solidFill>
+                  </a:ln>
+                </p:spPr>
+                <p:style>
+                  <a:lnRef idx="1">
+                    <a:schemeClr val="accent4"/>
+                  </a:lnRef>
+                  <a:fillRef idx="2">
+                    <a:schemeClr val="accent4"/>
+                  </a:fillRef>
+                  <a:effectRef idx="1">
+                    <a:schemeClr val="accent4"/>
+                  </a:effectRef>
+                  <a:fontRef idx="minor">
+                    <a:schemeClr val="dk1"/>
+                  </a:fontRef>
+                </p:style>
+                <p:txBody>
+                  <a:bodyPr rtlCol="0" anchor="ctr">
+                    <a:normAutofit/>
+                  </a:bodyPr>
+                  <a:lstStyle/>
+                  <a:p>
+                    <a:pPr algn="ctr" defTabSz="914400">
+                      <a:lnSpc>
+                        <a:spcPct val="80000"/>
+                      </a:lnSpc>
+                      <a:spcAft>
+                        <a:spcPts val="600"/>
+                      </a:spcAft>
+                      <a:defRPr/>
+                    </a:pPr>
+                    <a:r>
+                      <a:rPr lang="en-US" sz="2400" dirty="0">
+                        <a:solidFill>
+                          <a:prstClr val="black"/>
+                        </a:solidFill>
+                        <a:latin typeface="Calibri" panose="020F0502020204030204"/>
+                      </a:rPr>
+                      <a:t>Memory layout</a:t>
+                    </a:r>
+                  </a:p>
+                </p:txBody>
+              </p:sp>
+              <p:sp>
+                <p:nvSpPr>
+                  <p:cNvPr id="60" name="Rectangle 59">
+                    <a:extLst>
+                      <a:ext uri="{FF2B5EF4-FFF2-40B4-BE49-F238E27FC236}">
+                        <a16:creationId xmlns:a16="http://schemas.microsoft.com/office/drawing/2014/main" id="{AB78E3A7-1ED3-4217-8D43-6DB48A86A86F}"/>
+                      </a:ext>
+                    </a:extLst>
+                  </p:cNvPr>
+                  <p:cNvSpPr/>
+                  <p:nvPr/>
+                </p:nvSpPr>
+                <p:spPr>
+                  <a:xfrm>
+                    <a:off x="8729453" y="4478947"/>
+                    <a:ext cx="2667063" cy="557013"/>
+                  </a:xfrm>
+                  <a:prstGeom prst="rect">
+                    <a:avLst/>
+                  </a:prstGeom>
+                  <a:solidFill>
+                    <a:schemeClr val="bg1"/>
+                  </a:solidFill>
+                  <a:ln w="25400">
+                    <a:solidFill>
+                      <a:schemeClr val="accent2">
+                        <a:lumMod val="20000"/>
+                        <a:lumOff val="80000"/>
+                      </a:schemeClr>
+                    </a:solidFill>
+                  </a:ln>
+                </p:spPr>
+                <p:style>
+                  <a:lnRef idx="1">
+                    <a:schemeClr val="accent2"/>
+                  </a:lnRef>
+                  <a:fillRef idx="2">
+                    <a:schemeClr val="accent2"/>
+                  </a:fillRef>
+                  <a:effectRef idx="1">
+                    <a:schemeClr val="accent2"/>
+                  </a:effectRef>
+                  <a:fontRef idx="minor">
+                    <a:schemeClr val="dk1"/>
+                  </a:fontRef>
+                </p:style>
+                <p:txBody>
+                  <a:bodyPr rtlCol="0" anchor="ctr">
+                    <a:normAutofit/>
+                  </a:bodyPr>
+                  <a:lstStyle/>
+                  <a:p>
+                    <a:pPr algn="ctr" defTabSz="914400">
+                      <a:lnSpc>
+                        <a:spcPct val="80000"/>
+                      </a:lnSpc>
+                      <a:spcAft>
+                        <a:spcPts val="600"/>
+                      </a:spcAft>
+                      <a:defRPr/>
+                    </a:pPr>
+                    <a:r>
+                      <a:rPr lang="en-US" sz="2400" dirty="0">
+                        <a:solidFill>
+                          <a:prstClr val="black"/>
+                        </a:solidFill>
+                        <a:latin typeface="Calibri" panose="020F0502020204030204"/>
+                      </a:rPr>
+                      <a:t>Vectorization</a:t>
+                    </a:r>
+                  </a:p>
+                </p:txBody>
+              </p:sp>
+            </p:grpSp>
+            <p:sp>
+              <p:nvSpPr>
+                <p:cNvPr id="49" name="Arrow: Down 48">
+                  <a:extLst>
+                    <a:ext uri="{FF2B5EF4-FFF2-40B4-BE49-F238E27FC236}">
+                      <a16:creationId xmlns:a16="http://schemas.microsoft.com/office/drawing/2014/main" id="{9CCBC7AE-F0CC-4CE6-B299-5A725D31EEEC}"/>
+                    </a:ext>
+                  </a:extLst>
+                </p:cNvPr>
+                <p:cNvSpPr/>
+                <p:nvPr/>
+              </p:nvSpPr>
+              <p:spPr>
+                <a:xfrm>
+                  <a:off x="7869074" y="3999557"/>
+                  <a:ext cx="290099" cy="349314"/>
+                </a:xfrm>
+                <a:prstGeom prst="downArrow">
+                  <a:avLst/>
+                </a:prstGeom>
+              </p:spPr>
+              <p:style>
+                <a:lnRef idx="2">
+                  <a:schemeClr val="accent1">
+                    <a:shade val="50000"/>
+                  </a:schemeClr>
+                </a:lnRef>
+                <a:fillRef idx="1">
+                  <a:schemeClr val="accent1"/>
+                </a:fillRef>
+                <a:effectRef idx="0">
+                  <a:schemeClr val="accent1"/>
+                </a:effectRef>
+                <a:fontRef idx="minor">
+                  <a:schemeClr val="lt1"/>
+                </a:fontRef>
+              </p:style>
+              <p:txBody>
+                <a:bodyPr rtlCol="0" anchor="ctr"/>
+                <a:lstStyle/>
+                <a:p>
+                  <a:pPr algn="ctr" defTabSz="914400">
+                    <a:defRPr/>
+                  </a:pPr>
+                  <a:endParaRPr lang="en-US" sz="2800">
+                    <a:solidFill>
+                      <a:prstClr val="white"/>
+                    </a:solidFill>
+                    <a:latin typeface="Calibri" panose="020F0502020204030204"/>
+                  </a:endParaRPr>
+                </a:p>
+              </p:txBody>
+            </p:sp>
+            <p:sp>
+              <p:nvSpPr>
+                <p:cNvPr id="50" name="Arrow: Down 49">
+                  <a:extLst>
+                    <a:ext uri="{FF2B5EF4-FFF2-40B4-BE49-F238E27FC236}">
+                      <a16:creationId xmlns:a16="http://schemas.microsoft.com/office/drawing/2014/main" id="{F2257F75-15DF-4417-B264-E4C2C8FD9774}"/>
+                    </a:ext>
+                  </a:extLst>
+                </p:cNvPr>
+                <p:cNvSpPr/>
+                <p:nvPr/>
+              </p:nvSpPr>
+              <p:spPr>
+                <a:xfrm>
+                  <a:off x="7869074" y="2953265"/>
+                  <a:ext cx="290099" cy="293339"/>
+                </a:xfrm>
+                <a:prstGeom prst="downArrow">
+                  <a:avLst/>
+                </a:prstGeom>
+              </p:spPr>
+              <p:style>
+                <a:lnRef idx="2">
+                  <a:schemeClr val="accent1">
+                    <a:shade val="50000"/>
+                  </a:schemeClr>
+                </a:lnRef>
+                <a:fillRef idx="1">
+                  <a:schemeClr val="accent1"/>
+                </a:fillRef>
+                <a:effectRef idx="0">
+                  <a:schemeClr val="accent1"/>
+                </a:effectRef>
+                <a:fontRef idx="minor">
+                  <a:schemeClr val="lt1"/>
+                </a:fontRef>
+              </p:style>
+              <p:txBody>
+                <a:bodyPr rtlCol="0" anchor="ctr"/>
+                <a:lstStyle/>
+                <a:p>
+                  <a:pPr algn="ctr" defTabSz="914400">
+                    <a:defRPr/>
+                  </a:pPr>
+                  <a:endParaRPr lang="en-US" sz="2800">
+                    <a:solidFill>
+                      <a:prstClr val="white"/>
+                    </a:solidFill>
+                    <a:latin typeface="Calibri" panose="020F0502020204030204"/>
+                  </a:endParaRPr>
+                </a:p>
+              </p:txBody>
+            </p:sp>
+            <p:sp>
+              <p:nvSpPr>
+                <p:cNvPr id="51" name="Arrow: Down 50">
+                  <a:extLst>
+                    <a:ext uri="{FF2B5EF4-FFF2-40B4-BE49-F238E27FC236}">
+                      <a16:creationId xmlns:a16="http://schemas.microsoft.com/office/drawing/2014/main" id="{8DA509F6-B5B1-4580-AC84-D202E2D66DD6}"/>
+                    </a:ext>
+                  </a:extLst>
+                </p:cNvPr>
+                <p:cNvSpPr/>
+                <p:nvPr/>
+              </p:nvSpPr>
+              <p:spPr>
+                <a:xfrm>
+                  <a:off x="7869074" y="1868544"/>
+                  <a:ext cx="290099" cy="342276"/>
+                </a:xfrm>
+                <a:prstGeom prst="downArrow">
+                  <a:avLst/>
+                </a:prstGeom>
+              </p:spPr>
+              <p:style>
+                <a:lnRef idx="2">
+                  <a:schemeClr val="accent1">
+                    <a:shade val="50000"/>
+                  </a:schemeClr>
+                </a:lnRef>
+                <a:fillRef idx="1">
+                  <a:schemeClr val="accent1"/>
+                </a:fillRef>
+                <a:effectRef idx="0">
+                  <a:schemeClr val="accent1"/>
+                </a:effectRef>
+                <a:fontRef idx="minor">
+                  <a:schemeClr val="lt1"/>
+                </a:fontRef>
+              </p:style>
+              <p:txBody>
+                <a:bodyPr rtlCol="0" anchor="ctr"/>
+                <a:lstStyle/>
+                <a:p>
+                  <a:pPr algn="ctr" defTabSz="914400">
+                    <a:defRPr/>
+                  </a:pPr>
+                  <a:endParaRPr lang="en-US" sz="2800" dirty="0">
+                    <a:solidFill>
+                      <a:prstClr val="white"/>
+                    </a:solidFill>
+                    <a:latin typeface="Calibri" panose="020F0502020204030204"/>
+                  </a:endParaRPr>
+                </a:p>
+              </p:txBody>
+            </p:sp>
+            <p:sp>
+              <p:nvSpPr>
+                <p:cNvPr id="52" name="Rectangle: Diagonal Corners Snipped 51">
+                  <a:extLst>
+                    <a:ext uri="{FF2B5EF4-FFF2-40B4-BE49-F238E27FC236}">
+                      <a16:creationId xmlns:a16="http://schemas.microsoft.com/office/drawing/2014/main" id="{806001E3-B51B-434A-86BB-83CFB4705415}"/>
+                    </a:ext>
+                  </a:extLst>
+                </p:cNvPr>
+                <p:cNvSpPr/>
+                <p:nvPr/>
+              </p:nvSpPr>
+              <p:spPr>
+                <a:xfrm>
+                  <a:off x="6346014" y="1349542"/>
+                  <a:ext cx="3336219" cy="515390"/>
+                </a:xfrm>
+                <a:prstGeom prst="snip2DiagRect">
+                  <a:avLst/>
+                </a:prstGeom>
+                <a:ln w="34925">
+                  <a:solidFill>
+                    <a:schemeClr val="tx1">
+                      <a:lumMod val="50000"/>
+                      <a:lumOff val="50000"/>
+                    </a:schemeClr>
+                  </a:solidFill>
+                </a:ln>
+              </p:spPr>
+              <p:style>
+                <a:lnRef idx="2">
+                  <a:schemeClr val="accent1"/>
+                </a:lnRef>
+                <a:fillRef idx="1">
+                  <a:schemeClr val="lt1"/>
+                </a:fillRef>
+                <a:effectRef idx="0">
+                  <a:schemeClr val="accent1"/>
+                </a:effectRef>
+                <a:fontRef idx="minor">
+                  <a:schemeClr val="dk1"/>
+                </a:fontRef>
+              </p:style>
+              <p:txBody>
+                <a:bodyPr rtlCol="0" anchor="ctr">
+                  <a:noAutofit/>
+                </a:bodyPr>
+                <a:lstStyle/>
+                <a:p>
+                  <a:pPr algn="ctr" defTabSz="914400">
+                    <a:lnSpc>
+                      <a:spcPct val="90000"/>
+                    </a:lnSpc>
+                    <a:spcAft>
+                      <a:spcPts val="600"/>
+                    </a:spcAft>
+                    <a:defRPr/>
+                  </a:pPr>
+                  <a:r>
+                    <a:rPr lang="en-US" sz="2800" dirty="0">
+                      <a:solidFill>
+                        <a:prstClr val="black"/>
+                      </a:solidFill>
+                      <a:latin typeface="Calibri" panose="020F0502020204030204"/>
+                    </a:rPr>
+                    <a:t>Serialized model</a:t>
+                  </a:r>
+                </a:p>
+              </p:txBody>
+            </p:sp>
+            <p:grpSp>
+              <p:nvGrpSpPr>
+                <p:cNvPr id="53" name="Group 52">
+                  <a:extLst>
+                    <a:ext uri="{FF2B5EF4-FFF2-40B4-BE49-F238E27FC236}">
+                      <a16:creationId xmlns:a16="http://schemas.microsoft.com/office/drawing/2014/main" id="{584F075D-EE11-49A9-AB02-569311DA3C44}"/>
+                    </a:ext>
+                  </a:extLst>
+                </p:cNvPr>
+                <p:cNvGrpSpPr/>
+                <p:nvPr/>
+              </p:nvGrpSpPr>
+              <p:grpSpPr>
+                <a:xfrm>
+                  <a:off x="4491898" y="3264639"/>
+                  <a:ext cx="7044451" cy="716883"/>
+                  <a:chOff x="4479715" y="3369414"/>
+                  <a:chExt cx="7044451" cy="716883"/>
+                </a:xfrm>
+              </p:grpSpPr>
+              <p:sp>
+                <p:nvSpPr>
+                  <p:cNvPr id="54" name="Rectangle 53">
+                    <a:extLst>
+                      <a:ext uri="{FF2B5EF4-FFF2-40B4-BE49-F238E27FC236}">
+                        <a16:creationId xmlns:a16="http://schemas.microsoft.com/office/drawing/2014/main" id="{1DCE4557-0839-4DB1-BBBB-F2E10ACCA87B}"/>
+                      </a:ext>
+                    </a:extLst>
+                  </p:cNvPr>
+                  <p:cNvSpPr/>
+                  <p:nvPr/>
+                </p:nvSpPr>
+                <p:spPr>
+                  <a:xfrm>
+                    <a:off x="4479715" y="3369414"/>
+                    <a:ext cx="7044451" cy="716883"/>
+                  </a:xfrm>
+                  <a:prstGeom prst="rect">
+                    <a:avLst/>
+                  </a:prstGeom>
+                  <a:ln w="34925">
+                    <a:solidFill>
+                      <a:schemeClr val="accent6">
+                        <a:lumMod val="60000"/>
+                        <a:lumOff val="40000"/>
+                      </a:schemeClr>
+                    </a:solidFill>
+                  </a:ln>
+                </p:spPr>
+                <p:style>
+                  <a:lnRef idx="2">
+                    <a:schemeClr val="accent5"/>
+                  </a:lnRef>
+                  <a:fillRef idx="1">
+                    <a:schemeClr val="lt1"/>
+                  </a:fillRef>
+                  <a:effectRef idx="0">
+                    <a:schemeClr val="accent5"/>
+                  </a:effectRef>
+                  <a:fontRef idx="minor">
+                    <a:schemeClr val="dk1"/>
+                  </a:fontRef>
+                </p:style>
+                <p:txBody>
+                  <a:bodyPr wrap="square" rtlCol="0">
+                    <a:normAutofit/>
+                  </a:bodyPr>
+                  <a:lstStyle/>
+                  <a:p>
+                    <a:pPr algn="ctr" defTabSz="914400">
+                      <a:lnSpc>
+                        <a:spcPct val="90000"/>
+                      </a:lnSpc>
+                      <a:spcAft>
+                        <a:spcPts val="600"/>
+                      </a:spcAft>
+                    </a:pPr>
+                    <a:endParaRPr lang="en-US" sz="2800" dirty="0">
+                      <a:solidFill>
+                        <a:schemeClr val="tx1"/>
+                      </a:solidFill>
+                      <a:latin typeface="Calibri" panose="020F0502020204030204"/>
+                    </a:endParaRPr>
+                  </a:p>
+                </p:txBody>
+              </p:sp>
+              <p:sp>
+                <p:nvSpPr>
+                  <p:cNvPr id="55" name="Rectangle 54">
+                    <a:extLst>
+                      <a:ext uri="{FF2B5EF4-FFF2-40B4-BE49-F238E27FC236}">
+                        <a16:creationId xmlns:a16="http://schemas.microsoft.com/office/drawing/2014/main" id="{95833826-D085-4ADD-AF7D-3B2ECD0970D0}"/>
+                      </a:ext>
+                    </a:extLst>
+                  </p:cNvPr>
+                  <p:cNvSpPr/>
+                  <p:nvPr/>
+                </p:nvSpPr>
+                <p:spPr>
+                  <a:xfrm>
+                    <a:off x="4614080" y="3459077"/>
+                    <a:ext cx="2203629" cy="537557"/>
+                  </a:xfrm>
+                  <a:prstGeom prst="rect">
+                    <a:avLst/>
+                  </a:prstGeom>
+                  <a:noFill/>
+                  <a:ln w="25400">
+                    <a:solidFill>
+                      <a:schemeClr val="accent6">
+                        <a:lumMod val="20000"/>
+                        <a:lumOff val="80000"/>
+                      </a:schemeClr>
+                    </a:solidFill>
+                  </a:ln>
+                </p:spPr>
+                <p:style>
+                  <a:lnRef idx="1">
+                    <a:schemeClr val="accent4"/>
+                  </a:lnRef>
+                  <a:fillRef idx="2">
+                    <a:schemeClr val="accent4"/>
+                  </a:fillRef>
+                  <a:effectRef idx="1">
+                    <a:schemeClr val="accent4"/>
+                  </a:effectRef>
+                  <a:fontRef idx="minor">
+                    <a:schemeClr val="dk1"/>
+                  </a:fontRef>
+                </p:style>
+                <p:txBody>
+                  <a:bodyPr rtlCol="0" anchor="ctr">
+                    <a:normAutofit/>
+                  </a:bodyPr>
+                  <a:lstStyle/>
+                  <a:p>
+                    <a:pPr algn="ctr" defTabSz="914400">
+                      <a:lnSpc>
+                        <a:spcPct val="90000"/>
+                      </a:lnSpc>
+                      <a:spcAft>
+                        <a:spcPts val="600"/>
+                      </a:spcAft>
+                      <a:defRPr/>
+                    </a:pPr>
+                    <a:r>
+                      <a:rPr lang="en-US" sz="2400" dirty="0">
+                        <a:solidFill>
+                          <a:prstClr val="black"/>
+                        </a:solidFill>
+                        <a:latin typeface="Calibri" panose="020F0502020204030204"/>
+                      </a:rPr>
+                      <a:t>Walk Peeling</a:t>
+                    </a:r>
+                  </a:p>
+                </p:txBody>
+              </p:sp>
+              <p:sp>
+                <p:nvSpPr>
+                  <p:cNvPr id="56" name="Rectangle 55">
+                    <a:extLst>
+                      <a:ext uri="{FF2B5EF4-FFF2-40B4-BE49-F238E27FC236}">
+                        <a16:creationId xmlns:a16="http://schemas.microsoft.com/office/drawing/2014/main" id="{78A7BB01-96D9-4D52-A803-826D6C744AAD}"/>
+                      </a:ext>
+                    </a:extLst>
+                  </p:cNvPr>
+                  <p:cNvSpPr/>
+                  <p:nvPr/>
+                </p:nvSpPr>
+                <p:spPr>
+                  <a:xfrm>
+                    <a:off x="6926042" y="3459077"/>
+                    <a:ext cx="2278384" cy="537557"/>
+                  </a:xfrm>
+                  <a:prstGeom prst="rect">
+                    <a:avLst/>
+                  </a:prstGeom>
+                  <a:noFill/>
+                  <a:ln w="25400">
+                    <a:solidFill>
+                      <a:schemeClr val="accent6">
+                        <a:lumMod val="20000"/>
+                        <a:lumOff val="80000"/>
+                      </a:schemeClr>
+                    </a:solidFill>
+                  </a:ln>
+                </p:spPr>
+                <p:style>
+                  <a:lnRef idx="1">
+                    <a:schemeClr val="accent4"/>
+                  </a:lnRef>
+                  <a:fillRef idx="2">
+                    <a:schemeClr val="accent4"/>
+                  </a:fillRef>
+                  <a:effectRef idx="1">
+                    <a:schemeClr val="accent4"/>
+                  </a:effectRef>
+                  <a:fontRef idx="minor">
+                    <a:schemeClr val="dk1"/>
+                  </a:fontRef>
+                </p:style>
+                <p:txBody>
+                  <a:bodyPr rtlCol="0" anchor="ctr">
+                    <a:normAutofit/>
+                  </a:bodyPr>
+                  <a:lstStyle/>
+                  <a:p>
+                    <a:pPr algn="ctr" defTabSz="914400">
+                      <a:lnSpc>
+                        <a:spcPct val="80000"/>
+                      </a:lnSpc>
+                      <a:spcAft>
+                        <a:spcPts val="600"/>
+                      </a:spcAft>
+                      <a:defRPr/>
+                    </a:pPr>
+                    <a:r>
+                      <a:rPr lang="en-US" sz="2400" dirty="0">
+                        <a:solidFill>
+                          <a:prstClr val="black"/>
+                        </a:solidFill>
+                        <a:latin typeface="Calibri" panose="020F0502020204030204"/>
+                      </a:rPr>
+                      <a:t>Walk Interleaving</a:t>
+                    </a:r>
+                  </a:p>
+                </p:txBody>
+              </p:sp>
+              <p:sp>
+                <p:nvSpPr>
+                  <p:cNvPr id="57" name="Rectangle 56">
+                    <a:extLst>
+                      <a:ext uri="{FF2B5EF4-FFF2-40B4-BE49-F238E27FC236}">
+                        <a16:creationId xmlns:a16="http://schemas.microsoft.com/office/drawing/2014/main" id="{D9DD914A-7586-4D88-90BE-39E36B66B561}"/>
+                      </a:ext>
+                    </a:extLst>
+                  </p:cNvPr>
+                  <p:cNvSpPr/>
+                  <p:nvPr/>
+                </p:nvSpPr>
+                <p:spPr>
+                  <a:xfrm>
+                    <a:off x="9312759" y="3459077"/>
+                    <a:ext cx="2020969" cy="537557"/>
+                  </a:xfrm>
+                  <a:prstGeom prst="rect">
+                    <a:avLst/>
+                  </a:prstGeom>
+                  <a:noFill/>
+                  <a:ln w="25400">
+                    <a:solidFill>
+                      <a:schemeClr val="accent6">
+                        <a:lumMod val="20000"/>
+                        <a:lumOff val="80000"/>
+                      </a:schemeClr>
+                    </a:solidFill>
+                  </a:ln>
+                </p:spPr>
+                <p:style>
+                  <a:lnRef idx="1">
+                    <a:schemeClr val="accent4"/>
+                  </a:lnRef>
+                  <a:fillRef idx="2">
+                    <a:schemeClr val="accent4"/>
+                  </a:fillRef>
+                  <a:effectRef idx="1">
+                    <a:schemeClr val="accent4"/>
+                  </a:effectRef>
+                  <a:fontRef idx="minor">
+                    <a:schemeClr val="dk1"/>
+                  </a:fontRef>
+                </p:style>
+                <p:txBody>
+                  <a:bodyPr rtlCol="0" anchor="ctr">
+                    <a:normAutofit/>
+                  </a:bodyPr>
+                  <a:lstStyle/>
+                  <a:p>
+                    <a:pPr algn="ctr" defTabSz="914400">
+                      <a:lnSpc>
+                        <a:spcPct val="90000"/>
+                      </a:lnSpc>
+                      <a:spcAft>
+                        <a:spcPts val="600"/>
+                      </a:spcAft>
+                      <a:defRPr/>
+                    </a:pPr>
+                    <a:r>
+                      <a:rPr lang="en-US" sz="2400" dirty="0">
+                        <a:solidFill>
+                          <a:prstClr val="black"/>
+                        </a:solidFill>
+                        <a:latin typeface="Calibri" panose="020F0502020204030204"/>
+                      </a:rPr>
+                      <a:t>Parallelization</a:t>
+                    </a:r>
+                  </a:p>
+                </p:txBody>
+              </p:sp>
+            </p:grpSp>
+          </p:grpSp>
         </p:grpSp>
-        <p:sp>
-          <p:nvSpPr>
-            <p:cNvPr id="49" name="Rectangle 48">
-              <a:extLst>
-                <a:ext uri="{FF2B5EF4-FFF2-40B4-BE49-F238E27FC236}">
-                  <a16:creationId xmlns:a16="http://schemas.microsoft.com/office/drawing/2014/main" id="{FED197CB-7AA9-7954-AC0A-4C2D404C6060}"/>
-                </a:ext>
-              </a:extLst>
-            </p:cNvPr>
-            <p:cNvSpPr/>
-            <p:nvPr/>
-          </p:nvSpPr>
-          <p:spPr>
-            <a:xfrm>
-              <a:off x="6519248" y="3196545"/>
-              <a:ext cx="3203795" cy="341970"/>
-            </a:xfrm>
-            <a:prstGeom prst="rect">
-              <a:avLst/>
-            </a:prstGeom>
-          </p:spPr>
-          <p:style>
-            <a:lnRef idx="2">
-              <a:schemeClr val="accent1"/>
-            </a:lnRef>
-            <a:fillRef idx="1">
-              <a:schemeClr val="lt1"/>
-            </a:fillRef>
-            <a:effectRef idx="0">
-              <a:schemeClr val="accent1"/>
-            </a:effectRef>
-            <a:fontRef idx="minor">
-              <a:schemeClr val="dk1"/>
-            </a:fontRef>
-          </p:style>
-          <p:txBody>
-            <a:bodyPr rtlCol="0" anchor="ctr">
-              <a:normAutofit/>
-            </a:bodyPr>
-            <a:lstStyle/>
-            <a:p>
-              <a:pPr algn="ctr" defTabSz="914400">
-                <a:lnSpc>
-                  <a:spcPct val="90000"/>
-                </a:lnSpc>
-                <a:spcAft>
-                  <a:spcPts val="600"/>
-                </a:spcAft>
-                <a:defRPr/>
-              </a:pPr>
-              <a:r>
-                <a:rPr lang="en-US" sz="2800" dirty="0">
-                  <a:solidFill>
-                    <a:prstClr val="black"/>
-                  </a:solidFill>
-                  <a:latin typeface="Calibri" panose="020F0502020204030204"/>
-                </a:rPr>
-                <a:t>x86		</a:t>
-              </a:r>
-              <a:r>
-                <a:rPr lang="en-US" sz="2800" dirty="0" err="1">
-                  <a:solidFill>
-                    <a:prstClr val="black"/>
-                  </a:solidFill>
-                  <a:latin typeface="Calibri" panose="020F0502020204030204"/>
-                </a:rPr>
-                <a:t>Risc</a:t>
-              </a:r>
-              <a:r>
-                <a:rPr lang="en-US" sz="2800" dirty="0">
-                  <a:solidFill>
-                    <a:prstClr val="black"/>
-                  </a:solidFill>
-                  <a:latin typeface="Calibri" panose="020F0502020204030204"/>
-                </a:rPr>
-                <a:t>-V		Arm</a:t>
-              </a:r>
-            </a:p>
-          </p:txBody>
-        </p:sp>
-        <p:sp>
-          <p:nvSpPr>
-            <p:cNvPr id="48" name="Arrow: Down 47">
-              <a:extLst>
-                <a:ext uri="{FF2B5EF4-FFF2-40B4-BE49-F238E27FC236}">
-                  <a16:creationId xmlns:a16="http://schemas.microsoft.com/office/drawing/2014/main" id="{54E2DBB4-739E-5A3A-14A3-98EA7024D875}"/>
-                </a:ext>
-              </a:extLst>
-            </p:cNvPr>
-            <p:cNvSpPr/>
-            <p:nvPr/>
-          </p:nvSpPr>
-          <p:spPr>
-            <a:xfrm>
-              <a:off x="8086490" y="3032317"/>
-              <a:ext cx="158350" cy="164228"/>
-            </a:xfrm>
-            <a:prstGeom prst="downArrow">
-              <a:avLst/>
-            </a:prstGeom>
-          </p:spPr>
-          <p:style>
-            <a:lnRef idx="2">
-              <a:schemeClr val="accent1">
-                <a:shade val="50000"/>
-              </a:schemeClr>
-            </a:lnRef>
-            <a:fillRef idx="1">
-              <a:schemeClr val="accent1"/>
-            </a:fillRef>
-            <a:effectRef idx="0">
-              <a:schemeClr val="accent1"/>
-            </a:effectRef>
-            <a:fontRef idx="minor">
-              <a:schemeClr val="lt1"/>
-            </a:fontRef>
-          </p:style>
-          <p:txBody>
-            <a:bodyPr rtlCol="0" anchor="ctr"/>
-            <a:lstStyle/>
-            <a:p>
-              <a:pPr algn="ctr" defTabSz="914400">
-                <a:defRPr/>
-              </a:pPr>
-              <a:endParaRPr lang="en-US" sz="2800">
-                <a:solidFill>
-                  <a:prstClr val="white"/>
-                </a:solidFill>
-                <a:latin typeface="Calibri" panose="020F0502020204030204"/>
-              </a:endParaRPr>
-            </a:p>
-          </p:txBody>
-        </p:sp>
-        <p:sp>
-          <p:nvSpPr>
-            <p:cNvPr id="110" name="Rectangle 109">
-              <a:extLst>
-                <a:ext uri="{FF2B5EF4-FFF2-40B4-BE49-F238E27FC236}">
-                  <a16:creationId xmlns:a16="http://schemas.microsoft.com/office/drawing/2014/main" id="{117163BE-17B5-F936-D9CA-6FB5752CE6CE}"/>
-                </a:ext>
-              </a:extLst>
-            </p:cNvPr>
-            <p:cNvSpPr/>
-            <p:nvPr/>
-          </p:nvSpPr>
-          <p:spPr>
-            <a:xfrm>
-              <a:off x="6274565" y="1452320"/>
-              <a:ext cx="3845205" cy="391310"/>
-            </a:xfrm>
-            <a:prstGeom prst="rect">
-              <a:avLst/>
-            </a:prstGeom>
-          </p:spPr>
-          <p:style>
-            <a:lnRef idx="2">
-              <a:schemeClr val="accent1"/>
-            </a:lnRef>
-            <a:fillRef idx="1">
-              <a:schemeClr val="lt1"/>
-            </a:fillRef>
-            <a:effectRef idx="0">
-              <a:schemeClr val="accent1"/>
-            </a:effectRef>
-            <a:fontRef idx="minor">
-              <a:schemeClr val="dk1"/>
-            </a:fontRef>
-          </p:style>
-          <p:txBody>
-            <a:bodyPr rtlCol="0" anchor="ctr"/>
-            <a:lstStyle/>
-            <a:p>
-              <a:pPr algn="ctr" defTabSz="914400">
-                <a:defRPr/>
-              </a:pPr>
-              <a:endParaRPr lang="en-US" sz="2800">
-                <a:solidFill>
-                  <a:prstClr val="black"/>
-                </a:solidFill>
-                <a:latin typeface="Calibri" panose="020F0502020204030204"/>
-              </a:endParaRPr>
-            </a:p>
-          </p:txBody>
-        </p:sp>
-        <p:sp>
-          <p:nvSpPr>
-            <p:cNvPr id="114" name="Rectangle 113">
-              <a:extLst>
-                <a:ext uri="{FF2B5EF4-FFF2-40B4-BE49-F238E27FC236}">
-                  <a16:creationId xmlns:a16="http://schemas.microsoft.com/office/drawing/2014/main" id="{0EC2F3D1-DE4E-89D0-5909-2955F379CE1E}"/>
-                </a:ext>
-              </a:extLst>
-            </p:cNvPr>
-            <p:cNvSpPr/>
-            <p:nvPr/>
-          </p:nvSpPr>
-          <p:spPr>
-            <a:xfrm>
-              <a:off x="7574015" y="1531574"/>
-              <a:ext cx="2428515" cy="286035"/>
-            </a:xfrm>
-            <a:prstGeom prst="rect">
-              <a:avLst/>
-            </a:prstGeom>
-            <a:gradFill>
-              <a:gsLst>
-                <a:gs pos="0">
-                  <a:srgbClr val="C00000"/>
-                </a:gs>
-                <a:gs pos="50000">
-                  <a:srgbClr val="FFFF00"/>
-                </a:gs>
-                <a:gs pos="100000">
-                  <a:srgbClr val="C00000"/>
-                </a:gs>
-              </a:gsLst>
-            </a:gradFill>
-          </p:spPr>
-          <p:style>
-            <a:lnRef idx="1">
-              <a:schemeClr val="accent4"/>
-            </a:lnRef>
-            <a:fillRef idx="2">
-              <a:schemeClr val="accent4"/>
-            </a:fillRef>
-            <a:effectRef idx="1">
-              <a:schemeClr val="accent4"/>
-            </a:effectRef>
-            <a:fontRef idx="minor">
-              <a:schemeClr val="dk1"/>
-            </a:fontRef>
-          </p:style>
-          <p:txBody>
-            <a:bodyPr rtlCol="0" anchor="ctr">
-              <a:normAutofit/>
-            </a:bodyPr>
-            <a:lstStyle/>
-            <a:p>
-              <a:pPr algn="ctr" defTabSz="914400">
-                <a:lnSpc>
-                  <a:spcPct val="90000"/>
-                </a:lnSpc>
-                <a:spcAft>
-                  <a:spcPts val="600"/>
-                </a:spcAft>
-                <a:defRPr/>
-              </a:pPr>
-              <a:r>
-                <a:rPr lang="en-US" sz="2800" dirty="0">
-                  <a:solidFill>
-                    <a:prstClr val="black"/>
-                  </a:solidFill>
-                  <a:latin typeface="Calibri" panose="020F0502020204030204"/>
-                </a:rPr>
-                <a:t>Tree reordering</a:t>
-              </a:r>
-            </a:p>
-          </p:txBody>
-        </p:sp>
-        <p:sp>
-          <p:nvSpPr>
-            <p:cNvPr id="116" name="Rectangle 115">
-              <a:extLst>
-                <a:ext uri="{FF2B5EF4-FFF2-40B4-BE49-F238E27FC236}">
-                  <a16:creationId xmlns:a16="http://schemas.microsoft.com/office/drawing/2014/main" id="{D35F5C1D-11ED-ADEA-064B-086A8D9F9C0C}"/>
-                </a:ext>
-              </a:extLst>
-            </p:cNvPr>
-            <p:cNvSpPr/>
-            <p:nvPr/>
-          </p:nvSpPr>
-          <p:spPr>
-            <a:xfrm>
-              <a:off x="6334607" y="1540352"/>
-              <a:ext cx="1179366" cy="271835"/>
-            </a:xfrm>
-            <a:prstGeom prst="rect">
-              <a:avLst/>
-            </a:prstGeom>
-            <a:gradFill>
-              <a:gsLst>
-                <a:gs pos="0">
-                  <a:srgbClr val="C00000"/>
-                </a:gs>
-                <a:gs pos="50000">
-                  <a:srgbClr val="FFFF00"/>
-                </a:gs>
-                <a:gs pos="100000">
-                  <a:srgbClr val="C00000"/>
-                </a:gs>
-              </a:gsLst>
-            </a:gradFill>
-          </p:spPr>
-          <p:style>
-            <a:lnRef idx="1">
-              <a:schemeClr val="accent2"/>
-            </a:lnRef>
-            <a:fillRef idx="2">
-              <a:schemeClr val="accent2"/>
-            </a:fillRef>
-            <a:effectRef idx="1">
-              <a:schemeClr val="accent2"/>
-            </a:effectRef>
-            <a:fontRef idx="minor">
-              <a:schemeClr val="dk1"/>
-            </a:fontRef>
-          </p:style>
-          <p:txBody>
-            <a:bodyPr rtlCol="0" anchor="ctr">
-              <a:normAutofit/>
-            </a:bodyPr>
-            <a:lstStyle/>
-            <a:p>
-              <a:pPr algn="ctr" defTabSz="914400">
-                <a:lnSpc>
-                  <a:spcPct val="90000"/>
-                </a:lnSpc>
-                <a:spcAft>
-                  <a:spcPts val="600"/>
-                </a:spcAft>
-                <a:defRPr/>
-              </a:pPr>
-              <a:r>
-                <a:rPr lang="en-US" sz="2800" dirty="0">
-                  <a:solidFill>
-                    <a:prstClr val="black"/>
-                  </a:solidFill>
-                  <a:latin typeface="Calibri" panose="020F0502020204030204"/>
-                </a:rPr>
-                <a:t>Tree Tiling</a:t>
-              </a:r>
-            </a:p>
-          </p:txBody>
-        </p:sp>
-        <p:sp>
-          <p:nvSpPr>
-            <p:cNvPr id="120" name="Rectangle 119">
-              <a:extLst>
-                <a:ext uri="{FF2B5EF4-FFF2-40B4-BE49-F238E27FC236}">
-                  <a16:creationId xmlns:a16="http://schemas.microsoft.com/office/drawing/2014/main" id="{750D08E4-1BCE-8327-327B-A70E59CBCF1D}"/>
-                </a:ext>
-              </a:extLst>
-            </p:cNvPr>
-            <p:cNvSpPr/>
-            <p:nvPr/>
-          </p:nvSpPr>
-          <p:spPr>
-            <a:xfrm>
-              <a:off x="6261265" y="2074893"/>
-              <a:ext cx="3845205" cy="391310"/>
-            </a:xfrm>
-            <a:prstGeom prst="rect">
-              <a:avLst/>
-            </a:prstGeom>
-          </p:spPr>
-          <p:style>
-            <a:lnRef idx="2">
-              <a:schemeClr val="accent1"/>
-            </a:lnRef>
-            <a:fillRef idx="1">
-              <a:schemeClr val="lt1"/>
-            </a:fillRef>
-            <a:effectRef idx="0">
-              <a:schemeClr val="accent1"/>
-            </a:effectRef>
-            <a:fontRef idx="minor">
-              <a:schemeClr val="dk1"/>
-            </a:fontRef>
-          </p:style>
-          <p:txBody>
-            <a:bodyPr rtlCol="0" anchor="ctr"/>
-            <a:lstStyle/>
-            <a:p>
-              <a:pPr algn="ctr" defTabSz="914400">
-                <a:defRPr/>
-              </a:pPr>
-              <a:endParaRPr lang="en-US" sz="2800" dirty="0">
-                <a:solidFill>
-                  <a:prstClr val="black"/>
-                </a:solidFill>
-                <a:latin typeface="Calibri" panose="020F0502020204030204"/>
-              </a:endParaRPr>
-            </a:p>
-          </p:txBody>
-        </p:sp>
-        <p:sp>
-          <p:nvSpPr>
-            <p:cNvPr id="122" name="Rectangle 121">
-              <a:extLst>
-                <a:ext uri="{FF2B5EF4-FFF2-40B4-BE49-F238E27FC236}">
-                  <a16:creationId xmlns:a16="http://schemas.microsoft.com/office/drawing/2014/main" id="{21DE96D0-4FA3-EEF5-2D85-FDA8B3E5522A}"/>
-                </a:ext>
-              </a:extLst>
-            </p:cNvPr>
-            <p:cNvSpPr/>
-            <p:nvPr/>
-          </p:nvSpPr>
-          <p:spPr>
-            <a:xfrm>
-              <a:off x="6334608" y="2130660"/>
-              <a:ext cx="1179365" cy="293425"/>
-            </a:xfrm>
-            <a:prstGeom prst="rect">
-              <a:avLst/>
-            </a:prstGeom>
-            <a:gradFill>
-              <a:gsLst>
-                <a:gs pos="0">
-                  <a:srgbClr val="00B050"/>
-                </a:gs>
-                <a:gs pos="50000">
-                  <a:srgbClr val="FFFF00"/>
-                </a:gs>
-                <a:gs pos="100000">
-                  <a:srgbClr val="00B050"/>
-                </a:gs>
-              </a:gsLst>
-            </a:gradFill>
-          </p:spPr>
-          <p:style>
-            <a:lnRef idx="1">
-              <a:schemeClr val="accent4"/>
-            </a:lnRef>
-            <a:fillRef idx="2">
-              <a:schemeClr val="accent4"/>
-            </a:fillRef>
-            <a:effectRef idx="1">
-              <a:schemeClr val="accent4"/>
-            </a:effectRef>
-            <a:fontRef idx="minor">
-              <a:schemeClr val="dk1"/>
-            </a:fontRef>
-          </p:style>
-          <p:txBody>
-            <a:bodyPr rtlCol="0" anchor="ctr">
-              <a:normAutofit/>
-            </a:bodyPr>
-            <a:lstStyle/>
-            <a:p>
-              <a:pPr algn="ctr" defTabSz="914400">
-                <a:lnSpc>
-                  <a:spcPct val="90000"/>
-                </a:lnSpc>
-                <a:spcAft>
-                  <a:spcPts val="600"/>
-                </a:spcAft>
-                <a:defRPr/>
-              </a:pPr>
-              <a:r>
-                <a:rPr lang="en-US" sz="2800" dirty="0">
-                  <a:solidFill>
-                    <a:prstClr val="black"/>
-                  </a:solidFill>
-                  <a:latin typeface="Calibri" panose="020F0502020204030204"/>
-                </a:rPr>
-                <a:t>Peeling</a:t>
-              </a:r>
-            </a:p>
-          </p:txBody>
-        </p:sp>
-        <p:sp>
-          <p:nvSpPr>
-            <p:cNvPr id="142" name="Rectangle 141">
-              <a:extLst>
-                <a:ext uri="{FF2B5EF4-FFF2-40B4-BE49-F238E27FC236}">
-                  <a16:creationId xmlns:a16="http://schemas.microsoft.com/office/drawing/2014/main" id="{83DE1272-5098-D016-6835-F7D2DB136AE9}"/>
-                </a:ext>
-              </a:extLst>
-            </p:cNvPr>
-            <p:cNvSpPr/>
-            <p:nvPr/>
-          </p:nvSpPr>
-          <p:spPr>
-            <a:xfrm>
-              <a:off x="6261265" y="2636898"/>
-              <a:ext cx="3845205" cy="391310"/>
-            </a:xfrm>
-            <a:prstGeom prst="rect">
-              <a:avLst/>
-            </a:prstGeom>
-          </p:spPr>
-          <p:style>
-            <a:lnRef idx="2">
-              <a:schemeClr val="accent1"/>
-            </a:lnRef>
-            <a:fillRef idx="1">
-              <a:schemeClr val="lt1"/>
-            </a:fillRef>
-            <a:effectRef idx="0">
-              <a:schemeClr val="accent1"/>
-            </a:effectRef>
-            <a:fontRef idx="minor">
-              <a:schemeClr val="dk1"/>
-            </a:fontRef>
-          </p:style>
-          <p:txBody>
-            <a:bodyPr rtlCol="0" anchor="ctr"/>
-            <a:lstStyle/>
-            <a:p>
-              <a:pPr algn="ctr" defTabSz="914400">
-                <a:defRPr/>
-              </a:pPr>
-              <a:endParaRPr lang="en-US" sz="2800">
-                <a:solidFill>
-                  <a:prstClr val="black"/>
-                </a:solidFill>
-                <a:latin typeface="Calibri" panose="020F0502020204030204"/>
-              </a:endParaRPr>
-            </a:p>
-          </p:txBody>
-        </p:sp>
-        <p:sp>
-          <p:nvSpPr>
-            <p:cNvPr id="144" name="Rectangle 143">
-              <a:extLst>
-                <a:ext uri="{FF2B5EF4-FFF2-40B4-BE49-F238E27FC236}">
-                  <a16:creationId xmlns:a16="http://schemas.microsoft.com/office/drawing/2014/main" id="{5AA30D4C-5751-4EAB-9CA9-F7359C3B8BFE}"/>
-                </a:ext>
-              </a:extLst>
-            </p:cNvPr>
-            <p:cNvSpPr/>
-            <p:nvPr/>
-          </p:nvSpPr>
-          <p:spPr>
-            <a:xfrm>
-              <a:off x="6367913" y="2678478"/>
-              <a:ext cx="1718577" cy="293425"/>
-            </a:xfrm>
-            <a:prstGeom prst="rect">
-              <a:avLst/>
-            </a:prstGeom>
-            <a:gradFill>
-              <a:gsLst>
-                <a:gs pos="0">
-                  <a:schemeClr val="accent1"/>
-                </a:gs>
-                <a:gs pos="50000">
-                  <a:srgbClr val="FFFF00"/>
-                </a:gs>
-                <a:gs pos="100000">
-                  <a:schemeClr val="accent1"/>
-                </a:gs>
-              </a:gsLst>
-            </a:gradFill>
-          </p:spPr>
-          <p:style>
-            <a:lnRef idx="1">
-              <a:schemeClr val="accent4"/>
-            </a:lnRef>
-            <a:fillRef idx="2">
-              <a:schemeClr val="accent4"/>
-            </a:fillRef>
-            <a:effectRef idx="1">
-              <a:schemeClr val="accent4"/>
-            </a:effectRef>
-            <a:fontRef idx="minor">
-              <a:schemeClr val="dk1"/>
-            </a:fontRef>
-          </p:style>
-          <p:txBody>
-            <a:bodyPr rtlCol="0" anchor="ctr">
-              <a:normAutofit/>
-            </a:bodyPr>
-            <a:lstStyle/>
-            <a:p>
-              <a:pPr algn="ctr" defTabSz="914400">
-                <a:lnSpc>
-                  <a:spcPct val="90000"/>
-                </a:lnSpc>
-                <a:spcAft>
-                  <a:spcPts val="600"/>
-                </a:spcAft>
-                <a:defRPr/>
-              </a:pPr>
-              <a:r>
-                <a:rPr lang="en-US" sz="2800" dirty="0">
-                  <a:solidFill>
-                    <a:prstClr val="black"/>
-                  </a:solidFill>
-                  <a:latin typeface="Calibri" panose="020F0502020204030204"/>
-                </a:rPr>
-                <a:t>Memory layout</a:t>
-              </a:r>
-            </a:p>
-          </p:txBody>
-        </p:sp>
-        <p:sp>
-          <p:nvSpPr>
-            <p:cNvPr id="146" name="Rectangle 145">
-              <a:extLst>
-                <a:ext uri="{FF2B5EF4-FFF2-40B4-BE49-F238E27FC236}">
-                  <a16:creationId xmlns:a16="http://schemas.microsoft.com/office/drawing/2014/main" id="{2F05A5FA-29CE-D73C-633F-FC22C59AB55A}"/>
-                </a:ext>
-              </a:extLst>
-            </p:cNvPr>
-            <p:cNvSpPr/>
-            <p:nvPr/>
-          </p:nvSpPr>
-          <p:spPr>
-            <a:xfrm>
-              <a:off x="8580979" y="2677070"/>
-              <a:ext cx="1455813" cy="304045"/>
-            </a:xfrm>
-            <a:prstGeom prst="rect">
-              <a:avLst/>
-            </a:prstGeom>
-            <a:gradFill>
-              <a:gsLst>
-                <a:gs pos="0">
-                  <a:schemeClr val="accent1"/>
-                </a:gs>
-                <a:gs pos="50000">
-                  <a:srgbClr val="FFFF00"/>
-                </a:gs>
-                <a:gs pos="100000">
-                  <a:schemeClr val="accent1"/>
-                </a:gs>
-              </a:gsLst>
-            </a:gradFill>
-          </p:spPr>
-          <p:style>
-            <a:lnRef idx="1">
-              <a:schemeClr val="accent2"/>
-            </a:lnRef>
-            <a:fillRef idx="2">
-              <a:schemeClr val="accent2"/>
-            </a:fillRef>
-            <a:effectRef idx="1">
-              <a:schemeClr val="accent2"/>
-            </a:effectRef>
-            <a:fontRef idx="minor">
-              <a:schemeClr val="dk1"/>
-            </a:fontRef>
-          </p:style>
-          <p:txBody>
-            <a:bodyPr rtlCol="0" anchor="ctr">
-              <a:normAutofit/>
-            </a:bodyPr>
-            <a:lstStyle/>
-            <a:p>
-              <a:pPr algn="ctr" defTabSz="914400">
-                <a:lnSpc>
-                  <a:spcPct val="90000"/>
-                </a:lnSpc>
-                <a:spcAft>
-                  <a:spcPts val="600"/>
-                </a:spcAft>
-                <a:defRPr/>
-              </a:pPr>
-              <a:r>
-                <a:rPr lang="en-US" sz="2800" dirty="0">
-                  <a:solidFill>
-                    <a:prstClr val="black"/>
-                  </a:solidFill>
-                  <a:latin typeface="Calibri" panose="020F0502020204030204"/>
-                </a:rPr>
-                <a:t>Vectorization</a:t>
-              </a:r>
-            </a:p>
-          </p:txBody>
-        </p:sp>
-        <p:sp>
-          <p:nvSpPr>
-            <p:cNvPr id="148" name="Rectangle 147">
-              <a:extLst>
-                <a:ext uri="{FF2B5EF4-FFF2-40B4-BE49-F238E27FC236}">
-                  <a16:creationId xmlns:a16="http://schemas.microsoft.com/office/drawing/2014/main" id="{E97AAE40-F817-F248-97B8-6D0A8A498729}"/>
-                </a:ext>
-              </a:extLst>
-            </p:cNvPr>
-            <p:cNvSpPr/>
-            <p:nvPr/>
-          </p:nvSpPr>
-          <p:spPr>
-            <a:xfrm>
-              <a:off x="7539838" y="2131687"/>
-              <a:ext cx="1179365" cy="293425"/>
-            </a:xfrm>
-            <a:prstGeom prst="rect">
-              <a:avLst/>
-            </a:prstGeom>
-            <a:gradFill>
-              <a:gsLst>
-                <a:gs pos="0">
-                  <a:srgbClr val="00B050"/>
-                </a:gs>
-                <a:gs pos="50000">
-                  <a:srgbClr val="FFFF00"/>
-                </a:gs>
-                <a:gs pos="100000">
-                  <a:srgbClr val="00B050"/>
-                </a:gs>
-              </a:gsLst>
-            </a:gradFill>
-          </p:spPr>
-          <p:style>
-            <a:lnRef idx="1">
-              <a:schemeClr val="accent4"/>
-            </a:lnRef>
-            <a:fillRef idx="2">
-              <a:schemeClr val="accent4"/>
-            </a:fillRef>
-            <a:effectRef idx="1">
-              <a:schemeClr val="accent4"/>
-            </a:effectRef>
-            <a:fontRef idx="minor">
-              <a:schemeClr val="dk1"/>
-            </a:fontRef>
-          </p:style>
-          <p:txBody>
-            <a:bodyPr rtlCol="0" anchor="ctr">
-              <a:normAutofit/>
-            </a:bodyPr>
-            <a:lstStyle/>
-            <a:p>
-              <a:pPr algn="ctr" defTabSz="914400">
-                <a:lnSpc>
-                  <a:spcPct val="90000"/>
-                </a:lnSpc>
-                <a:spcAft>
-                  <a:spcPts val="600"/>
-                </a:spcAft>
-                <a:defRPr/>
-              </a:pPr>
-              <a:r>
-                <a:rPr lang="en-US" sz="2800" dirty="0">
-                  <a:solidFill>
-                    <a:prstClr val="black"/>
-                  </a:solidFill>
-                  <a:latin typeface="Calibri" panose="020F0502020204030204"/>
-                </a:rPr>
-                <a:t>Unroll &amp; Jam</a:t>
-              </a:r>
-            </a:p>
-          </p:txBody>
-        </p:sp>
-        <p:sp>
-          <p:nvSpPr>
-            <p:cNvPr id="150" name="Arrow: Down 149">
-              <a:extLst>
-                <a:ext uri="{FF2B5EF4-FFF2-40B4-BE49-F238E27FC236}">
-                  <a16:creationId xmlns:a16="http://schemas.microsoft.com/office/drawing/2014/main" id="{B889C47F-23A2-91B5-AB47-5DB59973E3CF}"/>
-                </a:ext>
-              </a:extLst>
-            </p:cNvPr>
-            <p:cNvSpPr/>
-            <p:nvPr/>
-          </p:nvSpPr>
-          <p:spPr>
-            <a:xfrm>
-              <a:off x="8078870" y="2458320"/>
-              <a:ext cx="158350" cy="182404"/>
-            </a:xfrm>
-            <a:prstGeom prst="downArrow">
-              <a:avLst/>
-            </a:prstGeom>
-          </p:spPr>
-          <p:style>
-            <a:lnRef idx="2">
-              <a:schemeClr val="accent1">
-                <a:shade val="50000"/>
-              </a:schemeClr>
-            </a:lnRef>
-            <a:fillRef idx="1">
-              <a:schemeClr val="accent1"/>
-            </a:fillRef>
-            <a:effectRef idx="0">
-              <a:schemeClr val="accent1"/>
-            </a:effectRef>
-            <a:fontRef idx="minor">
-              <a:schemeClr val="lt1"/>
-            </a:fontRef>
-          </p:style>
-          <p:txBody>
-            <a:bodyPr rtlCol="0" anchor="ctr"/>
-            <a:lstStyle/>
-            <a:p>
-              <a:pPr algn="ctr" defTabSz="914400">
-                <a:defRPr/>
-              </a:pPr>
-              <a:endParaRPr lang="en-US" sz="2800">
-                <a:solidFill>
-                  <a:prstClr val="white"/>
-                </a:solidFill>
-                <a:latin typeface="Calibri" panose="020F0502020204030204"/>
-              </a:endParaRPr>
-            </a:p>
-          </p:txBody>
-        </p:sp>
-        <p:sp>
-          <p:nvSpPr>
-            <p:cNvPr id="152" name="Arrow: Down 151">
-              <a:extLst>
-                <a:ext uri="{FF2B5EF4-FFF2-40B4-BE49-F238E27FC236}">
-                  <a16:creationId xmlns:a16="http://schemas.microsoft.com/office/drawing/2014/main" id="{B53281CA-DA16-0C69-47CA-39958BE283F2}"/>
-                </a:ext>
-              </a:extLst>
-            </p:cNvPr>
-            <p:cNvSpPr/>
-            <p:nvPr/>
-          </p:nvSpPr>
-          <p:spPr>
-            <a:xfrm>
-              <a:off x="8094110" y="1837829"/>
-              <a:ext cx="158350" cy="231395"/>
-            </a:xfrm>
-            <a:prstGeom prst="downArrow">
-              <a:avLst/>
-            </a:prstGeom>
-          </p:spPr>
-          <p:style>
-            <a:lnRef idx="2">
-              <a:schemeClr val="accent1">
-                <a:shade val="50000"/>
-              </a:schemeClr>
-            </a:lnRef>
-            <a:fillRef idx="1">
-              <a:schemeClr val="accent1"/>
-            </a:fillRef>
-            <a:effectRef idx="0">
-              <a:schemeClr val="accent1"/>
-            </a:effectRef>
-            <a:fontRef idx="minor">
-              <a:schemeClr val="lt1"/>
-            </a:fontRef>
-          </p:style>
-          <p:txBody>
-            <a:bodyPr rtlCol="0" anchor="ctr"/>
-            <a:lstStyle/>
-            <a:p>
-              <a:pPr algn="ctr" defTabSz="914400">
-                <a:defRPr/>
-              </a:pPr>
-              <a:endParaRPr lang="en-US" sz="2800">
-                <a:solidFill>
-                  <a:prstClr val="white"/>
-                </a:solidFill>
-                <a:latin typeface="Calibri" panose="020F0502020204030204"/>
-              </a:endParaRPr>
-            </a:p>
-          </p:txBody>
-        </p:sp>
-        <p:sp>
-          <p:nvSpPr>
-            <p:cNvPr id="154" name="Arrow: Down 153">
-              <a:extLst>
-                <a:ext uri="{FF2B5EF4-FFF2-40B4-BE49-F238E27FC236}">
-                  <a16:creationId xmlns:a16="http://schemas.microsoft.com/office/drawing/2014/main" id="{27AD6C91-B42E-3E57-805C-9040E777B41C}"/>
-                </a:ext>
-              </a:extLst>
-            </p:cNvPr>
-            <p:cNvSpPr/>
-            <p:nvPr/>
-          </p:nvSpPr>
-          <p:spPr>
-            <a:xfrm>
-              <a:off x="8078726" y="1255644"/>
-              <a:ext cx="158350" cy="194705"/>
-            </a:xfrm>
-            <a:prstGeom prst="downArrow">
-              <a:avLst/>
-            </a:prstGeom>
-          </p:spPr>
-          <p:style>
-            <a:lnRef idx="2">
-              <a:schemeClr val="accent1">
-                <a:shade val="50000"/>
-              </a:schemeClr>
-            </a:lnRef>
-            <a:fillRef idx="1">
-              <a:schemeClr val="accent1"/>
-            </a:fillRef>
-            <a:effectRef idx="0">
-              <a:schemeClr val="accent1"/>
-            </a:effectRef>
-            <a:fontRef idx="minor">
-              <a:schemeClr val="lt1"/>
-            </a:fontRef>
-          </p:style>
-          <p:txBody>
-            <a:bodyPr rtlCol="0" anchor="ctr"/>
-            <a:lstStyle/>
-            <a:p>
-              <a:pPr algn="ctr" defTabSz="914400">
-                <a:defRPr/>
-              </a:pPr>
-              <a:endParaRPr lang="en-US" sz="2800" dirty="0">
-                <a:solidFill>
-                  <a:prstClr val="white"/>
-                </a:solidFill>
-                <a:latin typeface="Calibri" panose="020F0502020204030204"/>
-              </a:endParaRPr>
-            </a:p>
-          </p:txBody>
-        </p:sp>
-        <p:sp>
-          <p:nvSpPr>
-            <p:cNvPr id="156" name="Rectangle: Diagonal Corners Snipped 155">
-              <a:extLst>
-                <a:ext uri="{FF2B5EF4-FFF2-40B4-BE49-F238E27FC236}">
-                  <a16:creationId xmlns:a16="http://schemas.microsoft.com/office/drawing/2014/main" id="{C7B84897-8E81-CFD8-8FD2-98A950F48A13}"/>
-                </a:ext>
-              </a:extLst>
-            </p:cNvPr>
-            <p:cNvSpPr/>
-            <p:nvPr/>
-          </p:nvSpPr>
-          <p:spPr>
-            <a:xfrm>
-              <a:off x="7247365" y="972348"/>
-              <a:ext cx="1821071" cy="281325"/>
-            </a:xfrm>
-            <a:prstGeom prst="snip2DiagRect">
-              <a:avLst/>
-            </a:prstGeom>
-          </p:spPr>
-          <p:style>
-            <a:lnRef idx="2">
-              <a:schemeClr val="accent1"/>
-            </a:lnRef>
-            <a:fillRef idx="1">
-              <a:schemeClr val="lt1"/>
-            </a:fillRef>
-            <a:effectRef idx="0">
-              <a:schemeClr val="accent1"/>
-            </a:effectRef>
-            <a:fontRef idx="minor">
-              <a:schemeClr val="dk1"/>
-            </a:fontRef>
-          </p:style>
-          <p:txBody>
-            <a:bodyPr rtlCol="0" anchor="ctr">
-              <a:noAutofit/>
-            </a:bodyPr>
-            <a:lstStyle/>
-            <a:p>
-              <a:pPr algn="ctr" defTabSz="914400">
-                <a:lnSpc>
-                  <a:spcPct val="90000"/>
-                </a:lnSpc>
-                <a:spcAft>
-                  <a:spcPts val="600"/>
-                </a:spcAft>
-                <a:defRPr/>
-              </a:pPr>
-              <a:r>
-                <a:rPr lang="en-US" sz="2800" dirty="0">
-                  <a:solidFill>
-                    <a:prstClr val="black"/>
-                  </a:solidFill>
-                  <a:latin typeface="Calibri" panose="020F0502020204030204"/>
-                </a:rPr>
-                <a:t>Serialized model</a:t>
-              </a:r>
-            </a:p>
-          </p:txBody>
-        </p:sp>
       </p:grpSp>
       <p:sp>
         <p:nvSpPr>
-          <p:cNvPr id="3" name="Rectangle 2">
-            <a:extLst>
-              <a:ext uri="{FF2B5EF4-FFF2-40B4-BE49-F238E27FC236}">
-                <a16:creationId xmlns:a16="http://schemas.microsoft.com/office/drawing/2014/main" id="{60ECD81A-E9ED-C855-37FE-0A7A6F4B5B63}"/>
+          <p:cNvPr id="36" name="Rectangle 35">
+            <a:extLst>
+              <a:ext uri="{FF2B5EF4-FFF2-40B4-BE49-F238E27FC236}">
+                <a16:creationId xmlns:a16="http://schemas.microsoft.com/office/drawing/2014/main" id="{8F18B82D-0BBC-41B7-8904-CF0B51B25FC7}"/>
               </a:ext>
             </a:extLst>
           </p:cNvPr>
@@ -5192,25 +5159,21 @@
         </p:nvSpPr>
         <p:spPr>
           <a:xfrm>
-            <a:off x="9173119" y="3471582"/>
-            <a:ext cx="2160608" cy="537557"/>
+            <a:off x="9264697" y="2169804"/>
+            <a:ext cx="2257200" cy="522000"/>
           </a:xfrm>
           <a:prstGeom prst="rect">
             <a:avLst/>
           </a:prstGeom>
-          <a:gradFill>
-            <a:gsLst>
-              <a:gs pos="0">
-                <a:srgbClr val="00B050"/>
-              </a:gs>
-              <a:gs pos="50000">
-                <a:srgbClr val="FFFF00"/>
-              </a:gs>
-              <a:gs pos="100000">
-                <a:srgbClr val="00B050"/>
-              </a:gs>
-            </a:gsLst>
-          </a:gradFill>
+          <a:noFill/>
+          <a:ln w="25400">
+            <a:solidFill>
+              <a:schemeClr val="accent5">
+                <a:lumMod val="40000"/>
+                <a:lumOff val="60000"/>
+              </a:schemeClr>
+            </a:solidFill>
+          </a:ln>
         </p:spPr>
         <p:style>
           <a:lnRef idx="1">
@@ -5234,7 +5197,7 @@
           <a:p>
             <a:pPr algn="ctr" defTabSz="914400">
               <a:lnSpc>
-                <a:spcPct val="90000"/>
+                <a:spcPct val="80000"/>
               </a:lnSpc>
               <a:spcAft>
                 <a:spcPts val="600"/>
@@ -5242,13 +5205,13 @@
               <a:defRPr/>
             </a:pPr>
             <a:r>
-              <a:rPr lang="en-US" sz="2800" dirty="0">
+              <a:rPr lang="en-US" sz="2400" dirty="0">
                 <a:solidFill>
                   <a:prstClr val="black"/>
                 </a:solidFill>
                 <a:latin typeface="Calibri" panose="020F0502020204030204"/>
               </a:rPr>
-              <a:t>Parallelize</a:t>
+              <a:t>Loop Rewriting</a:t>
             </a:r>
           </a:p>
         </p:txBody>
@@ -5256,7 +5219,7 @@
     </p:spTree>
     <p:extLst>
       <p:ext uri="{BB962C8B-B14F-4D97-AF65-F5344CB8AC3E}">
-        <p14:creationId xmlns:p14="http://schemas.microsoft.com/office/powerpoint/2010/main" val="1328428532"/>
+        <p14:creationId xmlns:p14="http://schemas.microsoft.com/office/powerpoint/2010/main" val="3575607174"/>
       </p:ext>
     </p:extLst>
   </p:cSld>
